--- a/DC Meetup.2013-12-05.pptx
+++ b/DC Meetup.2013-12-05.pptx
@@ -6,27 +6,31 @@
   </p:sldMasterIdLst>
   <p:sldIdLst>
     <p:sldId id="256" r:id="rId2"/>
-    <p:sldId id="259" r:id="rId3"/>
-    <p:sldId id="262" r:id="rId4"/>
-    <p:sldId id="263" r:id="rId5"/>
-    <p:sldId id="264" r:id="rId6"/>
-    <p:sldId id="266" r:id="rId7"/>
-    <p:sldId id="265" r:id="rId8"/>
-    <p:sldId id="284" r:id="rId9"/>
-    <p:sldId id="268" r:id="rId10"/>
-    <p:sldId id="269" r:id="rId11"/>
-    <p:sldId id="271" r:id="rId12"/>
-    <p:sldId id="285" r:id="rId13"/>
-    <p:sldId id="272" r:id="rId14"/>
-    <p:sldId id="273" r:id="rId15"/>
-    <p:sldId id="274" r:id="rId16"/>
-    <p:sldId id="275" r:id="rId17"/>
-    <p:sldId id="276" r:id="rId18"/>
-    <p:sldId id="277" r:id="rId19"/>
-    <p:sldId id="278" r:id="rId20"/>
-    <p:sldId id="286" r:id="rId21"/>
-    <p:sldId id="280" r:id="rId22"/>
-    <p:sldId id="279" r:id="rId23"/>
+    <p:sldId id="290" r:id="rId3"/>
+    <p:sldId id="259" r:id="rId4"/>
+    <p:sldId id="262" r:id="rId5"/>
+    <p:sldId id="287" r:id="rId6"/>
+    <p:sldId id="289" r:id="rId7"/>
+    <p:sldId id="292" r:id="rId8"/>
+    <p:sldId id="264" r:id="rId9"/>
+    <p:sldId id="266" r:id="rId10"/>
+    <p:sldId id="265" r:id="rId11"/>
+    <p:sldId id="284" r:id="rId12"/>
+    <p:sldId id="268" r:id="rId13"/>
+    <p:sldId id="269" r:id="rId14"/>
+    <p:sldId id="293" r:id="rId15"/>
+    <p:sldId id="271" r:id="rId16"/>
+    <p:sldId id="272" r:id="rId17"/>
+    <p:sldId id="273" r:id="rId18"/>
+    <p:sldId id="274" r:id="rId19"/>
+    <p:sldId id="275" r:id="rId20"/>
+    <p:sldId id="276" r:id="rId21"/>
+    <p:sldId id="277" r:id="rId22"/>
+    <p:sldId id="278" r:id="rId23"/>
+    <p:sldId id="286" r:id="rId24"/>
+    <p:sldId id="280" r:id="rId25"/>
+    <p:sldId id="288" r:id="rId26"/>
+    <p:sldId id="279" r:id="rId27"/>
   </p:sldIdLst>
   <p:sldSz cx="12192000" cy="6858000"/>
   <p:notesSz cx="6858000" cy="9144000"/>
@@ -4410,7 +4414,7 @@
             <a:fld id="{B61BEF0D-F0BB-DE4B-95CE-6DB70DBA9567}" type="datetimeFigureOut">
               <a:rPr lang="en-US" smtClean="0"/>
               <a:pPr/>
-              <a:t>11/24/2013</a:t>
+              <a:t>12/4/2013</a:t>
             </a:fld>
             <a:endParaRPr lang="en-US" dirty="0"/>
           </a:p>
@@ -4679,7 +4683,7 @@
             <a:fld id="{B61BEF0D-F0BB-DE4B-95CE-6DB70DBA9567}" type="datetimeFigureOut">
               <a:rPr lang="en-US" smtClean="0"/>
               <a:pPr/>
-              <a:t>11/24/2013</a:t>
+              <a:t>12/4/2013</a:t>
             </a:fld>
             <a:endParaRPr lang="en-US" dirty="0"/>
           </a:p>
@@ -4877,7 +4881,7 @@
             <a:fld id="{B61BEF0D-F0BB-DE4B-95CE-6DB70DBA9567}" type="datetimeFigureOut">
               <a:rPr lang="en-US" smtClean="0"/>
               <a:pPr/>
-              <a:t>11/24/2013</a:t>
+              <a:t>12/4/2013</a:t>
             </a:fld>
             <a:endParaRPr lang="en-US" dirty="0"/>
           </a:p>
@@ -5142,7 +5146,7 @@
             <a:fld id="{B61BEF0D-F0BB-DE4B-95CE-6DB70DBA9567}" type="datetimeFigureOut">
               <a:rPr lang="en-US" smtClean="0"/>
               <a:pPr/>
-              <a:t>11/24/2013</a:t>
+              <a:t>12/4/2013</a:t>
             </a:fld>
             <a:endParaRPr lang="en-US" dirty="0"/>
           </a:p>
@@ -5578,7 +5582,7 @@
             <a:fld id="{B61BEF0D-F0BB-DE4B-95CE-6DB70DBA9567}" type="datetimeFigureOut">
               <a:rPr lang="en-US" smtClean="0"/>
               <a:pPr/>
-              <a:t>11/24/2013</a:t>
+              <a:t>12/4/2013</a:t>
             </a:fld>
             <a:endParaRPr lang="en-US" dirty="0"/>
           </a:p>
@@ -6126,7 +6130,7 @@
             <a:fld id="{B61BEF0D-F0BB-DE4B-95CE-6DB70DBA9567}" type="datetimeFigureOut">
               <a:rPr lang="en-US" smtClean="0"/>
               <a:pPr/>
-              <a:t>11/24/2013</a:t>
+              <a:t>12/4/2013</a:t>
             </a:fld>
             <a:endParaRPr lang="en-US" dirty="0"/>
           </a:p>
@@ -6848,7 +6852,7 @@
             <a:fld id="{B61BEF0D-F0BB-DE4B-95CE-6DB70DBA9567}" type="datetimeFigureOut">
               <a:rPr lang="en-US" smtClean="0"/>
               <a:pPr/>
-              <a:t>11/24/2013</a:t>
+              <a:t>12/4/2013</a:t>
             </a:fld>
             <a:endParaRPr lang="en-US" dirty="0"/>
           </a:p>
@@ -7020,7 +7024,7 @@
             <a:fld id="{B61BEF0D-F0BB-DE4B-95CE-6DB70DBA9567}" type="datetimeFigureOut">
               <a:rPr lang="en-US" smtClean="0"/>
               <a:pPr/>
-              <a:t>11/24/2013</a:t>
+              <a:t>12/4/2013</a:t>
             </a:fld>
             <a:endParaRPr lang="en-US" dirty="0"/>
           </a:p>
@@ -7202,7 +7206,7 @@
             <a:fld id="{B61BEF0D-F0BB-DE4B-95CE-6DB70DBA9567}" type="datetimeFigureOut">
               <a:rPr lang="en-US" smtClean="0"/>
               <a:pPr/>
-              <a:t>11/24/2013</a:t>
+              <a:t>12/4/2013</a:t>
             </a:fld>
             <a:endParaRPr lang="en-US" dirty="0"/>
           </a:p>
@@ -7374,7 +7378,7 @@
             <a:fld id="{B61BEF0D-F0BB-DE4B-95CE-6DB70DBA9567}" type="datetimeFigureOut">
               <a:rPr lang="en-US" smtClean="0"/>
               <a:pPr/>
-              <a:t>11/24/2013</a:t>
+              <a:t>12/4/2013</a:t>
             </a:fld>
             <a:endParaRPr lang="en-US" dirty="0"/>
           </a:p>
@@ -7626,7 +7630,7 @@
             <a:fld id="{B61BEF0D-F0BB-DE4B-95CE-6DB70DBA9567}" type="datetimeFigureOut">
               <a:rPr lang="en-US" smtClean="0"/>
               <a:pPr/>
-              <a:t>11/24/2013</a:t>
+              <a:t>12/4/2013</a:t>
             </a:fld>
             <a:endParaRPr lang="en-US" dirty="0"/>
           </a:p>
@@ -7860,7 +7864,7 @@
             <a:fld id="{B61BEF0D-F0BB-DE4B-95CE-6DB70DBA9567}" type="datetimeFigureOut">
               <a:rPr lang="en-US" smtClean="0"/>
               <a:pPr/>
-              <a:t>11/24/2013</a:t>
+              <a:t>12/4/2013</a:t>
             </a:fld>
             <a:endParaRPr lang="en-US" dirty="0"/>
           </a:p>
@@ -8243,7 +8247,7 @@
             <a:fld id="{B61BEF0D-F0BB-DE4B-95CE-6DB70DBA9567}" type="datetimeFigureOut">
               <a:rPr lang="en-US" smtClean="0"/>
               <a:pPr/>
-              <a:t>11/24/2013</a:t>
+              <a:t>12/4/2013</a:t>
             </a:fld>
             <a:endParaRPr lang="en-US" dirty="0"/>
           </a:p>
@@ -8363,7 +8367,7 @@
             <a:fld id="{B61BEF0D-F0BB-DE4B-95CE-6DB70DBA9567}" type="datetimeFigureOut">
               <a:rPr lang="en-US" smtClean="0"/>
               <a:pPr/>
-              <a:t>11/24/2013</a:t>
+              <a:t>12/4/2013</a:t>
             </a:fld>
             <a:endParaRPr lang="en-US" dirty="0"/>
           </a:p>
@@ -8460,7 +8464,7 @@
             <a:fld id="{B61BEF0D-F0BB-DE4B-95CE-6DB70DBA9567}" type="datetimeFigureOut">
               <a:rPr lang="en-US" smtClean="0"/>
               <a:pPr/>
-              <a:t>11/24/2013</a:t>
+              <a:t>12/4/2013</a:t>
             </a:fld>
             <a:endParaRPr lang="en-US" dirty="0"/>
           </a:p>
@@ -8711,7 +8715,7 @@
             <a:fld id="{B61BEF0D-F0BB-DE4B-95CE-6DB70DBA9567}" type="datetimeFigureOut">
               <a:rPr lang="en-US" smtClean="0"/>
               <a:pPr/>
-              <a:t>11/24/2013</a:t>
+              <a:t>12/4/2013</a:t>
             </a:fld>
             <a:endParaRPr lang="en-US" dirty="0"/>
           </a:p>
@@ -8993,7 +8997,7 @@
             <a:fld id="{B61BEF0D-F0BB-DE4B-95CE-6DB70DBA9567}" type="datetimeFigureOut">
               <a:rPr lang="en-US" smtClean="0"/>
               <a:pPr/>
-              <a:t>11/24/2013</a:t>
+              <a:t>12/4/2013</a:t>
             </a:fld>
             <a:endParaRPr lang="en-US" dirty="0"/>
           </a:p>
@@ -12072,7 +12076,7 @@
             <a:fld id="{B61BEF0D-F0BB-DE4B-95CE-6DB70DBA9567}" type="datetimeFigureOut">
               <a:rPr lang="en-US" smtClean="0"/>
               <a:pPr/>
-              <a:t>11/24/2013</a:t>
+              <a:t>12/4/2013</a:t>
             </a:fld>
             <a:endParaRPr lang="en-US" dirty="0"/>
           </a:p>
@@ -12547,11 +12551,7 @@
           <a:p>
             <a:r>
               <a:rPr lang="en-US" dirty="0" smtClean="0"/>
-              <a:t>DEC 05, </a:t>
-            </a:r>
-            <a:r>
-              <a:rPr lang="en-US" dirty="0" smtClean="0"/>
-              <a:t>2013</a:t>
+              <a:t>DEC 05, 2013</a:t>
             </a:r>
           </a:p>
           <a:p>
@@ -12580,3730 +12580,6 @@
 </file>
 
 <file path=ppt/slides/slide10.xml><?xml version="1.0" encoding="utf-8"?>
-<p:sld xmlns:a="http://schemas.openxmlformats.org/drawingml/2006/main" xmlns:r="http://schemas.openxmlformats.org/officeDocument/2006/relationships" xmlns:p="http://schemas.openxmlformats.org/presentationml/2006/main">
-  <p:cSld>
-    <p:spTree>
-      <p:nvGrpSpPr>
-        <p:cNvPr id="1" name=""/>
-        <p:cNvGrpSpPr/>
-        <p:nvPr/>
-      </p:nvGrpSpPr>
-      <p:grpSpPr>
-        <a:xfrm>
-          <a:off x="0" y="0"/>
-          <a:ext cx="0" cy="0"/>
-          <a:chOff x="0" y="0"/>
-          <a:chExt cx="0" cy="0"/>
-        </a:xfrm>
-      </p:grpSpPr>
-      <p:sp>
-        <p:nvSpPr>
-          <p:cNvPr id="2" name="Title 1"/>
-          <p:cNvSpPr>
-            <a:spLocks noGrp="1"/>
-          </p:cNvSpPr>
-          <p:nvPr>
-            <p:ph type="title"/>
-          </p:nvPr>
-        </p:nvSpPr>
-        <p:spPr>
-          <a:xfrm>
-            <a:off x="1141412" y="370869"/>
-            <a:ext cx="9905998" cy="829282"/>
-          </a:xfrm>
-        </p:spPr>
-        <p:txBody>
-          <a:bodyPr/>
-          <a:lstStyle/>
-          <a:p>
-            <a:r>
-              <a:rPr lang="en-US" dirty="0" smtClean="0"/>
-              <a:t>Data binding</a:t>
-            </a:r>
-            <a:endParaRPr lang="en-US" dirty="0"/>
-          </a:p>
-        </p:txBody>
-      </p:sp>
-      <p:sp>
-        <p:nvSpPr>
-          <p:cNvPr id="3" name="Content Placeholder 2"/>
-          <p:cNvSpPr>
-            <a:spLocks noGrp="1"/>
-          </p:cNvSpPr>
-          <p:nvPr>
-            <p:ph idx="1"/>
-          </p:nvPr>
-        </p:nvSpPr>
-        <p:spPr>
-          <a:xfrm>
-            <a:off x="1141412" y="4477109"/>
-            <a:ext cx="9905999" cy="1561739"/>
-          </a:xfrm>
-        </p:spPr>
-        <p:txBody>
-          <a:bodyPr>
-            <a:normAutofit/>
-          </a:bodyPr>
-          <a:lstStyle/>
-          <a:p>
-            <a:r>
-              <a:rPr lang="en-US" sz="2000" dirty="0" smtClean="0"/>
-              <a:t>Making implicit dependency explicit</a:t>
-            </a:r>
-          </a:p>
-          <a:p>
-            <a:r>
-              <a:rPr lang="en-US" sz="2000" dirty="0" smtClean="0"/>
-              <a:t>Leveraging F#/.NET type system</a:t>
-            </a:r>
-          </a:p>
-          <a:p>
-            <a:r>
-              <a:rPr lang="en-US" sz="2000" dirty="0" smtClean="0"/>
-              <a:t>Leveraging IDE/compiler</a:t>
-            </a:r>
-          </a:p>
-        </p:txBody>
-      </p:sp>
-      <p:sp>
-        <p:nvSpPr>
-          <p:cNvPr id="4" name="Rectangle 3"/>
-          <p:cNvSpPr/>
-          <p:nvPr/>
-        </p:nvSpPr>
-        <p:spPr>
-          <a:xfrm>
-            <a:off x="1141411" y="1200151"/>
-            <a:ext cx="9905999" cy="1200329"/>
-          </a:xfrm>
-          <a:prstGeom prst="rect">
-            <a:avLst/>
-          </a:prstGeom>
-          <a:solidFill>
-            <a:schemeClr val="tx1"/>
-          </a:solidFill>
-        </p:spPr>
-        <p:txBody>
-          <a:bodyPr wrap="square">
-            <a:spAutoFit/>
-          </a:bodyPr>
-          <a:lstStyle/>
-          <a:p>
-            <a:r>
-              <a:rPr lang="en-US" dirty="0">
-                <a:solidFill>
-                  <a:srgbClr val="0000FF"/>
-                </a:solidFill>
-                <a:latin typeface="Consolas" panose="020B0609020204030204" pitchFamily="49" charset="0"/>
-              </a:rPr>
-              <a:t>type</a:t>
-            </a:r>
-            <a:r>
-              <a:rPr lang="en-US" dirty="0">
-                <a:solidFill>
-                  <a:prstClr val="black"/>
-                </a:solidFill>
-                <a:latin typeface="Consolas" panose="020B0609020204030204" pitchFamily="49" charset="0"/>
-              </a:rPr>
-              <a:t> IView&lt;'Events, 'Model&gt; =</a:t>
-            </a:r>
-          </a:p>
-          <a:p>
-            <a:r>
-              <a:rPr lang="en-US" dirty="0">
-                <a:solidFill>
-                  <a:prstClr val="black"/>
-                </a:solidFill>
-                <a:latin typeface="Consolas" panose="020B0609020204030204" pitchFamily="49" charset="0"/>
-              </a:rPr>
-              <a:t>    </a:t>
-            </a:r>
-            <a:r>
-              <a:rPr lang="en-US" dirty="0">
-                <a:solidFill>
-                  <a:srgbClr val="0000FF"/>
-                </a:solidFill>
-                <a:latin typeface="Consolas" panose="020B0609020204030204" pitchFamily="49" charset="0"/>
-              </a:rPr>
-              <a:t>inherit</a:t>
-            </a:r>
-            <a:r>
-              <a:rPr lang="en-US" dirty="0">
-                <a:solidFill>
-                  <a:prstClr val="black"/>
-                </a:solidFill>
-                <a:latin typeface="Consolas" panose="020B0609020204030204" pitchFamily="49" charset="0"/>
-              </a:rPr>
-              <a:t> IObservable&lt;'Events&gt;</a:t>
-            </a:r>
-          </a:p>
-          <a:p>
-            <a:endParaRPr lang="en-US" dirty="0">
-              <a:solidFill>
-                <a:prstClr val="black"/>
-              </a:solidFill>
-              <a:latin typeface="Consolas" panose="020B0609020204030204" pitchFamily="49" charset="0"/>
-            </a:endParaRPr>
-          </a:p>
-          <a:p>
-            <a:r>
-              <a:rPr lang="en-US" dirty="0">
-                <a:solidFill>
-                  <a:prstClr val="black"/>
-                </a:solidFill>
-                <a:latin typeface="Consolas" panose="020B0609020204030204" pitchFamily="49" charset="0"/>
-              </a:rPr>
-              <a:t>    </a:t>
-            </a:r>
-            <a:r>
-              <a:rPr lang="en-US" dirty="0">
-                <a:solidFill>
-                  <a:srgbClr val="0000FF"/>
-                </a:solidFill>
-                <a:latin typeface="Consolas" panose="020B0609020204030204" pitchFamily="49" charset="0"/>
-              </a:rPr>
-              <a:t>abstract</a:t>
-            </a:r>
-            <a:r>
-              <a:rPr lang="en-US" dirty="0">
-                <a:solidFill>
-                  <a:prstClr val="black"/>
-                </a:solidFill>
-                <a:latin typeface="Consolas" panose="020B0609020204030204" pitchFamily="49" charset="0"/>
-              </a:rPr>
-              <a:t> SetBindings : 'Model </a:t>
-            </a:r>
-            <a:r>
-              <a:rPr lang="en-US" dirty="0">
-                <a:solidFill>
-                  <a:srgbClr val="0000FF"/>
-                </a:solidFill>
-                <a:latin typeface="Consolas" panose="020B0609020204030204" pitchFamily="49" charset="0"/>
-              </a:rPr>
-              <a:t>-&gt;</a:t>
-            </a:r>
-            <a:r>
-              <a:rPr lang="en-US" dirty="0">
-                <a:solidFill>
-                  <a:prstClr val="black"/>
-                </a:solidFill>
-                <a:latin typeface="Consolas" panose="020B0609020204030204" pitchFamily="49" charset="0"/>
-              </a:rPr>
-              <a:t> unit</a:t>
-            </a:r>
-          </a:p>
-        </p:txBody>
-      </p:sp>
-      <p:sp>
-        <p:nvSpPr>
-          <p:cNvPr id="7" name="Rectangle 6"/>
-          <p:cNvSpPr/>
-          <p:nvPr/>
-        </p:nvSpPr>
-        <p:spPr>
-          <a:xfrm>
-            <a:off x="1141411" y="2678473"/>
-            <a:ext cx="9905999" cy="369332"/>
-          </a:xfrm>
-          <a:prstGeom prst="rect">
-            <a:avLst/>
-          </a:prstGeom>
-          <a:solidFill>
-            <a:schemeClr val="tx1"/>
-          </a:solidFill>
-        </p:spPr>
-        <p:txBody>
-          <a:bodyPr wrap="square">
-            <a:spAutoFit/>
-          </a:bodyPr>
-          <a:lstStyle/>
-          <a:p>
-            <a:r>
-              <a:rPr lang="en-US" dirty="0">
-                <a:solidFill>
-                  <a:schemeClr val="bg1"/>
-                </a:solidFill>
-                <a:latin typeface="Consolas" panose="020B0609020204030204" pitchFamily="49" charset="0"/>
-              </a:rPr>
-              <a:t>&lt;@ </a:t>
-            </a:r>
-            <a:r>
-              <a:rPr lang="en-US" dirty="0" err="1" smtClean="0">
-                <a:solidFill>
-                  <a:schemeClr val="bg1"/>
-                </a:solidFill>
-                <a:latin typeface="Consolas" panose="020B0609020204030204" pitchFamily="49" charset="0"/>
-              </a:rPr>
-              <a:t>textBox.Text</a:t>
-            </a:r>
-            <a:r>
-              <a:rPr lang="en-US" dirty="0" smtClean="0">
-                <a:solidFill>
-                  <a:schemeClr val="bg1"/>
-                </a:solidFill>
-                <a:latin typeface="Consolas" panose="020B0609020204030204" pitchFamily="49" charset="0"/>
-              </a:rPr>
-              <a:t> </a:t>
-            </a:r>
-            <a:r>
-              <a:rPr lang="en-US" dirty="0">
-                <a:solidFill>
-                  <a:schemeClr val="bg1"/>
-                </a:solidFill>
-                <a:latin typeface="Consolas" panose="020B0609020204030204" pitchFamily="49" charset="0"/>
-              </a:rPr>
-              <a:t>&lt;- </a:t>
-            </a:r>
-            <a:r>
-              <a:rPr lang="en-US" dirty="0" err="1" smtClean="0">
-                <a:solidFill>
-                  <a:schemeClr val="bg1"/>
-                </a:solidFill>
-                <a:latin typeface="Consolas" panose="020B0609020204030204" pitchFamily="49" charset="0"/>
-              </a:rPr>
-              <a:t>model.Name</a:t>
-            </a:r>
-            <a:r>
-              <a:rPr lang="en-US" dirty="0" smtClean="0">
-                <a:solidFill>
-                  <a:schemeClr val="bg1"/>
-                </a:solidFill>
-                <a:latin typeface="Consolas" panose="020B0609020204030204" pitchFamily="49" charset="0"/>
-              </a:rPr>
-              <a:t> @&gt;</a:t>
-            </a:r>
-          </a:p>
-        </p:txBody>
-      </p:sp>
-      <p:sp>
-        <p:nvSpPr>
-          <p:cNvPr id="8" name="Rectangle 7"/>
-          <p:cNvSpPr/>
-          <p:nvPr/>
-        </p:nvSpPr>
-        <p:spPr>
-          <a:xfrm>
-            <a:off x="1141411" y="3684113"/>
-            <a:ext cx="9905999" cy="369332"/>
-          </a:xfrm>
-          <a:prstGeom prst="rect">
-            <a:avLst/>
-          </a:prstGeom>
-          <a:solidFill>
-            <a:schemeClr val="tx1"/>
-          </a:solidFill>
-        </p:spPr>
-        <p:txBody>
-          <a:bodyPr wrap="square">
-            <a:spAutoFit/>
-          </a:bodyPr>
-          <a:lstStyle/>
-          <a:p>
-            <a:r>
-              <a:rPr lang="en-US" dirty="0" err="1" smtClean="0">
-                <a:solidFill>
-                  <a:schemeClr val="bg1"/>
-                </a:solidFill>
-                <a:latin typeface="Consolas" panose="020B0609020204030204" pitchFamily="49" charset="0"/>
-              </a:rPr>
-              <a:t>textBox.SetBinding</a:t>
-            </a:r>
-            <a:r>
-              <a:rPr lang="en-US" dirty="0" smtClean="0">
-                <a:solidFill>
-                  <a:schemeClr val="bg1"/>
-                </a:solidFill>
-                <a:latin typeface="Consolas" panose="020B0609020204030204" pitchFamily="49" charset="0"/>
-              </a:rPr>
-              <a:t>(</a:t>
-            </a:r>
-            <a:r>
-              <a:rPr lang="en-US" dirty="0" err="1" smtClean="0">
-                <a:solidFill>
-                  <a:schemeClr val="bg1"/>
-                </a:solidFill>
-                <a:latin typeface="Consolas" panose="020B0609020204030204" pitchFamily="49" charset="0"/>
-              </a:rPr>
-              <a:t>TextBox.TextProperty</a:t>
-            </a:r>
-            <a:r>
-              <a:rPr lang="en-US" dirty="0" smtClean="0">
-                <a:solidFill>
-                  <a:schemeClr val="bg1"/>
-                </a:solidFill>
-                <a:latin typeface="Consolas" panose="020B0609020204030204" pitchFamily="49" charset="0"/>
-              </a:rPr>
-              <a:t>, "Name")</a:t>
-            </a:r>
-          </a:p>
-        </p:txBody>
-      </p:sp>
-      <p:sp>
-        <p:nvSpPr>
-          <p:cNvPr id="6" name="Down Arrow 5"/>
-          <p:cNvSpPr/>
-          <p:nvPr/>
-        </p:nvSpPr>
-        <p:spPr>
-          <a:xfrm>
-            <a:off x="5956297" y="3159729"/>
-            <a:ext cx="276225" cy="367089"/>
-          </a:xfrm>
-          <a:prstGeom prst="downArrow">
-            <a:avLst/>
-          </a:prstGeom>
-        </p:spPr>
-        <p:style>
-          <a:lnRef idx="2">
-            <a:schemeClr val="accent1">
-              <a:shade val="50000"/>
-            </a:schemeClr>
-          </a:lnRef>
-          <a:fillRef idx="1">
-            <a:schemeClr val="accent1"/>
-          </a:fillRef>
-          <a:effectRef idx="0">
-            <a:schemeClr val="accent1"/>
-          </a:effectRef>
-          <a:fontRef idx="minor">
-            <a:schemeClr val="lt1"/>
-          </a:fontRef>
-        </p:style>
-        <p:txBody>
-          <a:bodyPr rtlCol="0" anchor="ctr"/>
-          <a:lstStyle/>
-          <a:p>
-            <a:pPr algn="ctr"/>
-            <a:endParaRPr lang="en-US"/>
-          </a:p>
-        </p:txBody>
-      </p:sp>
-    </p:spTree>
-    <p:extLst>
-      <p:ext uri="{BB962C8B-B14F-4D97-AF65-F5344CB8AC3E}">
-        <p14:creationId xmlns:p14="http://schemas.microsoft.com/office/powerpoint/2010/main" val="15714665"/>
-      </p:ext>
-    </p:extLst>
-  </p:cSld>
-  <p:clrMapOvr>
-    <a:masterClrMapping/>
-  </p:clrMapOvr>
-  <p:timing>
-    <p:tnLst>
-      <p:par>
-        <p:cTn id="1" dur="indefinite" restart="never" nodeType="tmRoot"/>
-      </p:par>
-    </p:tnLst>
-  </p:timing>
-</p:sld>
-</file>
-
-<file path=ppt/slides/slide11.xml><?xml version="1.0" encoding="utf-8"?>
-<p:sld xmlns:a="http://schemas.openxmlformats.org/drawingml/2006/main" xmlns:r="http://schemas.openxmlformats.org/officeDocument/2006/relationships" xmlns:p="http://schemas.openxmlformats.org/presentationml/2006/main">
-  <p:cSld>
-    <p:spTree>
-      <p:nvGrpSpPr>
-        <p:cNvPr id="1" name=""/>
-        <p:cNvGrpSpPr/>
-        <p:nvPr/>
-      </p:nvGrpSpPr>
-      <p:grpSpPr>
-        <a:xfrm>
-          <a:off x="0" y="0"/>
-          <a:ext cx="0" cy="0"/>
-          <a:chOff x="0" y="0"/>
-          <a:chExt cx="0" cy="0"/>
-        </a:xfrm>
-      </p:grpSpPr>
-      <p:sp>
-        <p:nvSpPr>
-          <p:cNvPr id="2" name="Title 1"/>
-          <p:cNvSpPr>
-            <a:spLocks noGrp="1"/>
-          </p:cNvSpPr>
-          <p:nvPr>
-            <p:ph type="title"/>
-          </p:nvPr>
-        </p:nvSpPr>
-        <p:spPr>
-          <a:xfrm>
-            <a:off x="1476375" y="247044"/>
-            <a:ext cx="9571036" cy="614366"/>
-          </a:xfrm>
-        </p:spPr>
-        <p:txBody>
-          <a:bodyPr/>
-          <a:lstStyle/>
-          <a:p>
-            <a:r>
-              <a:rPr lang="en-US" dirty="0" smtClean="0"/>
-              <a:t>Async</a:t>
-            </a:r>
-            <a:endParaRPr lang="en-US" dirty="0"/>
-          </a:p>
-        </p:txBody>
-      </p:sp>
-      <p:sp>
-        <p:nvSpPr>
-          <p:cNvPr id="9" name="Rectangle 8"/>
-          <p:cNvSpPr/>
-          <p:nvPr/>
-        </p:nvSpPr>
-        <p:spPr>
-          <a:xfrm>
-            <a:off x="1476375" y="892981"/>
-            <a:ext cx="9677399" cy="923330"/>
-          </a:xfrm>
-          <a:prstGeom prst="rect">
-            <a:avLst/>
-          </a:prstGeom>
-          <a:solidFill>
-            <a:schemeClr val="tx1"/>
-          </a:solidFill>
-        </p:spPr>
-        <p:txBody>
-          <a:bodyPr wrap="square">
-            <a:spAutoFit/>
-          </a:bodyPr>
-          <a:lstStyle/>
-          <a:p>
-            <a:r>
-              <a:rPr lang="en-US" dirty="0">
-                <a:solidFill>
-                  <a:srgbClr val="0000FF"/>
-                </a:solidFill>
-                <a:latin typeface="Consolas" panose="020B0609020204030204" pitchFamily="49" charset="0"/>
-              </a:rPr>
-              <a:t>type</a:t>
-            </a:r>
-            <a:r>
-              <a:rPr lang="en-US" dirty="0">
-                <a:solidFill>
-                  <a:prstClr val="black"/>
-                </a:solidFill>
-                <a:latin typeface="Consolas" panose="020B0609020204030204" pitchFamily="49" charset="0"/>
-              </a:rPr>
-              <a:t> IController&lt;</a:t>
-            </a:r>
-            <a:r>
-              <a:rPr lang="en-US" dirty="0" smtClean="0">
-                <a:solidFill>
-                  <a:prstClr val="black"/>
-                </a:solidFill>
-                <a:latin typeface="Consolas" panose="020B0609020204030204" pitchFamily="49" charset="0"/>
-              </a:rPr>
-              <a:t>'Events, </a:t>
-            </a:r>
-            <a:r>
-              <a:rPr lang="en-US" dirty="0">
-                <a:solidFill>
-                  <a:prstClr val="black"/>
-                </a:solidFill>
-                <a:latin typeface="Consolas" panose="020B0609020204030204" pitchFamily="49" charset="0"/>
-              </a:rPr>
-              <a:t>'Model&gt; =</a:t>
-            </a:r>
-          </a:p>
-          <a:p>
-            <a:r>
-              <a:rPr lang="en-US" dirty="0" smtClean="0">
-                <a:solidFill>
-                  <a:prstClr val="black"/>
-                </a:solidFill>
-                <a:latin typeface="Consolas" panose="020B0609020204030204" pitchFamily="49" charset="0"/>
-              </a:rPr>
-              <a:t>    </a:t>
-            </a:r>
-            <a:r>
-              <a:rPr lang="en-US" dirty="0">
-                <a:solidFill>
-                  <a:srgbClr val="0000FF"/>
-                </a:solidFill>
-                <a:latin typeface="Consolas" panose="020B0609020204030204" pitchFamily="49" charset="0"/>
-              </a:rPr>
-              <a:t>abstract</a:t>
-            </a:r>
-            <a:r>
-              <a:rPr lang="en-US" dirty="0">
-                <a:solidFill>
-                  <a:prstClr val="black"/>
-                </a:solidFill>
-                <a:latin typeface="Consolas" panose="020B0609020204030204" pitchFamily="49" charset="0"/>
-              </a:rPr>
-              <a:t> InitModel : 'Model </a:t>
-            </a:r>
-            <a:r>
-              <a:rPr lang="en-US" dirty="0">
-                <a:solidFill>
-                  <a:srgbClr val="0000FF"/>
-                </a:solidFill>
-                <a:latin typeface="Consolas" panose="020B0609020204030204" pitchFamily="49" charset="0"/>
-              </a:rPr>
-              <a:t>-&gt;</a:t>
-            </a:r>
-            <a:r>
-              <a:rPr lang="en-US" dirty="0">
-                <a:solidFill>
-                  <a:prstClr val="black"/>
-                </a:solidFill>
-                <a:latin typeface="Consolas" panose="020B0609020204030204" pitchFamily="49" charset="0"/>
-              </a:rPr>
-              <a:t> unit</a:t>
-            </a:r>
-          </a:p>
-          <a:p>
-            <a:r>
-              <a:rPr lang="en-US" dirty="0">
-                <a:solidFill>
-                  <a:prstClr val="black"/>
-                </a:solidFill>
-                <a:latin typeface="Consolas" panose="020B0609020204030204" pitchFamily="49" charset="0"/>
-              </a:rPr>
-              <a:t>    </a:t>
-            </a:r>
-            <a:r>
-              <a:rPr lang="en-US" dirty="0">
-                <a:solidFill>
-                  <a:srgbClr val="0000FF"/>
-                </a:solidFill>
-                <a:latin typeface="Consolas" panose="020B0609020204030204" pitchFamily="49" charset="0"/>
-              </a:rPr>
-              <a:t>abstract</a:t>
-            </a:r>
-            <a:r>
-              <a:rPr lang="en-US" dirty="0">
-                <a:solidFill>
-                  <a:prstClr val="black"/>
-                </a:solidFill>
-                <a:latin typeface="Consolas" panose="020B0609020204030204" pitchFamily="49" charset="0"/>
-              </a:rPr>
-              <a:t> </a:t>
-            </a:r>
-            <a:r>
-              <a:rPr lang="en-US" dirty="0" smtClean="0">
-                <a:solidFill>
-                  <a:prstClr val="black"/>
-                </a:solidFill>
-                <a:latin typeface="Consolas" panose="020B0609020204030204" pitchFamily="49" charset="0"/>
-              </a:rPr>
-              <a:t>EventHandler </a:t>
-            </a:r>
-            <a:r>
-              <a:rPr lang="en-US" dirty="0">
-                <a:solidFill>
-                  <a:prstClr val="black"/>
-                </a:solidFill>
-                <a:latin typeface="Consolas" panose="020B0609020204030204" pitchFamily="49" charset="0"/>
-              </a:rPr>
-              <a:t>: (</a:t>
-            </a:r>
-            <a:r>
-              <a:rPr lang="en-US" dirty="0" smtClean="0">
-                <a:solidFill>
-                  <a:prstClr val="black"/>
-                </a:solidFill>
-                <a:latin typeface="Consolas" panose="020B0609020204030204" pitchFamily="49" charset="0"/>
-              </a:rPr>
-              <a:t>'Events </a:t>
-            </a:r>
-            <a:r>
-              <a:rPr lang="en-US" dirty="0">
-                <a:solidFill>
-                  <a:srgbClr val="0000FF"/>
-                </a:solidFill>
-                <a:latin typeface="Consolas" panose="020B0609020204030204" pitchFamily="49" charset="0"/>
-              </a:rPr>
-              <a:t>-&gt;</a:t>
-            </a:r>
-            <a:r>
-              <a:rPr lang="en-US" dirty="0">
-                <a:solidFill>
-                  <a:prstClr val="black"/>
-                </a:solidFill>
-                <a:latin typeface="Consolas" panose="020B0609020204030204" pitchFamily="49" charset="0"/>
-              </a:rPr>
-              <a:t> 'Model </a:t>
-            </a:r>
-            <a:r>
-              <a:rPr lang="en-US" dirty="0">
-                <a:solidFill>
-                  <a:srgbClr val="0000FF"/>
-                </a:solidFill>
-                <a:latin typeface="Consolas" panose="020B0609020204030204" pitchFamily="49" charset="0"/>
-              </a:rPr>
-              <a:t>-&gt;</a:t>
-            </a:r>
-            <a:r>
-              <a:rPr lang="en-US" dirty="0">
-                <a:solidFill>
-                  <a:prstClr val="black"/>
-                </a:solidFill>
-                <a:latin typeface="Consolas" panose="020B0609020204030204" pitchFamily="49" charset="0"/>
-              </a:rPr>
-              <a:t> unit)</a:t>
-            </a:r>
-          </a:p>
-        </p:txBody>
-      </p:sp>
-      <p:sp>
-        <p:nvSpPr>
-          <p:cNvPr id="10" name="Rectangle 9"/>
-          <p:cNvSpPr/>
-          <p:nvPr/>
-        </p:nvSpPr>
-        <p:spPr>
-          <a:xfrm>
-            <a:off x="1476375" y="4432716"/>
-            <a:ext cx="9677399" cy="2031325"/>
-          </a:xfrm>
-          <a:prstGeom prst="rect">
-            <a:avLst/>
-          </a:prstGeom>
-          <a:solidFill>
-            <a:schemeClr val="tx1"/>
-          </a:solidFill>
-        </p:spPr>
-        <p:txBody>
-          <a:bodyPr wrap="square">
-            <a:spAutoFit/>
-          </a:bodyPr>
-          <a:lstStyle/>
-          <a:p>
-            <a:r>
-              <a:rPr lang="en-US" dirty="0">
-                <a:solidFill>
-                  <a:srgbClr val="0000FF"/>
-                </a:solidFill>
-                <a:latin typeface="Consolas" panose="020B0609020204030204" pitchFamily="49" charset="0"/>
-              </a:rPr>
-              <a:t>type</a:t>
-            </a:r>
-            <a:r>
-              <a:rPr lang="en-US" dirty="0">
-                <a:solidFill>
-                  <a:prstClr val="black"/>
-                </a:solidFill>
-                <a:latin typeface="Consolas" panose="020B0609020204030204" pitchFamily="49" charset="0"/>
-              </a:rPr>
-              <a:t> EventHandler&lt;'Model&gt; = </a:t>
-            </a:r>
-          </a:p>
-          <a:p>
-            <a:r>
-              <a:rPr lang="en-US" dirty="0">
-                <a:solidFill>
-                  <a:prstClr val="black"/>
-                </a:solidFill>
-                <a:latin typeface="Consolas" panose="020B0609020204030204" pitchFamily="49" charset="0"/>
-              </a:rPr>
-              <a:t>    | Sync </a:t>
-            </a:r>
-            <a:r>
-              <a:rPr lang="en-US" dirty="0">
-                <a:solidFill>
-                  <a:srgbClr val="0000FF"/>
-                </a:solidFill>
-                <a:latin typeface="Consolas" panose="020B0609020204030204" pitchFamily="49" charset="0"/>
-              </a:rPr>
-              <a:t>of</a:t>
-            </a:r>
-            <a:r>
-              <a:rPr lang="en-US" dirty="0">
-                <a:solidFill>
-                  <a:prstClr val="black"/>
-                </a:solidFill>
-                <a:latin typeface="Consolas" panose="020B0609020204030204" pitchFamily="49" charset="0"/>
-              </a:rPr>
-              <a:t> ('Model </a:t>
-            </a:r>
-            <a:r>
-              <a:rPr lang="en-US" dirty="0">
-                <a:solidFill>
-                  <a:srgbClr val="0000FF"/>
-                </a:solidFill>
-                <a:latin typeface="Consolas" panose="020B0609020204030204" pitchFamily="49" charset="0"/>
-              </a:rPr>
-              <a:t>-&gt;</a:t>
-            </a:r>
-            <a:r>
-              <a:rPr lang="en-US" dirty="0">
-                <a:solidFill>
-                  <a:prstClr val="black"/>
-                </a:solidFill>
-                <a:latin typeface="Consolas" panose="020B0609020204030204" pitchFamily="49" charset="0"/>
-              </a:rPr>
-              <a:t> unit)</a:t>
-            </a:r>
-          </a:p>
-          <a:p>
-            <a:r>
-              <a:rPr lang="en-US" dirty="0">
-                <a:solidFill>
-                  <a:prstClr val="black"/>
-                </a:solidFill>
-                <a:latin typeface="Consolas" panose="020B0609020204030204" pitchFamily="49" charset="0"/>
-              </a:rPr>
-              <a:t>    | Async </a:t>
-            </a:r>
-            <a:r>
-              <a:rPr lang="en-US" dirty="0">
-                <a:solidFill>
-                  <a:srgbClr val="0000FF"/>
-                </a:solidFill>
-                <a:latin typeface="Consolas" panose="020B0609020204030204" pitchFamily="49" charset="0"/>
-              </a:rPr>
-              <a:t>of</a:t>
-            </a:r>
-            <a:r>
-              <a:rPr lang="en-US" dirty="0">
-                <a:solidFill>
-                  <a:prstClr val="black"/>
-                </a:solidFill>
-                <a:latin typeface="Consolas" panose="020B0609020204030204" pitchFamily="49" charset="0"/>
-              </a:rPr>
-              <a:t> ('Model </a:t>
-            </a:r>
-            <a:r>
-              <a:rPr lang="en-US" dirty="0">
-                <a:solidFill>
-                  <a:srgbClr val="0000FF"/>
-                </a:solidFill>
-                <a:latin typeface="Consolas" panose="020B0609020204030204" pitchFamily="49" charset="0"/>
-              </a:rPr>
-              <a:t>-&gt;</a:t>
-            </a:r>
-            <a:r>
-              <a:rPr lang="en-US" dirty="0">
-                <a:solidFill>
-                  <a:prstClr val="black"/>
-                </a:solidFill>
-                <a:latin typeface="Consolas" panose="020B0609020204030204" pitchFamily="49" charset="0"/>
-              </a:rPr>
-              <a:t> Async&lt;unit&gt;)</a:t>
-            </a:r>
-          </a:p>
-          <a:p>
-            <a:endParaRPr lang="en-US" dirty="0">
-              <a:solidFill>
-                <a:prstClr val="black"/>
-              </a:solidFill>
-              <a:latin typeface="Consolas" panose="020B0609020204030204" pitchFamily="49" charset="0"/>
-            </a:endParaRPr>
-          </a:p>
-          <a:p>
-            <a:r>
-              <a:rPr lang="en-US" dirty="0">
-                <a:solidFill>
-                  <a:srgbClr val="0000FF"/>
-                </a:solidFill>
-                <a:latin typeface="Consolas" panose="020B0609020204030204" pitchFamily="49" charset="0"/>
-              </a:rPr>
-              <a:t>type</a:t>
-            </a:r>
-            <a:r>
-              <a:rPr lang="en-US" dirty="0">
-                <a:solidFill>
-                  <a:prstClr val="black"/>
-                </a:solidFill>
-                <a:latin typeface="Consolas" panose="020B0609020204030204" pitchFamily="49" charset="0"/>
-              </a:rPr>
-              <a:t> IController&lt;'Events, 'Model&gt; =</a:t>
-            </a:r>
-          </a:p>
-          <a:p>
-            <a:r>
-              <a:rPr lang="en-US" dirty="0" smtClean="0">
-                <a:solidFill>
-                  <a:prstClr val="black"/>
-                </a:solidFill>
-                <a:latin typeface="Consolas" panose="020B0609020204030204" pitchFamily="49" charset="0"/>
-              </a:rPr>
-              <a:t>    </a:t>
-            </a:r>
-            <a:r>
-              <a:rPr lang="en-US" dirty="0">
-                <a:solidFill>
-                  <a:srgbClr val="0000FF"/>
-                </a:solidFill>
-                <a:latin typeface="Consolas" panose="020B0609020204030204" pitchFamily="49" charset="0"/>
-              </a:rPr>
-              <a:t>abstract</a:t>
-            </a:r>
-            <a:r>
-              <a:rPr lang="en-US" dirty="0">
-                <a:solidFill>
-                  <a:prstClr val="black"/>
-                </a:solidFill>
-                <a:latin typeface="Consolas" panose="020B0609020204030204" pitchFamily="49" charset="0"/>
-              </a:rPr>
-              <a:t> InitModel : 'Model </a:t>
-            </a:r>
-            <a:r>
-              <a:rPr lang="en-US" dirty="0">
-                <a:solidFill>
-                  <a:srgbClr val="0000FF"/>
-                </a:solidFill>
-                <a:latin typeface="Consolas" panose="020B0609020204030204" pitchFamily="49" charset="0"/>
-              </a:rPr>
-              <a:t>-&gt;</a:t>
-            </a:r>
-            <a:r>
-              <a:rPr lang="en-US" dirty="0">
-                <a:solidFill>
-                  <a:prstClr val="black"/>
-                </a:solidFill>
-                <a:latin typeface="Consolas" panose="020B0609020204030204" pitchFamily="49" charset="0"/>
-              </a:rPr>
-              <a:t> unit</a:t>
-            </a:r>
-          </a:p>
-          <a:p>
-            <a:r>
-              <a:rPr lang="en-US" dirty="0">
-                <a:solidFill>
-                  <a:prstClr val="black"/>
-                </a:solidFill>
-                <a:latin typeface="Consolas" panose="020B0609020204030204" pitchFamily="49" charset="0"/>
-              </a:rPr>
-              <a:t>    </a:t>
-            </a:r>
-            <a:r>
-              <a:rPr lang="en-US" dirty="0">
-                <a:solidFill>
-                  <a:srgbClr val="0000FF"/>
-                </a:solidFill>
-                <a:latin typeface="Consolas" panose="020B0609020204030204" pitchFamily="49" charset="0"/>
-              </a:rPr>
-              <a:t>abstract</a:t>
-            </a:r>
-            <a:r>
-              <a:rPr lang="en-US" dirty="0">
-                <a:solidFill>
-                  <a:prstClr val="black"/>
-                </a:solidFill>
-                <a:latin typeface="Consolas" panose="020B0609020204030204" pitchFamily="49" charset="0"/>
-              </a:rPr>
-              <a:t> Dispatcher : ('Events </a:t>
-            </a:r>
-            <a:r>
-              <a:rPr lang="en-US" dirty="0">
-                <a:solidFill>
-                  <a:srgbClr val="0000FF"/>
-                </a:solidFill>
-                <a:latin typeface="Consolas" panose="020B0609020204030204" pitchFamily="49" charset="0"/>
-              </a:rPr>
-              <a:t>-&gt;</a:t>
-            </a:r>
-            <a:r>
-              <a:rPr lang="en-US" dirty="0">
-                <a:solidFill>
-                  <a:prstClr val="black"/>
-                </a:solidFill>
-                <a:latin typeface="Consolas" panose="020B0609020204030204" pitchFamily="49" charset="0"/>
-              </a:rPr>
-              <a:t> EventHandler&lt;'Model&gt;)</a:t>
-            </a:r>
-          </a:p>
-        </p:txBody>
-      </p:sp>
-      <p:sp>
-        <p:nvSpPr>
-          <p:cNvPr id="11" name="Down Arrow 10"/>
-          <p:cNvSpPr/>
-          <p:nvPr/>
-        </p:nvSpPr>
-        <p:spPr>
-          <a:xfrm>
-            <a:off x="5633128" y="1938635"/>
-            <a:ext cx="243797" cy="461954"/>
-          </a:xfrm>
-          <a:prstGeom prst="downArrow">
-            <a:avLst/>
-          </a:prstGeom>
-        </p:spPr>
-        <p:style>
-          <a:lnRef idx="2">
-            <a:schemeClr val="accent1">
-              <a:shade val="50000"/>
-            </a:schemeClr>
-          </a:lnRef>
-          <a:fillRef idx="1">
-            <a:schemeClr val="accent1"/>
-          </a:fillRef>
-          <a:effectRef idx="0">
-            <a:schemeClr val="accent1"/>
-          </a:effectRef>
-          <a:fontRef idx="minor">
-            <a:schemeClr val="lt1"/>
-          </a:fontRef>
-        </p:style>
-        <p:txBody>
-          <a:bodyPr rtlCol="0" anchor="ctr"/>
-          <a:lstStyle/>
-          <a:p>
-            <a:pPr algn="ctr"/>
-            <a:endParaRPr lang="en-US"/>
-          </a:p>
-        </p:txBody>
-      </p:sp>
-      <p:sp>
-        <p:nvSpPr>
-          <p:cNvPr id="3" name="Rectangle 2"/>
-          <p:cNvSpPr/>
-          <p:nvPr/>
-        </p:nvSpPr>
-        <p:spPr>
-          <a:xfrm>
-            <a:off x="3527602" y="215473"/>
-            <a:ext cx="8573728" cy="369332"/>
-          </a:xfrm>
-          <a:prstGeom prst="rect">
-            <a:avLst/>
-          </a:prstGeom>
-          <a:gradFill>
-            <a:gsLst>
-              <a:gs pos="0">
-                <a:schemeClr val="accent1">
-                  <a:lumMod val="5000"/>
-                  <a:lumOff val="95000"/>
-                </a:schemeClr>
-              </a:gs>
-              <a:gs pos="74000">
-                <a:schemeClr val="accent1">
-                  <a:lumMod val="45000"/>
-                  <a:lumOff val="55000"/>
-                </a:schemeClr>
-              </a:gs>
-              <a:gs pos="83000">
-                <a:schemeClr val="accent1">
-                  <a:lumMod val="45000"/>
-                  <a:lumOff val="55000"/>
-                </a:schemeClr>
-              </a:gs>
-              <a:gs pos="100000">
-                <a:schemeClr val="accent1">
-                  <a:lumMod val="30000"/>
-                  <a:lumOff val="70000"/>
-                </a:schemeClr>
-              </a:gs>
-            </a:gsLst>
-            <a:lin ang="5400000" scaled="1"/>
-          </a:gradFill>
-        </p:spPr>
-        <p:txBody>
-          <a:bodyPr wrap="square">
-            <a:spAutoFit/>
-          </a:bodyPr>
-          <a:lstStyle/>
-          <a:p>
-            <a:r>
-              <a:rPr lang="en-US" b="1" dirty="0" smtClean="0">
-                <a:solidFill>
-                  <a:srgbClr val="FF0000"/>
-                </a:solidFill>
-                <a:latin typeface="palatino linotype" panose="02040502050505030304" pitchFamily="18" charset="0"/>
-              </a:rPr>
-              <a:t>“Async </a:t>
-            </a:r>
-            <a:r>
-              <a:rPr lang="en-US" b="1" dirty="0">
-                <a:solidFill>
-                  <a:srgbClr val="FF0000"/>
-                </a:solidFill>
-                <a:latin typeface="palatino linotype" panose="02040502050505030304" pitchFamily="18" charset="0"/>
-              </a:rPr>
-              <a:t>in C# and F#: Asynchronous gotchas in C</a:t>
-            </a:r>
-            <a:r>
-              <a:rPr lang="en-US" b="1" dirty="0" smtClean="0">
-                <a:solidFill>
-                  <a:srgbClr val="FF0000"/>
-                </a:solidFill>
-                <a:latin typeface="palatino linotype" panose="02040502050505030304" pitchFamily="18" charset="0"/>
-              </a:rPr>
-              <a:t>#” blog post by Tomas </a:t>
-            </a:r>
-            <a:r>
-              <a:rPr lang="en-US" b="1" dirty="0" err="1" smtClean="0">
-                <a:solidFill>
-                  <a:srgbClr val="FF0000"/>
-                </a:solidFill>
-                <a:latin typeface="palatino linotype" panose="02040502050505030304" pitchFamily="18" charset="0"/>
-              </a:rPr>
-              <a:t>Petricek</a:t>
-            </a:r>
-            <a:endParaRPr lang="en-US" b="1" i="0" dirty="0">
-              <a:solidFill>
-                <a:srgbClr val="FF0000"/>
-              </a:solidFill>
-              <a:effectLst/>
-              <a:latin typeface="palatino linotype" panose="02040502050505030304" pitchFamily="18" charset="0"/>
-            </a:endParaRPr>
-          </a:p>
-        </p:txBody>
-      </p:sp>
-      <p:sp>
-        <p:nvSpPr>
-          <p:cNvPr id="7" name="Rectangle 6"/>
-          <p:cNvSpPr/>
-          <p:nvPr/>
-        </p:nvSpPr>
-        <p:spPr>
-          <a:xfrm>
-            <a:off x="1476374" y="2524349"/>
-            <a:ext cx="9677399" cy="1200329"/>
-          </a:xfrm>
-          <a:prstGeom prst="rect">
-            <a:avLst/>
-          </a:prstGeom>
-          <a:solidFill>
-            <a:schemeClr val="tx1"/>
-          </a:solidFill>
-        </p:spPr>
-        <p:txBody>
-          <a:bodyPr wrap="square">
-            <a:spAutoFit/>
-          </a:bodyPr>
-          <a:lstStyle/>
-          <a:p>
-            <a:r>
-              <a:rPr lang="en-US" dirty="0">
-                <a:solidFill>
-                  <a:srgbClr val="0000FF"/>
-                </a:solidFill>
-                <a:latin typeface="Consolas" panose="020B0609020204030204" pitchFamily="49" charset="0"/>
-              </a:rPr>
-              <a:t>type</a:t>
-            </a:r>
-            <a:r>
-              <a:rPr lang="en-US" dirty="0">
-                <a:solidFill>
-                  <a:prstClr val="black"/>
-                </a:solidFill>
-                <a:latin typeface="Consolas" panose="020B0609020204030204" pitchFamily="49" charset="0"/>
-              </a:rPr>
-              <a:t> </a:t>
-            </a:r>
-            <a:r>
-              <a:rPr lang="en-US" dirty="0" err="1" smtClean="0">
-                <a:solidFill>
-                  <a:prstClr val="black"/>
-                </a:solidFill>
-                <a:latin typeface="Consolas" panose="020B0609020204030204" pitchFamily="49" charset="0"/>
-              </a:rPr>
-              <a:t>EventHandler</a:t>
-            </a:r>
-            <a:r>
-              <a:rPr lang="en-US" dirty="0" smtClean="0">
-                <a:solidFill>
-                  <a:prstClr val="black"/>
-                </a:solidFill>
-                <a:latin typeface="Consolas" panose="020B0609020204030204" pitchFamily="49" charset="0"/>
-              </a:rPr>
-              <a:t>&lt;</a:t>
-            </a:r>
-            <a:r>
-              <a:rPr lang="en-US" dirty="0">
-                <a:solidFill>
-                  <a:prstClr val="black"/>
-                </a:solidFill>
-                <a:latin typeface="Consolas" panose="020B0609020204030204" pitchFamily="49" charset="0"/>
-              </a:rPr>
-              <a:t>'Model&gt; = 'Model </a:t>
-            </a:r>
-            <a:r>
-              <a:rPr lang="en-US" dirty="0">
-                <a:solidFill>
-                  <a:srgbClr val="0000FF"/>
-                </a:solidFill>
-                <a:latin typeface="Consolas" panose="020B0609020204030204" pitchFamily="49" charset="0"/>
-              </a:rPr>
-              <a:t>-&gt;</a:t>
-            </a:r>
-            <a:r>
-              <a:rPr lang="en-US" dirty="0">
-                <a:solidFill>
-                  <a:prstClr val="black"/>
-                </a:solidFill>
-                <a:latin typeface="Consolas" panose="020B0609020204030204" pitchFamily="49" charset="0"/>
-              </a:rPr>
-              <a:t> </a:t>
-            </a:r>
-            <a:r>
-              <a:rPr lang="en-US" dirty="0" smtClean="0">
-                <a:solidFill>
-                  <a:prstClr val="black"/>
-                </a:solidFill>
-                <a:latin typeface="Consolas" panose="020B0609020204030204" pitchFamily="49" charset="0"/>
-              </a:rPr>
-              <a:t>unit</a:t>
-            </a:r>
-            <a:endParaRPr lang="en-US" dirty="0" smtClean="0">
-              <a:solidFill>
-                <a:srgbClr val="0000FF"/>
-              </a:solidFill>
-              <a:latin typeface="Consolas" panose="020B0609020204030204" pitchFamily="49" charset="0"/>
-            </a:endParaRPr>
-          </a:p>
-          <a:p>
-            <a:r>
-              <a:rPr lang="en-US" dirty="0" smtClean="0">
-                <a:solidFill>
-                  <a:srgbClr val="0000FF"/>
-                </a:solidFill>
-                <a:latin typeface="Consolas" panose="020B0609020204030204" pitchFamily="49" charset="0"/>
-              </a:rPr>
-              <a:t>type</a:t>
-            </a:r>
-            <a:r>
-              <a:rPr lang="en-US" dirty="0" smtClean="0">
-                <a:solidFill>
-                  <a:prstClr val="black"/>
-                </a:solidFill>
-                <a:latin typeface="Consolas" panose="020B0609020204030204" pitchFamily="49" charset="0"/>
-              </a:rPr>
-              <a:t> </a:t>
-            </a:r>
-            <a:r>
-              <a:rPr lang="en-US" dirty="0" err="1" smtClean="0">
-                <a:solidFill>
-                  <a:prstClr val="black"/>
-                </a:solidFill>
-                <a:latin typeface="Consolas" panose="020B0609020204030204" pitchFamily="49" charset="0"/>
-              </a:rPr>
-              <a:t>IController</a:t>
-            </a:r>
-            <a:r>
-              <a:rPr lang="en-US" dirty="0" smtClean="0">
-                <a:solidFill>
-                  <a:prstClr val="black"/>
-                </a:solidFill>
-                <a:latin typeface="Consolas" panose="020B0609020204030204" pitchFamily="49" charset="0"/>
-              </a:rPr>
-              <a:t>&lt;'Events, 'Model&gt; =</a:t>
-            </a:r>
-          </a:p>
-          <a:p>
-            <a:r>
-              <a:rPr lang="en-US" dirty="0" smtClean="0">
-                <a:solidFill>
-                  <a:prstClr val="black"/>
-                </a:solidFill>
-                <a:latin typeface="Consolas" panose="020B0609020204030204" pitchFamily="49" charset="0"/>
-              </a:rPr>
-              <a:t>    </a:t>
-            </a:r>
-            <a:r>
-              <a:rPr lang="en-US" dirty="0">
-                <a:solidFill>
-                  <a:srgbClr val="0000FF"/>
-                </a:solidFill>
-                <a:latin typeface="Consolas" panose="020B0609020204030204" pitchFamily="49" charset="0"/>
-              </a:rPr>
-              <a:t>abstract</a:t>
-            </a:r>
-            <a:r>
-              <a:rPr lang="en-US" dirty="0">
-                <a:solidFill>
-                  <a:prstClr val="black"/>
-                </a:solidFill>
-                <a:latin typeface="Consolas" panose="020B0609020204030204" pitchFamily="49" charset="0"/>
-              </a:rPr>
-              <a:t> InitModel : 'Model </a:t>
-            </a:r>
-            <a:r>
-              <a:rPr lang="en-US" dirty="0">
-                <a:solidFill>
-                  <a:srgbClr val="0000FF"/>
-                </a:solidFill>
-                <a:latin typeface="Consolas" panose="020B0609020204030204" pitchFamily="49" charset="0"/>
-              </a:rPr>
-              <a:t>-&gt;</a:t>
-            </a:r>
-            <a:r>
-              <a:rPr lang="en-US" dirty="0">
-                <a:solidFill>
-                  <a:prstClr val="black"/>
-                </a:solidFill>
-                <a:latin typeface="Consolas" panose="020B0609020204030204" pitchFamily="49" charset="0"/>
-              </a:rPr>
-              <a:t> unit</a:t>
-            </a:r>
-          </a:p>
-          <a:p>
-            <a:r>
-              <a:rPr lang="en-US" dirty="0">
-                <a:solidFill>
-                  <a:prstClr val="black"/>
-                </a:solidFill>
-                <a:latin typeface="Consolas" panose="020B0609020204030204" pitchFamily="49" charset="0"/>
-              </a:rPr>
-              <a:t>    </a:t>
-            </a:r>
-            <a:r>
-              <a:rPr lang="en-US" dirty="0">
-                <a:solidFill>
-                  <a:srgbClr val="0000FF"/>
-                </a:solidFill>
-                <a:latin typeface="Consolas" panose="020B0609020204030204" pitchFamily="49" charset="0"/>
-              </a:rPr>
-              <a:t>abstract</a:t>
-            </a:r>
-            <a:r>
-              <a:rPr lang="en-US" dirty="0">
-                <a:solidFill>
-                  <a:prstClr val="black"/>
-                </a:solidFill>
-                <a:latin typeface="Consolas" panose="020B0609020204030204" pitchFamily="49" charset="0"/>
-              </a:rPr>
-              <a:t> </a:t>
-            </a:r>
-            <a:r>
-              <a:rPr lang="en-US" dirty="0" smtClean="0">
-                <a:solidFill>
-                  <a:prstClr val="black"/>
-                </a:solidFill>
-                <a:latin typeface="Consolas" panose="020B0609020204030204" pitchFamily="49" charset="0"/>
-              </a:rPr>
-              <a:t>EventHandler </a:t>
-            </a:r>
-            <a:r>
-              <a:rPr lang="en-US" dirty="0">
-                <a:solidFill>
-                  <a:prstClr val="black"/>
-                </a:solidFill>
-                <a:latin typeface="Consolas" panose="020B0609020204030204" pitchFamily="49" charset="0"/>
-              </a:rPr>
-              <a:t>: ('Events </a:t>
-            </a:r>
-            <a:r>
-              <a:rPr lang="en-US" dirty="0">
-                <a:solidFill>
-                  <a:srgbClr val="0000FF"/>
-                </a:solidFill>
-                <a:latin typeface="Consolas" panose="020B0609020204030204" pitchFamily="49" charset="0"/>
-              </a:rPr>
-              <a:t>-&gt;</a:t>
-            </a:r>
-            <a:r>
-              <a:rPr lang="en-US" dirty="0">
-                <a:solidFill>
-                  <a:prstClr val="black"/>
-                </a:solidFill>
-                <a:latin typeface="Consolas" panose="020B0609020204030204" pitchFamily="49" charset="0"/>
-              </a:rPr>
-              <a:t> </a:t>
-            </a:r>
-            <a:r>
-              <a:rPr lang="en-US" dirty="0" err="1">
-                <a:solidFill>
-                  <a:prstClr val="black"/>
-                </a:solidFill>
-                <a:latin typeface="Consolas" panose="020B0609020204030204" pitchFamily="49" charset="0"/>
-              </a:rPr>
-              <a:t>EventHandler</a:t>
-            </a:r>
-            <a:r>
-              <a:rPr lang="en-US" dirty="0">
-                <a:solidFill>
-                  <a:prstClr val="black"/>
-                </a:solidFill>
-                <a:latin typeface="Consolas" panose="020B0609020204030204" pitchFamily="49" charset="0"/>
-              </a:rPr>
-              <a:t>&lt;'Model&gt;)</a:t>
-            </a:r>
-          </a:p>
-        </p:txBody>
-      </p:sp>
-      <p:sp>
-        <p:nvSpPr>
-          <p:cNvPr id="8" name="Down Arrow 7"/>
-          <p:cNvSpPr/>
-          <p:nvPr/>
-        </p:nvSpPr>
-        <p:spPr>
-          <a:xfrm>
-            <a:off x="5633128" y="3883899"/>
-            <a:ext cx="243797" cy="461954"/>
-          </a:xfrm>
-          <a:prstGeom prst="downArrow">
-            <a:avLst/>
-          </a:prstGeom>
-        </p:spPr>
-        <p:style>
-          <a:lnRef idx="2">
-            <a:schemeClr val="accent1">
-              <a:shade val="50000"/>
-            </a:schemeClr>
-          </a:lnRef>
-          <a:fillRef idx="1">
-            <a:schemeClr val="accent1"/>
-          </a:fillRef>
-          <a:effectRef idx="0">
-            <a:schemeClr val="accent1"/>
-          </a:effectRef>
-          <a:fontRef idx="minor">
-            <a:schemeClr val="lt1"/>
-          </a:fontRef>
-        </p:style>
-        <p:txBody>
-          <a:bodyPr rtlCol="0" anchor="ctr"/>
-          <a:lstStyle/>
-          <a:p>
-            <a:pPr algn="ctr"/>
-            <a:endParaRPr lang="en-US"/>
-          </a:p>
-        </p:txBody>
-      </p:sp>
-    </p:spTree>
-    <p:extLst>
-      <p:ext uri="{BB962C8B-B14F-4D97-AF65-F5344CB8AC3E}">
-        <p14:creationId xmlns:p14="http://schemas.microsoft.com/office/powerpoint/2010/main" val="4043113270"/>
-      </p:ext>
-    </p:extLst>
-  </p:cSld>
-  <p:clrMapOvr>
-    <a:masterClrMapping/>
-  </p:clrMapOvr>
-  <p:timing>
-    <p:tnLst>
-      <p:par>
-        <p:cTn id="1" dur="indefinite" restart="never" nodeType="tmRoot"/>
-      </p:par>
-    </p:tnLst>
-  </p:timing>
-</p:sld>
-</file>
-
-<file path=ppt/slides/slide12.xml><?xml version="1.0" encoding="utf-8"?>
-<p:sld xmlns:a="http://schemas.openxmlformats.org/drawingml/2006/main" xmlns:r="http://schemas.openxmlformats.org/officeDocument/2006/relationships" xmlns:p="http://schemas.openxmlformats.org/presentationml/2006/main">
-  <p:cSld>
-    <p:spTree>
-      <p:nvGrpSpPr>
-        <p:cNvPr id="1" name=""/>
-        <p:cNvGrpSpPr/>
-        <p:nvPr/>
-      </p:nvGrpSpPr>
-      <p:grpSpPr>
-        <a:xfrm>
-          <a:off x="0" y="0"/>
-          <a:ext cx="0" cy="0"/>
-          <a:chOff x="0" y="0"/>
-          <a:chExt cx="0" cy="0"/>
-        </a:xfrm>
-      </p:grpSpPr>
-      <p:sp>
-        <p:nvSpPr>
-          <p:cNvPr id="2" name="Title 1"/>
-          <p:cNvSpPr>
-            <a:spLocks noGrp="1"/>
-          </p:cNvSpPr>
-          <p:nvPr>
-            <p:ph type="title"/>
-          </p:nvPr>
-        </p:nvSpPr>
-        <p:spPr/>
-        <p:txBody>
-          <a:bodyPr/>
-          <a:lstStyle/>
-          <a:p>
-            <a:r>
-              <a:rPr lang="en-US" dirty="0" smtClean="0"/>
-              <a:t>Validation</a:t>
-            </a:r>
-            <a:endParaRPr lang="en-US" dirty="0"/>
-          </a:p>
-        </p:txBody>
-      </p:sp>
-      <p:sp>
-        <p:nvSpPr>
-          <p:cNvPr id="3" name="Content Placeholder 2"/>
-          <p:cNvSpPr>
-            <a:spLocks noGrp="1"/>
-          </p:cNvSpPr>
-          <p:nvPr>
-            <p:ph idx="1"/>
-          </p:nvPr>
-        </p:nvSpPr>
-        <p:spPr/>
-        <p:txBody>
-          <a:bodyPr/>
-          <a:lstStyle/>
-          <a:p>
-            <a:r>
-              <a:rPr lang="en-US" dirty="0" smtClean="0"/>
-              <a:t>Statically-typed</a:t>
-            </a:r>
-          </a:p>
-          <a:p>
-            <a:r>
-              <a:rPr lang="en-US" dirty="0" smtClean="0"/>
-              <a:t>Would be verbose without F# language features:</a:t>
-            </a:r>
-          </a:p>
-          <a:p>
-            <a:pPr lvl="1"/>
-            <a:r>
-              <a:rPr lang="en-US" dirty="0" smtClean="0"/>
-              <a:t>Active patterns</a:t>
-            </a:r>
-          </a:p>
-          <a:p>
-            <a:pPr lvl="1"/>
-            <a:r>
-              <a:rPr lang="en-US" dirty="0" smtClean="0"/>
-              <a:t>Explicit member constraints</a:t>
-            </a:r>
-          </a:p>
-          <a:p>
-            <a:pPr lvl="1"/>
-            <a:r>
-              <a:rPr lang="en-US" dirty="0" smtClean="0"/>
-              <a:t>Partial application</a:t>
-            </a:r>
-          </a:p>
-          <a:p>
-            <a:pPr lvl="1"/>
-            <a:endParaRPr lang="en-US" dirty="0"/>
-          </a:p>
-        </p:txBody>
-      </p:sp>
-    </p:spTree>
-    <p:extLst>
-      <p:ext uri="{BB962C8B-B14F-4D97-AF65-F5344CB8AC3E}">
-        <p14:creationId xmlns:p14="http://schemas.microsoft.com/office/powerpoint/2010/main" val="1857805310"/>
-      </p:ext>
-    </p:extLst>
-  </p:cSld>
-  <p:clrMapOvr>
-    <a:masterClrMapping/>
-  </p:clrMapOvr>
-  <p:timing>
-    <p:tnLst>
-      <p:par>
-        <p:cTn id="1" dur="indefinite" restart="never" nodeType="tmRoot"/>
-      </p:par>
-    </p:tnLst>
-  </p:timing>
-</p:sld>
-</file>
-
-<file path=ppt/slides/slide13.xml><?xml version="1.0" encoding="utf-8"?>
-<p:sld xmlns:a="http://schemas.openxmlformats.org/drawingml/2006/main" xmlns:r="http://schemas.openxmlformats.org/officeDocument/2006/relationships" xmlns:p="http://schemas.openxmlformats.org/presentationml/2006/main">
-  <p:cSld>
-    <p:spTree>
-      <p:nvGrpSpPr>
-        <p:cNvPr id="1" name=""/>
-        <p:cNvGrpSpPr/>
-        <p:nvPr/>
-      </p:nvGrpSpPr>
-      <p:grpSpPr>
-        <a:xfrm>
-          <a:off x="0" y="0"/>
-          <a:ext cx="0" cy="0"/>
-          <a:chOff x="0" y="0"/>
-          <a:chExt cx="0" cy="0"/>
-        </a:xfrm>
-      </p:grpSpPr>
-      <p:sp>
-        <p:nvSpPr>
-          <p:cNvPr id="2" name="Title 1"/>
-          <p:cNvSpPr>
-            <a:spLocks noGrp="1"/>
-          </p:cNvSpPr>
-          <p:nvPr>
-            <p:ph type="title"/>
-          </p:nvPr>
-        </p:nvSpPr>
-        <p:spPr/>
-        <p:txBody>
-          <a:bodyPr/>
-          <a:lstStyle/>
-          <a:p>
-            <a:r>
-              <a:rPr lang="en-US" dirty="0" smtClean="0"/>
-              <a:t>Child Windows</a:t>
-            </a:r>
-            <a:endParaRPr lang="en-US" dirty="0"/>
-          </a:p>
-        </p:txBody>
-      </p:sp>
-      <p:sp>
-        <p:nvSpPr>
-          <p:cNvPr id="3" name="Content Placeholder 2"/>
-          <p:cNvSpPr>
-            <a:spLocks noGrp="1"/>
-          </p:cNvSpPr>
-          <p:nvPr>
-            <p:ph idx="1"/>
-          </p:nvPr>
-        </p:nvSpPr>
-        <p:spPr/>
-        <p:txBody>
-          <a:bodyPr/>
-          <a:lstStyle/>
-          <a:p>
-            <a:r>
-              <a:rPr lang="en-US" dirty="0" smtClean="0"/>
-              <a:t>Dialog – synchronous computation </a:t>
-            </a:r>
-          </a:p>
-          <a:p>
-            <a:r>
-              <a:rPr lang="en-US" dirty="0" smtClean="0"/>
-              <a:t>Non-modal window - asynchronous </a:t>
-            </a:r>
-            <a:endParaRPr lang="en-US" dirty="0"/>
-          </a:p>
-        </p:txBody>
-      </p:sp>
-    </p:spTree>
-    <p:extLst>
-      <p:ext uri="{BB962C8B-B14F-4D97-AF65-F5344CB8AC3E}">
-        <p14:creationId xmlns:p14="http://schemas.microsoft.com/office/powerpoint/2010/main" val="1103476166"/>
-      </p:ext>
-    </p:extLst>
-  </p:cSld>
-  <p:clrMapOvr>
-    <a:masterClrMapping/>
-  </p:clrMapOvr>
-  <p:timing>
-    <p:tnLst>
-      <p:par>
-        <p:cTn id="1" dur="indefinite" restart="never" nodeType="tmRoot"/>
-      </p:par>
-    </p:tnLst>
-  </p:timing>
-</p:sld>
-</file>
-
-<file path=ppt/slides/slide14.xml><?xml version="1.0" encoding="utf-8"?>
-<p:sld xmlns:a="http://schemas.openxmlformats.org/drawingml/2006/main" xmlns:r="http://schemas.openxmlformats.org/officeDocument/2006/relationships" xmlns:p="http://schemas.openxmlformats.org/presentationml/2006/main">
-  <p:cSld>
-    <p:spTree>
-      <p:nvGrpSpPr>
-        <p:cNvPr id="1" name=""/>
-        <p:cNvGrpSpPr/>
-        <p:nvPr/>
-      </p:nvGrpSpPr>
-      <p:grpSpPr>
-        <a:xfrm>
-          <a:off x="0" y="0"/>
-          <a:ext cx="0" cy="0"/>
-          <a:chOff x="0" y="0"/>
-          <a:chExt cx="0" cy="0"/>
-        </a:xfrm>
-      </p:grpSpPr>
-      <p:sp>
-        <p:nvSpPr>
-          <p:cNvPr id="2" name="Title 1"/>
-          <p:cNvSpPr>
-            <a:spLocks noGrp="1"/>
-          </p:cNvSpPr>
-          <p:nvPr>
-            <p:ph type="title"/>
-          </p:nvPr>
-        </p:nvSpPr>
-        <p:spPr/>
-        <p:txBody>
-          <a:bodyPr/>
-          <a:lstStyle/>
-          <a:p>
-            <a:r>
-              <a:rPr lang="en-US" dirty="0" smtClean="0"/>
-              <a:t>Reentrancy</a:t>
-            </a:r>
-            <a:endParaRPr lang="en-US" dirty="0"/>
-          </a:p>
-        </p:txBody>
-      </p:sp>
-      <p:sp>
-        <p:nvSpPr>
-          <p:cNvPr id="3" name="Content Placeholder 2"/>
-          <p:cNvSpPr>
-            <a:spLocks noGrp="1"/>
-          </p:cNvSpPr>
-          <p:nvPr>
-            <p:ph idx="1"/>
-          </p:nvPr>
-        </p:nvSpPr>
-        <p:spPr/>
-        <p:txBody>
-          <a:bodyPr/>
-          <a:lstStyle/>
-          <a:p>
-            <a:r>
-              <a:rPr lang="en-US" dirty="0" smtClean="0"/>
-              <a:t>Very tricky problem</a:t>
-            </a:r>
-          </a:p>
-        </p:txBody>
-      </p:sp>
-    </p:spTree>
-    <p:extLst>
-      <p:ext uri="{BB962C8B-B14F-4D97-AF65-F5344CB8AC3E}">
-        <p14:creationId xmlns:p14="http://schemas.microsoft.com/office/powerpoint/2010/main" val="970238639"/>
-      </p:ext>
-    </p:extLst>
-  </p:cSld>
-  <p:clrMapOvr>
-    <a:masterClrMapping/>
-  </p:clrMapOvr>
-  <p:timing>
-    <p:tnLst>
-      <p:par>
-        <p:cTn id="1" dur="indefinite" restart="never" nodeType="tmRoot"/>
-      </p:par>
-    </p:tnLst>
-  </p:timing>
-</p:sld>
-</file>
-
-<file path=ppt/slides/slide15.xml><?xml version="1.0" encoding="utf-8"?>
-<p:sld xmlns:a="http://schemas.openxmlformats.org/drawingml/2006/main" xmlns:r="http://schemas.openxmlformats.org/officeDocument/2006/relationships" xmlns:p="http://schemas.openxmlformats.org/presentationml/2006/main">
-  <p:cSld>
-    <p:spTree>
-      <p:nvGrpSpPr>
-        <p:cNvPr id="1" name=""/>
-        <p:cNvGrpSpPr/>
-        <p:nvPr/>
-      </p:nvGrpSpPr>
-      <p:grpSpPr>
-        <a:xfrm>
-          <a:off x="0" y="0"/>
-          <a:ext cx="0" cy="0"/>
-          <a:chOff x="0" y="0"/>
-          <a:chExt cx="0" cy="0"/>
-        </a:xfrm>
-      </p:grpSpPr>
-      <p:sp>
-        <p:nvSpPr>
-          <p:cNvPr id="2" name="Title 1"/>
-          <p:cNvSpPr>
-            <a:spLocks noGrp="1"/>
-          </p:cNvSpPr>
-          <p:nvPr>
-            <p:ph type="title"/>
-          </p:nvPr>
-        </p:nvSpPr>
-        <p:spPr/>
-        <p:txBody>
-          <a:bodyPr/>
-          <a:lstStyle/>
-          <a:p>
-            <a:r>
-              <a:rPr lang="en-US" dirty="0" smtClean="0"/>
-              <a:t>composition</a:t>
-            </a:r>
-            <a:endParaRPr lang="en-US" dirty="0"/>
-          </a:p>
-        </p:txBody>
-      </p:sp>
-      <p:pic>
-        <p:nvPicPr>
-          <p:cNvPr id="4" name="Content Placeholder 3"/>
-          <p:cNvPicPr>
-            <a:picLocks noGrp="1" noChangeAspect="1"/>
-          </p:cNvPicPr>
-          <p:nvPr>
-            <p:ph idx="1"/>
-          </p:nvPr>
-        </p:nvPicPr>
-        <p:blipFill>
-          <a:blip r:embed="rId2">
-            <a:extLst>
-              <a:ext uri="{28A0092B-C50C-407E-A947-70E740481C1C}">
-                <a14:useLocalDpi xmlns:a14="http://schemas.microsoft.com/office/drawing/2010/main" val="0"/>
-              </a:ext>
-            </a:extLst>
-          </a:blip>
-          <a:stretch>
-            <a:fillRect/>
-          </a:stretch>
-        </p:blipFill>
-        <p:spPr>
-          <a:xfrm>
-            <a:off x="2232024" y="1788085"/>
-            <a:ext cx="7724775" cy="4479886"/>
-          </a:xfrm>
-        </p:spPr>
-      </p:pic>
-    </p:spTree>
-    <p:extLst>
-      <p:ext uri="{BB962C8B-B14F-4D97-AF65-F5344CB8AC3E}">
-        <p14:creationId xmlns:p14="http://schemas.microsoft.com/office/powerpoint/2010/main" val="1030256568"/>
-      </p:ext>
-    </p:extLst>
-  </p:cSld>
-  <p:clrMapOvr>
-    <a:masterClrMapping/>
-  </p:clrMapOvr>
-  <p:timing>
-    <p:tnLst>
-      <p:par>
-        <p:cTn id="1" dur="indefinite" restart="never" nodeType="tmRoot"/>
-      </p:par>
-    </p:tnLst>
-  </p:timing>
-</p:sld>
-</file>
-
-<file path=ppt/slides/slide16.xml><?xml version="1.0" encoding="utf-8"?>
-<p:sld xmlns:a="http://schemas.openxmlformats.org/drawingml/2006/main" xmlns:r="http://schemas.openxmlformats.org/officeDocument/2006/relationships" xmlns:p="http://schemas.openxmlformats.org/presentationml/2006/main">
-  <p:cSld>
-    <p:spTree>
-      <p:nvGrpSpPr>
-        <p:cNvPr id="1" name=""/>
-        <p:cNvGrpSpPr/>
-        <p:nvPr/>
-      </p:nvGrpSpPr>
-      <p:grpSpPr>
-        <a:xfrm>
-          <a:off x="0" y="0"/>
-          <a:ext cx="0" cy="0"/>
-          <a:chOff x="0" y="0"/>
-          <a:chExt cx="0" cy="0"/>
-        </a:xfrm>
-      </p:grpSpPr>
-      <p:sp>
-        <p:nvSpPr>
-          <p:cNvPr id="2" name="Title 1"/>
-          <p:cNvSpPr>
-            <a:spLocks noGrp="1"/>
-          </p:cNvSpPr>
-          <p:nvPr>
-            <p:ph type="title"/>
-          </p:nvPr>
-        </p:nvSpPr>
-        <p:spPr/>
-        <p:txBody>
-          <a:bodyPr/>
-          <a:lstStyle/>
-          <a:p>
-            <a:r>
-              <a:rPr lang="en-US" dirty="0" smtClean="0"/>
-              <a:t>External event sources</a:t>
-            </a:r>
-            <a:endParaRPr lang="en-US" dirty="0"/>
-          </a:p>
-        </p:txBody>
-      </p:sp>
-      <p:sp>
-        <p:nvSpPr>
-          <p:cNvPr id="3" name="Content Placeholder 2"/>
-          <p:cNvSpPr>
-            <a:spLocks noGrp="1"/>
-          </p:cNvSpPr>
-          <p:nvPr>
-            <p:ph idx="1"/>
-          </p:nvPr>
-        </p:nvSpPr>
-        <p:spPr/>
-        <p:txBody>
-          <a:bodyPr/>
-          <a:lstStyle/>
-          <a:p>
-            <a:r>
-              <a:rPr lang="en-US" dirty="0" smtClean="0"/>
-              <a:t>As easy as composing views</a:t>
-            </a:r>
-          </a:p>
-          <a:p>
-            <a:r>
-              <a:rPr lang="en-US" dirty="0" smtClean="0"/>
-              <a:t>Rx.NET helps to ensure invocation on GUI thread</a:t>
-            </a:r>
-          </a:p>
-          <a:p>
-            <a:r>
-              <a:rPr lang="en-US" dirty="0" smtClean="0"/>
-              <a:t>Another composition option</a:t>
-            </a:r>
-            <a:endParaRPr lang="en-US" dirty="0"/>
-          </a:p>
-        </p:txBody>
-      </p:sp>
-    </p:spTree>
-    <p:extLst>
-      <p:ext uri="{BB962C8B-B14F-4D97-AF65-F5344CB8AC3E}">
-        <p14:creationId xmlns:p14="http://schemas.microsoft.com/office/powerpoint/2010/main" val="1482672398"/>
-      </p:ext>
-    </p:extLst>
-  </p:cSld>
-  <p:clrMapOvr>
-    <a:masterClrMapping/>
-  </p:clrMapOvr>
-  <p:timing>
-    <p:tnLst>
-      <p:par>
-        <p:cTn id="1" dur="indefinite" restart="never" nodeType="tmRoot"/>
-      </p:par>
-    </p:tnLst>
-  </p:timing>
-</p:sld>
-</file>
-
-<file path=ppt/slides/slide17.xml><?xml version="1.0" encoding="utf-8"?>
-<p:sld xmlns:a="http://schemas.openxmlformats.org/drawingml/2006/main" xmlns:r="http://schemas.openxmlformats.org/officeDocument/2006/relationships" xmlns:p="http://schemas.openxmlformats.org/presentationml/2006/main">
-  <p:cSld>
-    <p:spTree>
-      <p:nvGrpSpPr>
-        <p:cNvPr id="1" name=""/>
-        <p:cNvGrpSpPr/>
-        <p:nvPr/>
-      </p:nvGrpSpPr>
-      <p:grpSpPr>
-        <a:xfrm>
-          <a:off x="0" y="0"/>
-          <a:ext cx="0" cy="0"/>
-          <a:chOff x="0" y="0"/>
-          <a:chExt cx="0" cy="0"/>
-        </a:xfrm>
-      </p:grpSpPr>
-      <p:sp>
-        <p:nvSpPr>
-          <p:cNvPr id="2" name="Title 1"/>
-          <p:cNvSpPr>
-            <a:spLocks noGrp="1"/>
-          </p:cNvSpPr>
-          <p:nvPr>
-            <p:ph type="title"/>
-          </p:nvPr>
-        </p:nvSpPr>
-        <p:spPr/>
-        <p:txBody>
-          <a:bodyPr/>
-          <a:lstStyle/>
-          <a:p>
-            <a:r>
-              <a:rPr lang="en-US" dirty="0" smtClean="0"/>
-              <a:t>Data binding micro dsl</a:t>
-            </a:r>
-            <a:endParaRPr lang="en-US" dirty="0"/>
-          </a:p>
-        </p:txBody>
-      </p:sp>
-      <p:sp>
-        <p:nvSpPr>
-          <p:cNvPr id="3" name="Content Placeholder 2"/>
-          <p:cNvSpPr>
-            <a:spLocks noGrp="1"/>
-          </p:cNvSpPr>
-          <p:nvPr>
-            <p:ph idx="1"/>
-          </p:nvPr>
-        </p:nvSpPr>
-        <p:spPr/>
-        <p:txBody>
-          <a:bodyPr/>
-          <a:lstStyle/>
-          <a:p>
-            <a:r>
-              <a:rPr lang="en-US" dirty="0" smtClean="0"/>
-              <a:t>Scrap </a:t>
-            </a:r>
-            <a:r>
-              <a:rPr lang="en-US" dirty="0"/>
-              <a:t>your </a:t>
-            </a:r>
-            <a:r>
-              <a:rPr lang="en-US" dirty="0" smtClean="0"/>
-              <a:t>boilerplate</a:t>
-            </a:r>
-          </a:p>
-          <a:p>
-            <a:r>
-              <a:rPr lang="en-US" dirty="0" smtClean="0"/>
-              <a:t>F# gives great tools to build internal DSLs</a:t>
-            </a:r>
-            <a:endParaRPr lang="en-US" dirty="0"/>
-          </a:p>
-          <a:p>
-            <a:endParaRPr lang="en-US" dirty="0"/>
-          </a:p>
-        </p:txBody>
-      </p:sp>
-    </p:spTree>
-    <p:extLst>
-      <p:ext uri="{BB962C8B-B14F-4D97-AF65-F5344CB8AC3E}">
-        <p14:creationId xmlns:p14="http://schemas.microsoft.com/office/powerpoint/2010/main" val="1517226537"/>
-      </p:ext>
-    </p:extLst>
-  </p:cSld>
-  <p:clrMapOvr>
-    <a:masterClrMapping/>
-  </p:clrMapOvr>
-  <p:timing>
-    <p:tnLst>
-      <p:par>
-        <p:cTn id="1" dur="indefinite" restart="never" nodeType="tmRoot"/>
-      </p:par>
-    </p:tnLst>
-  </p:timing>
-</p:sld>
-</file>
-
-<file path=ppt/slides/slide18.xml><?xml version="1.0" encoding="utf-8"?>
-<p:sld xmlns:a="http://schemas.openxmlformats.org/drawingml/2006/main" xmlns:r="http://schemas.openxmlformats.org/officeDocument/2006/relationships" xmlns:p="http://schemas.openxmlformats.org/presentationml/2006/main">
-  <p:cSld>
-    <p:spTree>
-      <p:nvGrpSpPr>
-        <p:cNvPr id="1" name=""/>
-        <p:cNvGrpSpPr/>
-        <p:nvPr/>
-      </p:nvGrpSpPr>
-      <p:grpSpPr>
-        <a:xfrm>
-          <a:off x="0" y="0"/>
-          <a:ext cx="0" cy="0"/>
-          <a:chOff x="0" y="0"/>
-          <a:chExt cx="0" cy="0"/>
-        </a:xfrm>
-      </p:grpSpPr>
-      <p:sp>
-        <p:nvSpPr>
-          <p:cNvPr id="2" name="Title 1"/>
-          <p:cNvSpPr>
-            <a:spLocks noGrp="1"/>
-          </p:cNvSpPr>
-          <p:nvPr>
-            <p:ph type="title"/>
-          </p:nvPr>
-        </p:nvSpPr>
-        <p:spPr/>
-        <p:txBody>
-          <a:bodyPr/>
-          <a:lstStyle/>
-          <a:p>
-            <a:r>
-              <a:rPr lang="en-US" dirty="0" smtClean="0"/>
-              <a:t>Derived properties</a:t>
-            </a:r>
-            <a:endParaRPr lang="en-US" dirty="0"/>
-          </a:p>
-        </p:txBody>
-      </p:sp>
-      <p:sp>
-        <p:nvSpPr>
-          <p:cNvPr id="3" name="Content Placeholder 2"/>
-          <p:cNvSpPr>
-            <a:spLocks noGrp="1"/>
-          </p:cNvSpPr>
-          <p:nvPr>
-            <p:ph idx="1"/>
-          </p:nvPr>
-        </p:nvSpPr>
-        <p:spPr/>
-        <p:txBody>
-          <a:bodyPr>
-            <a:normAutofit/>
-          </a:bodyPr>
-          <a:lstStyle/>
-          <a:p>
-            <a:r>
-              <a:rPr lang="en-US" dirty="0"/>
-              <a:t>Scrap your </a:t>
-            </a:r>
-            <a:r>
-              <a:rPr lang="en-US" dirty="0" smtClean="0"/>
-              <a:t>boilerplate</a:t>
-            </a:r>
-            <a:endParaRPr lang="en-US" dirty="0"/>
-          </a:p>
-          <a:p>
-            <a:r>
-              <a:rPr lang="en-US" dirty="0" smtClean="0"/>
-              <a:t>F# pure magic</a:t>
-            </a:r>
-          </a:p>
-          <a:p>
-            <a:pPr lvl="1"/>
-            <a:r>
-              <a:rPr lang="en-US" dirty="0"/>
-              <a:t>ReflectedDefinitionAttribute</a:t>
-            </a:r>
-            <a:endParaRPr lang="en-US" dirty="0" smtClean="0"/>
-          </a:p>
-          <a:p>
-            <a:pPr lvl="1"/>
-            <a:r>
-              <a:rPr lang="en-US" dirty="0" smtClean="0"/>
-              <a:t>Quotation</a:t>
-            </a:r>
-            <a:r>
-              <a:rPr lang="en-US" dirty="0"/>
-              <a:t> </a:t>
-            </a:r>
-            <a:endParaRPr lang="en-US" dirty="0" smtClean="0"/>
-          </a:p>
-          <a:p>
-            <a:pPr lvl="1"/>
-            <a:r>
-              <a:rPr lang="en-US" dirty="0" smtClean="0"/>
-              <a:t>Active patterns (a lot)</a:t>
-            </a:r>
-          </a:p>
-          <a:p>
-            <a:r>
-              <a:rPr lang="en-US" dirty="0" smtClean="0"/>
-              <a:t>WPF black magic</a:t>
-            </a:r>
-          </a:p>
-          <a:p>
-            <a:pPr lvl="1"/>
-            <a:r>
-              <a:rPr lang="en-US" dirty="0" err="1" smtClean="0"/>
-              <a:t>MultiBinding</a:t>
-            </a:r>
-            <a:endParaRPr lang="en-US" dirty="0" smtClean="0"/>
-          </a:p>
-          <a:p>
-            <a:pPr lvl="1"/>
-            <a:endParaRPr lang="en-US" dirty="0"/>
-          </a:p>
-        </p:txBody>
-      </p:sp>
-    </p:spTree>
-    <p:extLst>
-      <p:ext uri="{BB962C8B-B14F-4D97-AF65-F5344CB8AC3E}">
-        <p14:creationId xmlns:p14="http://schemas.microsoft.com/office/powerpoint/2010/main" val="2632499272"/>
-      </p:ext>
-    </p:extLst>
-  </p:cSld>
-  <p:clrMapOvr>
-    <a:masterClrMapping/>
-  </p:clrMapOvr>
-  <p:timing>
-    <p:tnLst>
-      <p:par>
-        <p:cTn id="1" dur="indefinite" restart="never" nodeType="tmRoot"/>
-      </p:par>
-    </p:tnLst>
-  </p:timing>
-</p:sld>
-</file>
-
-<file path=ppt/slides/slide19.xml><?xml version="1.0" encoding="utf-8"?>
-<p:sld xmlns:a="http://schemas.openxmlformats.org/drawingml/2006/main" xmlns:r="http://schemas.openxmlformats.org/officeDocument/2006/relationships" xmlns:p="http://schemas.openxmlformats.org/presentationml/2006/main">
-  <p:cSld>
-    <p:spTree>
-      <p:nvGrpSpPr>
-        <p:cNvPr id="1" name=""/>
-        <p:cNvGrpSpPr/>
-        <p:nvPr/>
-      </p:nvGrpSpPr>
-      <p:grpSpPr>
-        <a:xfrm>
-          <a:off x="0" y="0"/>
-          <a:ext cx="0" cy="0"/>
-          <a:chOff x="0" y="0"/>
-          <a:chExt cx="0" cy="0"/>
-        </a:xfrm>
-      </p:grpSpPr>
-      <p:sp>
-        <p:nvSpPr>
-          <p:cNvPr id="2" name="Title 1"/>
-          <p:cNvSpPr>
-            <a:spLocks noGrp="1"/>
-          </p:cNvSpPr>
-          <p:nvPr>
-            <p:ph type="title"/>
-          </p:nvPr>
-        </p:nvSpPr>
-        <p:spPr/>
-        <p:txBody>
-          <a:bodyPr/>
-          <a:lstStyle/>
-          <a:p>
-            <a:r>
-              <a:rPr lang="en-US" dirty="0" smtClean="0"/>
-              <a:t>F# 3.0/.net4.5</a:t>
-            </a:r>
-            <a:endParaRPr lang="en-US" dirty="0"/>
-          </a:p>
-        </p:txBody>
-      </p:sp>
-      <p:sp>
-        <p:nvSpPr>
-          <p:cNvPr id="3" name="Content Placeholder 2"/>
-          <p:cNvSpPr>
-            <a:spLocks noGrp="1"/>
-          </p:cNvSpPr>
-          <p:nvPr>
-            <p:ph idx="1"/>
-          </p:nvPr>
-        </p:nvSpPr>
-        <p:spPr/>
-        <p:txBody>
-          <a:bodyPr/>
-          <a:lstStyle/>
-          <a:p>
-            <a:r>
-              <a:rPr lang="en-US" dirty="0" smtClean="0"/>
-              <a:t>Queries</a:t>
-            </a:r>
-          </a:p>
-          <a:p>
-            <a:r>
-              <a:rPr lang="en-US" dirty="0" smtClean="0"/>
-              <a:t>Type providers</a:t>
-            </a:r>
-          </a:p>
-          <a:p>
-            <a:pPr lvl="1"/>
-            <a:r>
-              <a:rPr lang="en-US" dirty="0" smtClean="0"/>
-              <a:t>WSDL</a:t>
-            </a:r>
-          </a:p>
-          <a:p>
-            <a:pPr lvl="1"/>
-            <a:r>
-              <a:rPr lang="en-US" dirty="0" smtClean="0"/>
-              <a:t>XAML</a:t>
-            </a:r>
-          </a:p>
-          <a:p>
-            <a:r>
-              <a:rPr lang="en-US" dirty="0" smtClean="0"/>
-              <a:t>INotifyDataErrorInfo</a:t>
-            </a:r>
-          </a:p>
-          <a:p>
-            <a:r>
-              <a:rPr lang="en-US" dirty="0"/>
-              <a:t>ExceptionDispatchInfo</a:t>
-            </a:r>
-            <a:endParaRPr lang="en-US" dirty="0" smtClean="0"/>
-          </a:p>
-          <a:p>
-            <a:endParaRPr lang="en-US" dirty="0"/>
-          </a:p>
-        </p:txBody>
-      </p:sp>
-    </p:spTree>
-    <p:extLst>
-      <p:ext uri="{BB962C8B-B14F-4D97-AF65-F5344CB8AC3E}">
-        <p14:creationId xmlns:p14="http://schemas.microsoft.com/office/powerpoint/2010/main" val="231815751"/>
-      </p:ext>
-    </p:extLst>
-  </p:cSld>
-  <p:clrMapOvr>
-    <a:masterClrMapping/>
-  </p:clrMapOvr>
-  <p:timing>
-    <p:tnLst>
-      <p:par>
-        <p:cTn id="1" dur="indefinite" restart="never" nodeType="tmRoot"/>
-      </p:par>
-    </p:tnLst>
-  </p:timing>
-</p:sld>
-</file>
-
-<file path=ppt/slides/slide2.xml><?xml version="1.0" encoding="utf-8"?>
-<p:sld xmlns:a="http://schemas.openxmlformats.org/drawingml/2006/main" xmlns:r="http://schemas.openxmlformats.org/officeDocument/2006/relationships" xmlns:p="http://schemas.openxmlformats.org/presentationml/2006/main">
-  <p:cSld>
-    <p:spTree>
-      <p:nvGrpSpPr>
-        <p:cNvPr id="1" name=""/>
-        <p:cNvGrpSpPr/>
-        <p:nvPr/>
-      </p:nvGrpSpPr>
-      <p:grpSpPr>
-        <a:xfrm>
-          <a:off x="0" y="0"/>
-          <a:ext cx="0" cy="0"/>
-          <a:chOff x="0" y="0"/>
-          <a:chExt cx="0" cy="0"/>
-        </a:xfrm>
-      </p:grpSpPr>
-      <p:sp>
-        <p:nvSpPr>
-          <p:cNvPr id="4" name="Title 3"/>
-          <p:cNvSpPr>
-            <a:spLocks noGrp="1"/>
-          </p:cNvSpPr>
-          <p:nvPr>
-            <p:ph type="title"/>
-          </p:nvPr>
-        </p:nvSpPr>
-        <p:spPr>
-          <a:xfrm>
-            <a:off x="1519183" y="618518"/>
-            <a:ext cx="9528228" cy="1478570"/>
-          </a:xfrm>
-        </p:spPr>
-        <p:txBody>
-          <a:bodyPr/>
-          <a:lstStyle/>
-          <a:p>
-            <a:r>
-              <a:rPr lang="en-US" dirty="0" smtClean="0"/>
-              <a:t>MVvm (</a:t>
-            </a:r>
-            <a:r>
-              <a:rPr lang="en-US" cap="none" dirty="0" smtClean="0"/>
-              <a:t>Model-View-ViewModel</a:t>
-            </a:r>
-            <a:r>
-              <a:rPr lang="en-US" dirty="0" smtClean="0"/>
-              <a:t>)</a:t>
-            </a:r>
-            <a:endParaRPr lang="en-US" dirty="0"/>
-          </a:p>
-        </p:txBody>
-      </p:sp>
-      <p:pic>
-        <p:nvPicPr>
-          <p:cNvPr id="6" name="Content Placeholder 5"/>
-          <p:cNvPicPr>
-            <a:picLocks noGrp="1" noChangeAspect="1"/>
-          </p:cNvPicPr>
-          <p:nvPr>
-            <p:ph idx="1"/>
-          </p:nvPr>
-        </p:nvPicPr>
-        <p:blipFill>
-          <a:blip r:embed="rId2">
-            <a:extLst>
-              <a:ext uri="{28A0092B-C50C-407E-A947-70E740481C1C}">
-                <a14:useLocalDpi xmlns:a14="http://schemas.microsoft.com/office/drawing/2010/main" val="0"/>
-              </a:ext>
-            </a:extLst>
-          </a:blip>
-          <a:stretch>
-            <a:fillRect/>
-          </a:stretch>
-        </p:blipFill>
-        <p:spPr>
-          <a:xfrm>
-            <a:off x="1519183" y="1700221"/>
-            <a:ext cx="9150458" cy="3161068"/>
-          </a:xfrm>
-        </p:spPr>
-      </p:pic>
-    </p:spTree>
-    <p:extLst>
-      <p:ext uri="{BB962C8B-B14F-4D97-AF65-F5344CB8AC3E}">
-        <p14:creationId xmlns:p14="http://schemas.microsoft.com/office/powerpoint/2010/main" val="3569035093"/>
-      </p:ext>
-    </p:extLst>
-  </p:cSld>
-  <p:clrMapOvr>
-    <a:masterClrMapping/>
-  </p:clrMapOvr>
-  <p:timing>
-    <p:tnLst>
-      <p:par>
-        <p:cTn id="1" dur="indefinite" restart="never" nodeType="tmRoot"/>
-      </p:par>
-    </p:tnLst>
-  </p:timing>
-</p:sld>
-</file>
-
-<file path=ppt/slides/slide20.xml><?xml version="1.0" encoding="utf-8"?>
-<p:sld xmlns:a="http://schemas.openxmlformats.org/drawingml/2006/main" xmlns:r="http://schemas.openxmlformats.org/officeDocument/2006/relationships" xmlns:p="http://schemas.openxmlformats.org/presentationml/2006/main">
-  <p:cSld>
-    <p:spTree>
-      <p:nvGrpSpPr>
-        <p:cNvPr id="1" name=""/>
-        <p:cNvGrpSpPr/>
-        <p:nvPr/>
-      </p:nvGrpSpPr>
-      <p:grpSpPr>
-        <a:xfrm>
-          <a:off x="0" y="0"/>
-          <a:ext cx="0" cy="0"/>
-          <a:chOff x="0" y="0"/>
-          <a:chExt cx="0" cy="0"/>
-        </a:xfrm>
-      </p:grpSpPr>
-      <p:sp>
-        <p:nvSpPr>
-          <p:cNvPr id="2" name="Title 1"/>
-          <p:cNvSpPr>
-            <a:spLocks noGrp="1"/>
-          </p:cNvSpPr>
-          <p:nvPr>
-            <p:ph type="title"/>
-          </p:nvPr>
-        </p:nvSpPr>
-        <p:spPr/>
-        <p:txBody>
-          <a:bodyPr/>
-          <a:lstStyle/>
-          <a:p>
-            <a:r>
-              <a:rPr lang="en-US" dirty="0" smtClean="0"/>
-              <a:t>INPC type Provider</a:t>
-            </a:r>
-            <a:endParaRPr lang="en-US" dirty="0"/>
-          </a:p>
-        </p:txBody>
-      </p:sp>
-      <p:sp>
-        <p:nvSpPr>
-          <p:cNvPr id="3" name="Content Placeholder 2"/>
-          <p:cNvSpPr>
-            <a:spLocks noGrp="1"/>
-          </p:cNvSpPr>
-          <p:nvPr>
-            <p:ph idx="1"/>
-          </p:nvPr>
-        </p:nvSpPr>
-        <p:spPr/>
-        <p:txBody>
-          <a:bodyPr/>
-          <a:lstStyle/>
-          <a:p>
-            <a:endParaRPr lang="en-US" dirty="0"/>
-          </a:p>
-        </p:txBody>
-      </p:sp>
-    </p:spTree>
-    <p:extLst>
-      <p:ext uri="{BB962C8B-B14F-4D97-AF65-F5344CB8AC3E}">
-        <p14:creationId xmlns:p14="http://schemas.microsoft.com/office/powerpoint/2010/main" val="836677918"/>
-      </p:ext>
-    </p:extLst>
-  </p:cSld>
-  <p:clrMapOvr>
-    <a:masterClrMapping/>
-  </p:clrMapOvr>
-  <p:timing>
-    <p:tnLst>
-      <p:par>
-        <p:cTn id="1" dur="indefinite" restart="never" nodeType="tmRoot"/>
-      </p:par>
-    </p:tnLst>
-  </p:timing>
-</p:sld>
-</file>
-
-<file path=ppt/slides/slide21.xml><?xml version="1.0" encoding="utf-8"?>
-<p:sld xmlns:a="http://schemas.openxmlformats.org/drawingml/2006/main" xmlns:r="http://schemas.openxmlformats.org/officeDocument/2006/relationships" xmlns:p="http://schemas.openxmlformats.org/presentationml/2006/main">
-  <p:cSld>
-    <p:spTree>
-      <p:nvGrpSpPr>
-        <p:cNvPr id="1" name=""/>
-        <p:cNvGrpSpPr/>
-        <p:nvPr/>
-      </p:nvGrpSpPr>
-      <p:grpSpPr>
-        <a:xfrm>
-          <a:off x="0" y="0"/>
-          <a:ext cx="0" cy="0"/>
-          <a:chOff x="0" y="0"/>
-          <a:chExt cx="0" cy="0"/>
-        </a:xfrm>
-      </p:grpSpPr>
-      <p:sp>
-        <p:nvSpPr>
-          <p:cNvPr id="2" name="Title 1"/>
-          <p:cNvSpPr>
-            <a:spLocks noGrp="1"/>
-          </p:cNvSpPr>
-          <p:nvPr>
-            <p:ph type="title"/>
-          </p:nvPr>
-        </p:nvSpPr>
-        <p:spPr/>
-        <p:txBody>
-          <a:bodyPr/>
-          <a:lstStyle/>
-          <a:p>
-            <a:r>
-              <a:rPr lang="en-US" dirty="0" smtClean="0"/>
-              <a:t>F# MVC </a:t>
-            </a:r>
-            <a:r>
-              <a:rPr lang="en-US" cap="none" dirty="0" smtClean="0"/>
-              <a:t>for</a:t>
-            </a:r>
-            <a:r>
-              <a:rPr lang="en-US" dirty="0" smtClean="0"/>
-              <a:t> WPF </a:t>
-            </a:r>
-            <a:endParaRPr lang="en-US" dirty="0"/>
-          </a:p>
-        </p:txBody>
-      </p:sp>
-      <p:sp>
-        <p:nvSpPr>
-          <p:cNvPr id="11" name="Content Placeholder 10"/>
-          <p:cNvSpPr>
-            <a:spLocks noGrp="1"/>
-          </p:cNvSpPr>
-          <p:nvPr>
-            <p:ph sz="half" idx="1"/>
-          </p:nvPr>
-        </p:nvSpPr>
-        <p:spPr>
-          <a:xfrm>
-            <a:off x="781051" y="1773236"/>
-            <a:ext cx="4810125" cy="3455989"/>
-          </a:xfrm>
-        </p:spPr>
-        <p:txBody>
-          <a:bodyPr>
-            <a:normAutofit/>
-          </a:bodyPr>
-          <a:lstStyle/>
-          <a:p>
-            <a:r>
-              <a:rPr lang="en-US" sz="2000" dirty="0" smtClean="0"/>
-              <a:t>No INPC boilerplate model</a:t>
-            </a:r>
-          </a:p>
-          <a:p>
-            <a:r>
-              <a:rPr lang="en-US" sz="2000" dirty="0" smtClean="0"/>
-              <a:t>Abstract polymorphic view</a:t>
-            </a:r>
-          </a:p>
-          <a:p>
-            <a:r>
-              <a:rPr lang="en-US" sz="2000" dirty="0" smtClean="0"/>
-              <a:t>Loosely couple controller</a:t>
-            </a:r>
-          </a:p>
-          <a:p>
-            <a:r>
-              <a:rPr lang="en-US" sz="2000" dirty="0" smtClean="0"/>
-              <a:t>Type checked event to handler mapping</a:t>
-            </a:r>
-          </a:p>
-          <a:p>
-            <a:r>
-              <a:rPr lang="en-US" sz="2000" dirty="0" smtClean="0"/>
-              <a:t>Statically typed data-binding DSL</a:t>
-            </a:r>
-          </a:p>
-          <a:p>
-            <a:r>
-              <a:rPr lang="en-US" sz="2000" dirty="0" smtClean="0"/>
-              <a:t>Lightweight validation</a:t>
-            </a:r>
-          </a:p>
-        </p:txBody>
-      </p:sp>
-      <p:sp>
-        <p:nvSpPr>
-          <p:cNvPr id="12" name="Content Placeholder 11"/>
-          <p:cNvSpPr>
-            <a:spLocks noGrp="1"/>
-          </p:cNvSpPr>
-          <p:nvPr>
-            <p:ph sz="half" idx="2"/>
-          </p:nvPr>
-        </p:nvSpPr>
-        <p:spPr>
-          <a:xfrm>
-            <a:off x="5540373" y="1773236"/>
-            <a:ext cx="5867400" cy="3455989"/>
-          </a:xfrm>
-        </p:spPr>
-        <p:txBody>
-          <a:bodyPr>
-            <a:normAutofit/>
-          </a:bodyPr>
-          <a:lstStyle/>
-          <a:p>
-            <a:r>
-              <a:rPr lang="en-US" sz="2000" dirty="0" smtClean="0"/>
-              <a:t>Type system supported Async</a:t>
-            </a:r>
-            <a:endParaRPr lang="en-US" sz="2000" dirty="0"/>
-          </a:p>
-          <a:p>
-            <a:r>
-              <a:rPr lang="en-US" sz="2000" dirty="0" smtClean="0"/>
-              <a:t>Dialogs/Windows as sync/</a:t>
-            </a:r>
-            <a:r>
-              <a:rPr lang="en-US" sz="2000" dirty="0" err="1" smtClean="0"/>
-              <a:t>async</a:t>
-            </a:r>
-            <a:r>
-              <a:rPr lang="en-US" sz="2000" dirty="0" smtClean="0"/>
-              <a:t> workflows </a:t>
-            </a:r>
-          </a:p>
-          <a:p>
-            <a:r>
-              <a:rPr lang="en-US" sz="2000" dirty="0" smtClean="0"/>
-              <a:t>Reentrancy problem solved at one place</a:t>
-            </a:r>
-          </a:p>
-          <a:p>
-            <a:r>
-              <a:rPr lang="en-US" sz="2000" dirty="0" smtClean="0"/>
-              <a:t>COMPOSITION</a:t>
-            </a:r>
-          </a:p>
-          <a:p>
-            <a:r>
-              <a:rPr lang="en-US" sz="2000" dirty="0" smtClean="0"/>
-              <a:t>External event source</a:t>
-            </a:r>
-          </a:p>
-          <a:p>
-            <a:r>
-              <a:rPr lang="en-US" sz="2000" dirty="0" smtClean="0"/>
-              <a:t>Declarative derived properties</a:t>
-            </a:r>
-          </a:p>
-          <a:p>
-            <a:r>
-              <a:rPr lang="en-US" sz="2000" dirty="0" smtClean="0"/>
-              <a:t>Queries, type providers …</a:t>
-            </a:r>
-            <a:endParaRPr lang="en-US" sz="2000" dirty="0"/>
-          </a:p>
-        </p:txBody>
-      </p:sp>
-      <p:sp>
-        <p:nvSpPr>
-          <p:cNvPr id="3" name="Rectangle 2"/>
-          <p:cNvSpPr/>
-          <p:nvPr/>
-        </p:nvSpPr>
-        <p:spPr>
-          <a:xfrm>
-            <a:off x="1821656" y="5444609"/>
-            <a:ext cx="8545512" cy="369332"/>
-          </a:xfrm>
-          <a:prstGeom prst="rect">
-            <a:avLst/>
-          </a:prstGeom>
-        </p:spPr>
-        <p:txBody>
-          <a:bodyPr wrap="square">
-            <a:spAutoFit/>
-          </a:bodyPr>
-          <a:lstStyle/>
-          <a:p>
-            <a:r>
-              <a:rPr lang="en-US" b="1" dirty="0" smtClean="0"/>
-              <a:t>All components replaceable/optional except IView, </a:t>
-            </a:r>
-            <a:r>
-              <a:rPr lang="en-US" b="1" dirty="0" err="1" smtClean="0"/>
-              <a:t>IController</a:t>
-            </a:r>
-            <a:r>
-              <a:rPr lang="en-US" b="1" dirty="0" smtClean="0"/>
-              <a:t> and MVC</a:t>
-            </a:r>
-            <a:endParaRPr lang="en-US" b="1" dirty="0"/>
-          </a:p>
-        </p:txBody>
-      </p:sp>
-    </p:spTree>
-    <p:extLst>
-      <p:ext uri="{BB962C8B-B14F-4D97-AF65-F5344CB8AC3E}">
-        <p14:creationId xmlns:p14="http://schemas.microsoft.com/office/powerpoint/2010/main" val="1134198775"/>
-      </p:ext>
-    </p:extLst>
-  </p:cSld>
-  <p:clrMapOvr>
-    <a:masterClrMapping/>
-  </p:clrMapOvr>
-  <p:timing>
-    <p:tnLst>
-      <p:par>
-        <p:cTn id="1" dur="indefinite" restart="never" nodeType="tmRoot"/>
-      </p:par>
-    </p:tnLst>
-  </p:timing>
-</p:sld>
-</file>
-
-<file path=ppt/slides/slide22.xml><?xml version="1.0" encoding="utf-8"?>
-<p:sld xmlns:a="http://schemas.openxmlformats.org/drawingml/2006/main" xmlns:r="http://schemas.openxmlformats.org/officeDocument/2006/relationships" xmlns:p="http://schemas.openxmlformats.org/presentationml/2006/main">
-  <p:cSld>
-    <p:spTree>
-      <p:nvGrpSpPr>
-        <p:cNvPr id="1" name=""/>
-        <p:cNvGrpSpPr/>
-        <p:nvPr/>
-      </p:nvGrpSpPr>
-      <p:grpSpPr>
-        <a:xfrm>
-          <a:off x="0" y="0"/>
-          <a:ext cx="0" cy="0"/>
-          <a:chOff x="0" y="0"/>
-          <a:chExt cx="0" cy="0"/>
-        </a:xfrm>
-      </p:grpSpPr>
-      <p:sp>
-        <p:nvSpPr>
-          <p:cNvPr id="2" name="Title 1"/>
-          <p:cNvSpPr>
-            <a:spLocks noGrp="1"/>
-          </p:cNvSpPr>
-          <p:nvPr>
-            <p:ph type="title"/>
-          </p:nvPr>
-        </p:nvSpPr>
-        <p:spPr/>
-        <p:txBody>
-          <a:bodyPr/>
-          <a:lstStyle/>
-          <a:p>
-            <a:r>
-              <a:rPr lang="en-US" dirty="0" smtClean="0"/>
-              <a:t>In summary</a:t>
-            </a:r>
-            <a:endParaRPr lang="en-US" dirty="0"/>
-          </a:p>
-        </p:txBody>
-      </p:sp>
-      <p:sp>
-        <p:nvSpPr>
-          <p:cNvPr id="3" name="Content Placeholder 2"/>
-          <p:cNvSpPr>
-            <a:spLocks noGrp="1"/>
-          </p:cNvSpPr>
-          <p:nvPr>
-            <p:ph idx="1"/>
-          </p:nvPr>
-        </p:nvSpPr>
-        <p:spPr>
-          <a:xfrm>
-            <a:off x="1141413" y="1854679"/>
-            <a:ext cx="10512874" cy="3936522"/>
-          </a:xfrm>
-        </p:spPr>
-        <p:txBody>
-          <a:bodyPr>
-            <a:normAutofit lnSpcReduction="10000"/>
-          </a:bodyPr>
-          <a:lstStyle/>
-          <a:p>
-            <a:r>
-              <a:rPr lang="en-US" dirty="0" smtClean="0"/>
-              <a:t>F# great general purpose language</a:t>
-            </a:r>
-          </a:p>
-          <a:p>
-            <a:r>
-              <a:rPr lang="en-US" dirty="0" smtClean="0"/>
-              <a:t>Hard </a:t>
-            </a:r>
-            <a:r>
-              <a:rPr lang="en-US" dirty="0"/>
-              <a:t>things easy </a:t>
-            </a:r>
-            <a:r>
-              <a:rPr lang="en-US" dirty="0" smtClean="0"/>
-              <a:t>impossible </a:t>
-            </a:r>
-            <a:r>
-              <a:rPr lang="en-US" dirty="0"/>
-              <a:t>things </a:t>
-            </a:r>
-            <a:r>
-              <a:rPr lang="en-US" dirty="0" smtClean="0"/>
-              <a:t>possible</a:t>
-            </a:r>
-          </a:p>
-          <a:p>
-            <a:r>
-              <a:rPr lang="en-US" dirty="0" smtClean="0"/>
-              <a:t>Go thru the framework code base – it’s great language tutorial</a:t>
-            </a:r>
-          </a:p>
-          <a:p>
-            <a:r>
-              <a:rPr lang="en-US" dirty="0" err="1" smtClean="0"/>
-              <a:t>GitHub</a:t>
-            </a:r>
-            <a:r>
-              <a:rPr lang="en-US" dirty="0" smtClean="0"/>
-              <a:t> project:</a:t>
-            </a:r>
-            <a:br>
-              <a:rPr lang="en-US" dirty="0" smtClean="0"/>
-            </a:br>
-            <a:r>
-              <a:rPr lang="en-US" dirty="0" smtClean="0">
-                <a:hlinkClick r:id="rId2"/>
-              </a:rPr>
-              <a:t>http://github.com/dmitry-a-morozov/fsharp-wpf-mvc-series</a:t>
-            </a:r>
-            <a:endParaRPr lang="en-US" dirty="0" smtClean="0"/>
-          </a:p>
-          <a:p>
-            <a:r>
-              <a:rPr lang="en-US" dirty="0" smtClean="0"/>
-              <a:t>Wiki:</a:t>
-            </a:r>
-            <a:br>
-              <a:rPr lang="en-US" dirty="0" smtClean="0"/>
-            </a:br>
-            <a:r>
-              <a:rPr lang="en-US" dirty="0" smtClean="0">
-                <a:hlinkClick r:id="rId3"/>
-              </a:rPr>
-              <a:t>http://</a:t>
-            </a:r>
-            <a:r>
-              <a:rPr lang="en-US" dirty="0">
-                <a:hlinkClick r:id="rId3"/>
-              </a:rPr>
-              <a:t>github.com/dmitry-a-morozov/fsharp-wpf-mvc-series/wiki</a:t>
-            </a:r>
-            <a:r>
-              <a:rPr lang="en-US" dirty="0" smtClean="0"/>
-              <a:t/>
-            </a:r>
-            <a:br>
-              <a:rPr lang="en-US" dirty="0" smtClean="0"/>
-            </a:br>
-            <a:endParaRPr lang="en-US" dirty="0"/>
-          </a:p>
-        </p:txBody>
-      </p:sp>
-    </p:spTree>
-    <p:extLst>
-      <p:ext uri="{BB962C8B-B14F-4D97-AF65-F5344CB8AC3E}">
-        <p14:creationId xmlns:p14="http://schemas.microsoft.com/office/powerpoint/2010/main" val="1249366738"/>
-      </p:ext>
-    </p:extLst>
-  </p:cSld>
-  <p:clrMapOvr>
-    <a:masterClrMapping/>
-  </p:clrMapOvr>
-  <p:timing>
-    <p:tnLst>
-      <p:par>
-        <p:cTn id="1" dur="indefinite" restart="never" nodeType="tmRoot"/>
-      </p:par>
-    </p:tnLst>
-  </p:timing>
-</p:sld>
-</file>
-
-<file path=ppt/slides/slide3.xml><?xml version="1.0" encoding="utf-8"?>
-<p:sld xmlns:a="http://schemas.openxmlformats.org/drawingml/2006/main" xmlns:r="http://schemas.openxmlformats.org/officeDocument/2006/relationships" xmlns:p="http://schemas.openxmlformats.org/presentationml/2006/main">
-  <p:cSld>
-    <p:spTree>
-      <p:nvGrpSpPr>
-        <p:cNvPr id="1" name=""/>
-        <p:cNvGrpSpPr/>
-        <p:nvPr/>
-      </p:nvGrpSpPr>
-      <p:grpSpPr>
-        <a:xfrm>
-          <a:off x="0" y="0"/>
-          <a:ext cx="0" cy="0"/>
-          <a:chOff x="0" y="0"/>
-          <a:chExt cx="0" cy="0"/>
-        </a:xfrm>
-      </p:grpSpPr>
-      <p:sp>
-        <p:nvSpPr>
-          <p:cNvPr id="4" name="Title 3"/>
-          <p:cNvSpPr>
-            <a:spLocks noGrp="1"/>
-          </p:cNvSpPr>
-          <p:nvPr>
-            <p:ph type="title"/>
-          </p:nvPr>
-        </p:nvSpPr>
-        <p:spPr/>
-        <p:txBody>
-          <a:bodyPr/>
-          <a:lstStyle/>
-          <a:p>
-            <a:r>
-              <a:rPr lang="en-US" dirty="0" smtClean="0"/>
-              <a:t>Can we do better </a:t>
-            </a:r>
-            <a:r>
-              <a:rPr lang="en-US" cap="none" dirty="0" smtClean="0"/>
-              <a:t>in</a:t>
-            </a:r>
-            <a:r>
-              <a:rPr lang="en-US" dirty="0" smtClean="0"/>
-              <a:t> F#?</a:t>
-            </a:r>
-            <a:endParaRPr lang="en-US" dirty="0"/>
-          </a:p>
-        </p:txBody>
-      </p:sp>
-      <p:sp>
-        <p:nvSpPr>
-          <p:cNvPr id="3" name="Content Placeholder 2"/>
-          <p:cNvSpPr>
-            <a:spLocks noGrp="1"/>
-          </p:cNvSpPr>
-          <p:nvPr>
-            <p:ph idx="1"/>
-          </p:nvPr>
-        </p:nvSpPr>
-        <p:spPr/>
-        <p:txBody>
-          <a:bodyPr/>
-          <a:lstStyle/>
-          <a:p>
-            <a:r>
-              <a:rPr lang="en-US" dirty="0" smtClean="0"/>
-              <a:t>MVVM has many shortcomings</a:t>
-            </a:r>
-          </a:p>
-          <a:p>
-            <a:r>
-              <a:rPr lang="en-US" dirty="0" smtClean="0"/>
-              <a:t>It’s still hard to develop WPF apps using MVVM</a:t>
-            </a:r>
-          </a:p>
-          <a:p>
-            <a:r>
-              <a:rPr lang="en-US" dirty="0" smtClean="0"/>
-              <a:t>MVVM was designed with C# limitations in mind</a:t>
-            </a:r>
-          </a:p>
-          <a:p>
-            <a:endParaRPr lang="en-US" dirty="0"/>
-          </a:p>
-        </p:txBody>
-      </p:sp>
-    </p:spTree>
-    <p:extLst>
-      <p:ext uri="{BB962C8B-B14F-4D97-AF65-F5344CB8AC3E}">
-        <p14:creationId xmlns:p14="http://schemas.microsoft.com/office/powerpoint/2010/main" val="3716489453"/>
-      </p:ext>
-    </p:extLst>
-  </p:cSld>
-  <p:clrMapOvr>
-    <a:masterClrMapping/>
-  </p:clrMapOvr>
-  <p:timing>
-    <p:tnLst>
-      <p:par>
-        <p:cTn id="1" dur="indefinite" restart="never" nodeType="tmRoot"/>
-      </p:par>
-    </p:tnLst>
-  </p:timing>
-</p:sld>
-</file>
-
-<file path=ppt/slides/slide4.xml><?xml version="1.0" encoding="utf-8"?>
-<p:sld xmlns:a="http://schemas.openxmlformats.org/drawingml/2006/main" xmlns:r="http://schemas.openxmlformats.org/officeDocument/2006/relationships" xmlns:p="http://schemas.openxmlformats.org/presentationml/2006/main">
-  <p:cSld>
-    <p:spTree>
-      <p:nvGrpSpPr>
-        <p:cNvPr id="1" name=""/>
-        <p:cNvGrpSpPr/>
-        <p:nvPr/>
-      </p:nvGrpSpPr>
-      <p:grpSpPr>
-        <a:xfrm>
-          <a:off x="0" y="0"/>
-          <a:ext cx="0" cy="0"/>
-          <a:chOff x="0" y="0"/>
-          <a:chExt cx="0" cy="0"/>
-        </a:xfrm>
-      </p:grpSpPr>
-      <p:sp>
-        <p:nvSpPr>
-          <p:cNvPr id="2" name="Title 1"/>
-          <p:cNvSpPr>
-            <a:spLocks noGrp="1"/>
-          </p:cNvSpPr>
-          <p:nvPr>
-            <p:ph type="title"/>
-          </p:nvPr>
-        </p:nvSpPr>
-        <p:spPr>
-          <a:xfrm>
-            <a:off x="974785" y="618518"/>
-            <a:ext cx="10153290" cy="705457"/>
-          </a:xfrm>
-        </p:spPr>
-        <p:txBody>
-          <a:bodyPr/>
-          <a:lstStyle/>
-          <a:p>
-            <a:r>
-              <a:rPr lang="en-US" dirty="0" smtClean="0"/>
-              <a:t>FIRST class </a:t>
-            </a:r>
-            <a:r>
-              <a:rPr lang="en-US" dirty="0" smtClean="0"/>
-              <a:t>Event-Driven </a:t>
-            </a:r>
-            <a:r>
-              <a:rPr lang="en-US" dirty="0" smtClean="0"/>
-              <a:t>architecture</a:t>
-            </a:r>
-            <a:endParaRPr lang="en-US" dirty="0"/>
-          </a:p>
-        </p:txBody>
-      </p:sp>
-      <p:sp>
-        <p:nvSpPr>
-          <p:cNvPr id="3" name="Content Placeholder 2"/>
-          <p:cNvSpPr>
-            <a:spLocks noGrp="1"/>
-          </p:cNvSpPr>
-          <p:nvPr>
-            <p:ph idx="1"/>
-          </p:nvPr>
-        </p:nvSpPr>
-        <p:spPr>
-          <a:xfrm>
-            <a:off x="974786" y="1466850"/>
-            <a:ext cx="10153290" cy="4324352"/>
-          </a:xfrm>
-          <a:solidFill>
-            <a:schemeClr val="tx1"/>
-          </a:solidFill>
-        </p:spPr>
-        <p:txBody>
-          <a:bodyPr>
-            <a:normAutofit lnSpcReduction="10000"/>
-          </a:bodyPr>
-          <a:lstStyle/>
-          <a:p>
-            <a:pPr marL="0" indent="0">
-              <a:buNone/>
-            </a:pPr>
-            <a:r>
-              <a:rPr lang="en-US" dirty="0" smtClean="0">
-                <a:solidFill>
-                  <a:srgbClr val="0000FF"/>
-                </a:solidFill>
-                <a:latin typeface="Consolas" panose="020B0609020204030204" pitchFamily="49" charset="0"/>
-              </a:rPr>
-              <a:t>type</a:t>
-            </a:r>
-            <a:r>
-              <a:rPr lang="en-US" dirty="0" smtClean="0">
-                <a:solidFill>
-                  <a:prstClr val="black"/>
-                </a:solidFill>
-                <a:latin typeface="Consolas" panose="020B0609020204030204" pitchFamily="49" charset="0"/>
-              </a:rPr>
-              <a:t> </a:t>
-            </a:r>
-            <a:r>
-              <a:rPr lang="en-US" dirty="0">
-                <a:solidFill>
-                  <a:prstClr val="black"/>
-                </a:solidFill>
-                <a:latin typeface="Consolas" panose="020B0609020204030204" pitchFamily="49" charset="0"/>
-              </a:rPr>
-              <a:t>View = IEvent&lt;Events&gt;  </a:t>
-            </a:r>
-          </a:p>
-          <a:p>
-            <a:pPr marL="0" indent="0">
-              <a:buNone/>
-            </a:pPr>
-            <a:r>
-              <a:rPr lang="en-US" dirty="0">
-                <a:solidFill>
-                  <a:srgbClr val="0000FF"/>
-                </a:solidFill>
-                <a:latin typeface="Consolas" panose="020B0609020204030204" pitchFamily="49" charset="0"/>
-              </a:rPr>
-              <a:t>and</a:t>
-            </a:r>
-            <a:r>
-              <a:rPr lang="en-US" dirty="0">
-                <a:solidFill>
-                  <a:prstClr val="black"/>
-                </a:solidFill>
-                <a:latin typeface="Consolas" panose="020B0609020204030204" pitchFamily="49" charset="0"/>
-              </a:rPr>
-              <a:t> Events = </a:t>
-            </a:r>
-            <a:r>
-              <a:rPr lang="en-US" dirty="0" err="1">
-                <a:solidFill>
-                  <a:prstClr val="black"/>
-                </a:solidFill>
-                <a:latin typeface="Consolas" panose="020B0609020204030204" pitchFamily="49" charset="0"/>
-              </a:rPr>
-              <a:t>Incr</a:t>
-            </a:r>
-            <a:r>
-              <a:rPr lang="en-US" dirty="0">
-                <a:solidFill>
-                  <a:prstClr val="black"/>
-                </a:solidFill>
-                <a:latin typeface="Consolas" panose="020B0609020204030204" pitchFamily="49" charset="0"/>
-              </a:rPr>
-              <a:t> | </a:t>
-            </a:r>
-            <a:r>
-              <a:rPr lang="en-US" dirty="0" err="1">
-                <a:solidFill>
-                  <a:prstClr val="black"/>
-                </a:solidFill>
-                <a:latin typeface="Consolas" panose="020B0609020204030204" pitchFamily="49" charset="0"/>
-              </a:rPr>
-              <a:t>Decr</a:t>
-            </a:r>
-            <a:endParaRPr lang="en-US" dirty="0">
-              <a:solidFill>
-                <a:prstClr val="black"/>
-              </a:solidFill>
-              <a:latin typeface="Consolas" panose="020B0609020204030204" pitchFamily="49" charset="0"/>
-            </a:endParaRPr>
-          </a:p>
-          <a:p>
-            <a:pPr marL="0" indent="0">
-              <a:buNone/>
-            </a:pPr>
-            <a:endParaRPr lang="en-US" dirty="0" smtClean="0">
-              <a:solidFill>
-                <a:srgbClr val="0000FF"/>
-              </a:solidFill>
-              <a:latin typeface="Consolas" panose="020B0609020204030204" pitchFamily="49" charset="0"/>
-            </a:endParaRPr>
-          </a:p>
-          <a:p>
-            <a:pPr marL="0" indent="0">
-              <a:buNone/>
-            </a:pPr>
-            <a:r>
-              <a:rPr lang="en-US" dirty="0" smtClean="0">
-                <a:solidFill>
-                  <a:srgbClr val="0000FF"/>
-                </a:solidFill>
-                <a:latin typeface="Consolas" panose="020B0609020204030204" pitchFamily="49" charset="0"/>
-              </a:rPr>
-              <a:t>type</a:t>
-            </a:r>
-            <a:r>
-              <a:rPr lang="en-US" dirty="0" smtClean="0">
-                <a:solidFill>
-                  <a:prstClr val="black"/>
-                </a:solidFill>
-                <a:latin typeface="Consolas" panose="020B0609020204030204" pitchFamily="49" charset="0"/>
-              </a:rPr>
-              <a:t> </a:t>
-            </a:r>
-            <a:r>
-              <a:rPr lang="en-US" dirty="0">
-                <a:solidFill>
-                  <a:prstClr val="black"/>
-                </a:solidFill>
-                <a:latin typeface="Consolas" panose="020B0609020204030204" pitchFamily="49" charset="0"/>
-              </a:rPr>
-              <a:t>Model = { State : int }</a:t>
-            </a:r>
-          </a:p>
-          <a:p>
-            <a:pPr marL="0" indent="0">
-              <a:buNone/>
-            </a:pPr>
-            <a:endParaRPr lang="en-US" dirty="0">
-              <a:solidFill>
-                <a:prstClr val="black"/>
-              </a:solidFill>
-              <a:latin typeface="Consolas" panose="020B0609020204030204" pitchFamily="49" charset="0"/>
-            </a:endParaRPr>
-          </a:p>
-          <a:p>
-            <a:pPr marL="0" indent="0">
-              <a:buNone/>
-            </a:pPr>
-            <a:r>
-              <a:rPr lang="en-US" dirty="0">
-                <a:solidFill>
-                  <a:srgbClr val="0000FF"/>
-                </a:solidFill>
-                <a:latin typeface="Consolas" panose="020B0609020204030204" pitchFamily="49" charset="0"/>
-              </a:rPr>
-              <a:t>type</a:t>
-            </a:r>
-            <a:r>
-              <a:rPr lang="en-US" dirty="0">
-                <a:solidFill>
-                  <a:prstClr val="black"/>
-                </a:solidFill>
-                <a:latin typeface="Consolas" panose="020B0609020204030204" pitchFamily="49" charset="0"/>
-              </a:rPr>
-              <a:t> Controller = Model </a:t>
-            </a:r>
-            <a:r>
-              <a:rPr lang="en-US" dirty="0">
-                <a:solidFill>
-                  <a:srgbClr val="0000FF"/>
-                </a:solidFill>
-                <a:latin typeface="Consolas" panose="020B0609020204030204" pitchFamily="49" charset="0"/>
-              </a:rPr>
-              <a:t>-&gt;</a:t>
-            </a:r>
-            <a:r>
-              <a:rPr lang="en-US" dirty="0">
-                <a:solidFill>
-                  <a:prstClr val="black"/>
-                </a:solidFill>
-                <a:latin typeface="Consolas" panose="020B0609020204030204" pitchFamily="49" charset="0"/>
-              </a:rPr>
-              <a:t> Events </a:t>
-            </a:r>
-            <a:r>
-              <a:rPr lang="en-US" dirty="0">
-                <a:solidFill>
-                  <a:srgbClr val="0000FF"/>
-                </a:solidFill>
-                <a:latin typeface="Consolas" panose="020B0609020204030204" pitchFamily="49" charset="0"/>
-              </a:rPr>
-              <a:t>-&gt;</a:t>
-            </a:r>
-            <a:r>
-              <a:rPr lang="en-US" dirty="0">
-                <a:solidFill>
-                  <a:prstClr val="black"/>
-                </a:solidFill>
-                <a:latin typeface="Consolas" panose="020B0609020204030204" pitchFamily="49" charset="0"/>
-              </a:rPr>
-              <a:t> Model</a:t>
-            </a:r>
-          </a:p>
-          <a:p>
-            <a:pPr marL="0" indent="0">
-              <a:buNone/>
-            </a:pPr>
-            <a:endParaRPr lang="en-US" dirty="0">
-              <a:solidFill>
-                <a:prstClr val="black"/>
-              </a:solidFill>
-              <a:latin typeface="Consolas" panose="020B0609020204030204" pitchFamily="49" charset="0"/>
-            </a:endParaRPr>
-          </a:p>
-          <a:p>
-            <a:pPr marL="0" indent="0">
-              <a:buNone/>
-            </a:pPr>
-            <a:r>
-              <a:rPr lang="nb-NO" dirty="0">
-                <a:solidFill>
-                  <a:srgbClr val="0000FF"/>
-                </a:solidFill>
-                <a:latin typeface="Consolas" panose="020B0609020204030204" pitchFamily="49" charset="0"/>
-              </a:rPr>
-              <a:t>type</a:t>
-            </a:r>
-            <a:r>
-              <a:rPr lang="nb-NO" dirty="0">
-                <a:solidFill>
-                  <a:prstClr val="black"/>
-                </a:solidFill>
-                <a:latin typeface="Consolas" panose="020B0609020204030204" pitchFamily="49" charset="0"/>
-              </a:rPr>
-              <a:t> Mvc = Controller </a:t>
-            </a:r>
-            <a:r>
-              <a:rPr lang="nb-NO" dirty="0">
-                <a:solidFill>
-                  <a:srgbClr val="0000FF"/>
-                </a:solidFill>
-                <a:latin typeface="Consolas" panose="020B0609020204030204" pitchFamily="49" charset="0"/>
-              </a:rPr>
-              <a:t>-&gt;</a:t>
-            </a:r>
-            <a:r>
-              <a:rPr lang="nb-NO" dirty="0">
-                <a:solidFill>
-                  <a:prstClr val="black"/>
-                </a:solidFill>
-                <a:latin typeface="Consolas" panose="020B0609020204030204" pitchFamily="49" charset="0"/>
-              </a:rPr>
-              <a:t> Model </a:t>
-            </a:r>
-            <a:r>
-              <a:rPr lang="nb-NO" dirty="0">
-                <a:solidFill>
-                  <a:srgbClr val="0000FF"/>
-                </a:solidFill>
-                <a:latin typeface="Consolas" panose="020B0609020204030204" pitchFamily="49" charset="0"/>
-              </a:rPr>
-              <a:t>-&gt;</a:t>
-            </a:r>
-            <a:r>
-              <a:rPr lang="nb-NO" dirty="0">
-                <a:solidFill>
-                  <a:prstClr val="black"/>
-                </a:solidFill>
-                <a:latin typeface="Consolas" panose="020B0609020204030204" pitchFamily="49" charset="0"/>
-              </a:rPr>
-              <a:t> IEvent&lt;Events&gt; </a:t>
-            </a:r>
-            <a:r>
-              <a:rPr lang="nb-NO" dirty="0">
-                <a:solidFill>
-                  <a:srgbClr val="0000FF"/>
-                </a:solidFill>
-                <a:latin typeface="Consolas" panose="020B0609020204030204" pitchFamily="49" charset="0"/>
-              </a:rPr>
-              <a:t>-&gt;</a:t>
-            </a:r>
-            <a:r>
-              <a:rPr lang="nb-NO" dirty="0">
-                <a:solidFill>
-                  <a:prstClr val="black"/>
-                </a:solidFill>
-                <a:latin typeface="Consolas" panose="020B0609020204030204" pitchFamily="49" charset="0"/>
-              </a:rPr>
-              <a:t> Model</a:t>
-            </a:r>
-          </a:p>
-          <a:p>
-            <a:pPr marL="0" indent="0">
-              <a:buNone/>
-            </a:pPr>
-            <a:endParaRPr lang="en-US" dirty="0">
-              <a:solidFill>
-                <a:schemeClr val="bg1"/>
-              </a:solidFill>
-            </a:endParaRPr>
-          </a:p>
-        </p:txBody>
-      </p:sp>
-    </p:spTree>
-    <p:extLst>
-      <p:ext uri="{BB962C8B-B14F-4D97-AF65-F5344CB8AC3E}">
-        <p14:creationId xmlns:p14="http://schemas.microsoft.com/office/powerpoint/2010/main" val="2634465386"/>
-      </p:ext>
-    </p:extLst>
-  </p:cSld>
-  <p:clrMapOvr>
-    <a:masterClrMapping/>
-  </p:clrMapOvr>
-  <p:timing>
-    <p:tnLst>
-      <p:par>
-        <p:cTn id="1" dur="indefinite" restart="never" nodeType="tmRoot"/>
-      </p:par>
-    </p:tnLst>
-  </p:timing>
-</p:sld>
-</file>
-
-<file path=ppt/slides/slide5.xml><?xml version="1.0" encoding="utf-8"?>
-<p:sld xmlns:a="http://schemas.openxmlformats.org/drawingml/2006/main" xmlns:r="http://schemas.openxmlformats.org/officeDocument/2006/relationships" xmlns:p="http://schemas.openxmlformats.org/presentationml/2006/main">
-  <p:cSld>
-    <p:spTree>
-      <p:nvGrpSpPr>
-        <p:cNvPr id="1" name=""/>
-        <p:cNvGrpSpPr/>
-        <p:nvPr/>
-      </p:nvGrpSpPr>
-      <p:grpSpPr>
-        <a:xfrm>
-          <a:off x="0" y="0"/>
-          <a:ext cx="0" cy="0"/>
-          <a:chOff x="0" y="0"/>
-          <a:chExt cx="0" cy="0"/>
-        </a:xfrm>
-      </p:grpSpPr>
-      <p:sp>
-        <p:nvSpPr>
-          <p:cNvPr id="2" name="Title 1"/>
-          <p:cNvSpPr>
-            <a:spLocks noGrp="1"/>
-          </p:cNvSpPr>
-          <p:nvPr>
-            <p:ph type="title"/>
-          </p:nvPr>
-        </p:nvSpPr>
-        <p:spPr/>
-        <p:txBody>
-          <a:bodyPr/>
-          <a:lstStyle/>
-          <a:p>
-            <a:r>
-              <a:rPr lang="en-US" dirty="0" smtClean="0"/>
-              <a:t>model</a:t>
-            </a:r>
-            <a:endParaRPr lang="en-US" dirty="0"/>
-          </a:p>
-        </p:txBody>
-      </p:sp>
-      <p:sp>
-        <p:nvSpPr>
-          <p:cNvPr id="3" name="Content Placeholder 2"/>
-          <p:cNvSpPr>
-            <a:spLocks noGrp="1"/>
-          </p:cNvSpPr>
-          <p:nvPr>
-            <p:ph idx="1"/>
-          </p:nvPr>
-        </p:nvSpPr>
-        <p:spPr>
-          <a:xfrm>
-            <a:off x="1141412" y="1984074"/>
-            <a:ext cx="9905999" cy="4037163"/>
-          </a:xfrm>
-        </p:spPr>
-        <p:txBody>
-          <a:bodyPr>
-            <a:normAutofit fontScale="92500"/>
-          </a:bodyPr>
-          <a:lstStyle/>
-          <a:p>
-            <a:r>
-              <a:rPr lang="en-US" dirty="0" smtClean="0"/>
-              <a:t>Not domain model</a:t>
-            </a:r>
-          </a:p>
-          <a:p>
-            <a:r>
-              <a:rPr lang="en-US" dirty="0" smtClean="0"/>
-              <a:t>Based on Castle Dynamic Proxy</a:t>
-            </a:r>
-          </a:p>
-          <a:p>
-            <a:r>
-              <a:rPr lang="en-US" dirty="0" smtClean="0"/>
-              <a:t>Raises INPC.PropertyChanged from setter interceptor</a:t>
-            </a:r>
-          </a:p>
-          <a:p>
-            <a:r>
-              <a:rPr lang="en-US" dirty="0" smtClean="0"/>
-              <a:t>Restrictions: virtual properties + base class + factory </a:t>
-            </a:r>
-            <a:r>
-              <a:rPr lang="en-US" dirty="0"/>
-              <a:t>method +</a:t>
-            </a:r>
-            <a:r>
-              <a:rPr lang="en-US" dirty="0" err="1"/>
-              <a:t>parameterless</a:t>
-            </a:r>
-            <a:r>
-              <a:rPr lang="en-US" dirty="0"/>
-              <a:t> </a:t>
-            </a:r>
-            <a:r>
-              <a:rPr lang="en-US" dirty="0" err="1" smtClean="0"/>
-              <a:t>ctor</a:t>
-            </a:r>
-            <a:endParaRPr lang="en-US" dirty="0" smtClean="0"/>
-          </a:p>
-          <a:p>
-            <a:r>
-              <a:rPr lang="en-US" dirty="0" smtClean="0"/>
-              <a:t>DECLARATIVE, FUNCTIONAL STYLE</a:t>
-            </a:r>
-          </a:p>
-          <a:p>
-            <a:pPr lvl="1"/>
-            <a:r>
-              <a:rPr lang="en-US" dirty="0"/>
-              <a:t>T</a:t>
-            </a:r>
-            <a:r>
-              <a:rPr lang="en-US" dirty="0" smtClean="0"/>
-              <a:t>ype definition only, no imperative logic</a:t>
-            </a:r>
-          </a:p>
-          <a:p>
-            <a:pPr lvl="1"/>
-            <a:r>
-              <a:rPr lang="en-US" dirty="0"/>
-              <a:t>It is better to have 100 functions operate on one data structure than 10 functions on 10 data structures</a:t>
-            </a:r>
-            <a:r>
-              <a:rPr lang="en-US" dirty="0" smtClean="0"/>
-              <a:t>.</a:t>
-            </a:r>
-          </a:p>
-          <a:p>
-            <a:pPr lvl="1"/>
-            <a:endParaRPr lang="en-US" dirty="0" smtClean="0"/>
-          </a:p>
-          <a:p>
-            <a:pPr lvl="1"/>
-            <a:endParaRPr lang="en-US" dirty="0"/>
-          </a:p>
-        </p:txBody>
-      </p:sp>
-    </p:spTree>
-    <p:extLst>
-      <p:ext uri="{BB962C8B-B14F-4D97-AF65-F5344CB8AC3E}">
-        <p14:creationId xmlns:p14="http://schemas.microsoft.com/office/powerpoint/2010/main" val="2026110272"/>
-      </p:ext>
-    </p:extLst>
-  </p:cSld>
-  <p:clrMapOvr>
-    <a:masterClrMapping/>
-  </p:clrMapOvr>
-  <p:timing>
-    <p:tnLst>
-      <p:par>
-        <p:cTn id="1" dur="indefinite" restart="never" nodeType="tmRoot"/>
-      </p:par>
-    </p:tnLst>
-  </p:timing>
-</p:sld>
-</file>
-
-<file path=ppt/slides/slide6.xml><?xml version="1.0" encoding="utf-8"?>
-<p:sld xmlns:a="http://schemas.openxmlformats.org/drawingml/2006/main" xmlns:r="http://schemas.openxmlformats.org/officeDocument/2006/relationships" xmlns:p="http://schemas.openxmlformats.org/presentationml/2006/main">
-  <p:cSld>
-    <p:spTree>
-      <p:nvGrpSpPr>
-        <p:cNvPr id="1" name=""/>
-        <p:cNvGrpSpPr/>
-        <p:nvPr/>
-      </p:nvGrpSpPr>
-      <p:grpSpPr>
-        <a:xfrm>
-          <a:off x="0" y="0"/>
-          <a:ext cx="0" cy="0"/>
-          <a:chOff x="0" y="0"/>
-          <a:chExt cx="0" cy="0"/>
-        </a:xfrm>
-      </p:grpSpPr>
-      <p:sp>
-        <p:nvSpPr>
-          <p:cNvPr id="2" name="Title 1"/>
-          <p:cNvSpPr>
-            <a:spLocks noGrp="1"/>
-          </p:cNvSpPr>
-          <p:nvPr>
-            <p:ph type="title"/>
-          </p:nvPr>
-        </p:nvSpPr>
-        <p:spPr/>
-        <p:txBody>
-          <a:bodyPr/>
-          <a:lstStyle/>
-          <a:p>
-            <a:r>
-              <a:rPr lang="en-US" dirty="0" smtClean="0"/>
-              <a:t>VIEW </a:t>
-            </a:r>
-            <a:endParaRPr lang="en-US" dirty="0"/>
-          </a:p>
-        </p:txBody>
-      </p:sp>
-      <p:sp>
-        <p:nvSpPr>
-          <p:cNvPr id="3" name="Content Placeholder 2"/>
-          <p:cNvSpPr>
-            <a:spLocks noGrp="1"/>
-          </p:cNvSpPr>
-          <p:nvPr>
-            <p:ph idx="1"/>
-          </p:nvPr>
-        </p:nvSpPr>
-        <p:spPr>
-          <a:xfrm>
-            <a:off x="1141413" y="3382131"/>
-            <a:ext cx="9905999" cy="2475744"/>
-          </a:xfrm>
-        </p:spPr>
-        <p:txBody>
-          <a:bodyPr>
-            <a:normAutofit/>
-          </a:bodyPr>
-          <a:lstStyle/>
-          <a:p>
-            <a:r>
-              <a:rPr lang="en-US" dirty="0" smtClean="0"/>
-              <a:t>Event source</a:t>
-            </a:r>
-          </a:p>
-          <a:p>
-            <a:r>
-              <a:rPr lang="en-US" dirty="0" smtClean="0"/>
-              <a:t>Data binding target (model is the </a:t>
-            </a:r>
-            <a:r>
-              <a:rPr lang="en-US" dirty="0" err="1" smtClean="0"/>
-              <a:t>DataContext</a:t>
-            </a:r>
-            <a:r>
-              <a:rPr lang="en-US" dirty="0" smtClean="0"/>
-              <a:t>)</a:t>
-            </a:r>
-          </a:p>
-          <a:p>
-            <a:r>
-              <a:rPr lang="en-US" dirty="0" smtClean="0"/>
-              <a:t>F# support for .NET events makes experience really smooth</a:t>
-            </a:r>
-          </a:p>
-          <a:p>
-            <a:r>
-              <a:rPr lang="en-US" dirty="0" smtClean="0"/>
-              <a:t>DU is better than </a:t>
-            </a:r>
-            <a:r>
-              <a:rPr lang="en-US" dirty="0" err="1" smtClean="0"/>
-              <a:t>Enum</a:t>
-            </a:r>
-            <a:r>
-              <a:rPr lang="en-US" dirty="0" smtClean="0"/>
-              <a:t> (pattern matching, extra state)</a:t>
-            </a:r>
-            <a:endParaRPr lang="en-US" dirty="0"/>
-          </a:p>
-        </p:txBody>
-      </p:sp>
-      <p:sp>
-        <p:nvSpPr>
-          <p:cNvPr id="7" name="Rectangle 6"/>
-          <p:cNvSpPr/>
-          <p:nvPr/>
-        </p:nvSpPr>
-        <p:spPr>
-          <a:xfrm>
-            <a:off x="1141413" y="1903561"/>
-            <a:ext cx="9905999" cy="1200329"/>
-          </a:xfrm>
-          <a:prstGeom prst="rect">
-            <a:avLst/>
-          </a:prstGeom>
-          <a:solidFill>
-            <a:schemeClr val="tx1"/>
-          </a:solidFill>
-        </p:spPr>
-        <p:txBody>
-          <a:bodyPr wrap="square">
-            <a:spAutoFit/>
-          </a:bodyPr>
-          <a:lstStyle/>
-          <a:p>
-            <a:r>
-              <a:rPr lang="en-US" dirty="0">
-                <a:solidFill>
-                  <a:srgbClr val="0000FF"/>
-                </a:solidFill>
-                <a:latin typeface="Consolas" panose="020B0609020204030204" pitchFamily="49" charset="0"/>
-              </a:rPr>
-              <a:t>type</a:t>
-            </a:r>
-            <a:r>
-              <a:rPr lang="en-US" dirty="0">
-                <a:solidFill>
-                  <a:prstClr val="black"/>
-                </a:solidFill>
-                <a:latin typeface="Consolas" panose="020B0609020204030204" pitchFamily="49" charset="0"/>
-              </a:rPr>
-              <a:t> IView&lt;'Events&gt; =</a:t>
-            </a:r>
-          </a:p>
-          <a:p>
-            <a:r>
-              <a:rPr lang="en-US" dirty="0">
-                <a:solidFill>
-                  <a:prstClr val="black"/>
-                </a:solidFill>
-                <a:latin typeface="Consolas" panose="020B0609020204030204" pitchFamily="49" charset="0"/>
-              </a:rPr>
-              <a:t>    </a:t>
-            </a:r>
-            <a:r>
-              <a:rPr lang="en-US" dirty="0">
-                <a:solidFill>
-                  <a:srgbClr val="0000FF"/>
-                </a:solidFill>
-                <a:latin typeface="Consolas" panose="020B0609020204030204" pitchFamily="49" charset="0"/>
-              </a:rPr>
-              <a:t>inherit</a:t>
-            </a:r>
-            <a:r>
-              <a:rPr lang="en-US" dirty="0">
-                <a:solidFill>
-                  <a:prstClr val="black"/>
-                </a:solidFill>
-                <a:latin typeface="Consolas" panose="020B0609020204030204" pitchFamily="49" charset="0"/>
-              </a:rPr>
-              <a:t> IObservable&lt;'Events&gt;</a:t>
-            </a:r>
-          </a:p>
-          <a:p>
-            <a:endParaRPr lang="en-US" dirty="0">
-              <a:solidFill>
-                <a:prstClr val="black"/>
-              </a:solidFill>
-              <a:latin typeface="Consolas" panose="020B0609020204030204" pitchFamily="49" charset="0"/>
-            </a:endParaRPr>
-          </a:p>
-          <a:p>
-            <a:r>
-              <a:rPr lang="en-US" dirty="0">
-                <a:solidFill>
-                  <a:prstClr val="black"/>
-                </a:solidFill>
-                <a:latin typeface="Consolas" panose="020B0609020204030204" pitchFamily="49" charset="0"/>
-              </a:rPr>
-              <a:t>    </a:t>
-            </a:r>
-            <a:r>
-              <a:rPr lang="en-US" dirty="0">
-                <a:solidFill>
-                  <a:srgbClr val="0000FF"/>
-                </a:solidFill>
-                <a:latin typeface="Consolas" panose="020B0609020204030204" pitchFamily="49" charset="0"/>
-              </a:rPr>
-              <a:t>abstract</a:t>
-            </a:r>
-            <a:r>
-              <a:rPr lang="en-US" dirty="0">
-                <a:solidFill>
-                  <a:prstClr val="black"/>
-                </a:solidFill>
-                <a:latin typeface="Consolas" panose="020B0609020204030204" pitchFamily="49" charset="0"/>
-              </a:rPr>
-              <a:t> SetBindings : obj </a:t>
-            </a:r>
-            <a:r>
-              <a:rPr lang="en-US" dirty="0">
-                <a:solidFill>
-                  <a:srgbClr val="0000FF"/>
-                </a:solidFill>
-                <a:latin typeface="Consolas" panose="020B0609020204030204" pitchFamily="49" charset="0"/>
-              </a:rPr>
-              <a:t>-&gt;</a:t>
-            </a:r>
-            <a:r>
-              <a:rPr lang="en-US" dirty="0">
-                <a:solidFill>
-                  <a:prstClr val="black"/>
-                </a:solidFill>
-                <a:latin typeface="Consolas" panose="020B0609020204030204" pitchFamily="49" charset="0"/>
-              </a:rPr>
-              <a:t> unit</a:t>
-            </a:r>
-          </a:p>
-        </p:txBody>
-      </p:sp>
-    </p:spTree>
-    <p:extLst>
-      <p:ext uri="{BB962C8B-B14F-4D97-AF65-F5344CB8AC3E}">
-        <p14:creationId xmlns:p14="http://schemas.microsoft.com/office/powerpoint/2010/main" val="3687811577"/>
-      </p:ext>
-    </p:extLst>
-  </p:cSld>
-  <p:clrMapOvr>
-    <a:masterClrMapping/>
-  </p:clrMapOvr>
-  <p:timing>
-    <p:tnLst>
-      <p:par>
-        <p:cTn id="1" dur="indefinite" restart="never" nodeType="tmRoot"/>
-      </p:par>
-    </p:tnLst>
-  </p:timing>
-</p:sld>
-</file>
-
-<file path=ppt/slides/slide7.xml><?xml version="1.0" encoding="utf-8"?>
 <p:sld xmlns:a="http://schemas.openxmlformats.org/drawingml/2006/main" xmlns:r="http://schemas.openxmlformats.org/officeDocument/2006/relationships" xmlns:p="http://schemas.openxmlformats.org/presentationml/2006/main">
   <p:cSld>
     <p:spTree>
@@ -16592,7 +12868,7 @@
 </p:sld>
 </file>
 
-<file path=ppt/slides/slide8.xml><?xml version="1.0" encoding="utf-8"?>
+<file path=ppt/slides/slide11.xml><?xml version="1.0" encoding="utf-8"?>
 <p:sld xmlns:a="http://schemas.openxmlformats.org/drawingml/2006/main" xmlns:r="http://schemas.openxmlformats.org/officeDocument/2006/relationships" xmlns:p="http://schemas.openxmlformats.org/presentationml/2006/main">
   <p:cSld>
     <p:spTree>
@@ -16879,7 +13155,7 @@
 </p:sld>
 </file>
 
-<file path=ppt/slides/slide9.xml><?xml version="1.0" encoding="utf-8"?>
+<file path=ppt/slides/slide12.xml><?xml version="1.0" encoding="utf-8"?>
 <p:sld xmlns:a="http://schemas.openxmlformats.org/drawingml/2006/main" xmlns:r="http://schemas.openxmlformats.org/officeDocument/2006/relationships" xmlns:p="http://schemas.openxmlformats.org/presentationml/2006/main">
   <p:cSld>
     <p:spTree>
@@ -17008,6 +13284,4961 @@
     <p:extLst>
       <p:ext uri="{BB962C8B-B14F-4D97-AF65-F5344CB8AC3E}">
         <p14:creationId xmlns:p14="http://schemas.microsoft.com/office/powerpoint/2010/main" val="3483119536"/>
+      </p:ext>
+    </p:extLst>
+  </p:cSld>
+  <p:clrMapOvr>
+    <a:masterClrMapping/>
+  </p:clrMapOvr>
+  <p:timing>
+    <p:tnLst>
+      <p:par>
+        <p:cTn id="1" dur="indefinite" restart="never" nodeType="tmRoot"/>
+      </p:par>
+    </p:tnLst>
+  </p:timing>
+</p:sld>
+</file>
+
+<file path=ppt/slides/slide13.xml><?xml version="1.0" encoding="utf-8"?>
+<p:sld xmlns:a="http://schemas.openxmlformats.org/drawingml/2006/main" xmlns:r="http://schemas.openxmlformats.org/officeDocument/2006/relationships" xmlns:p="http://schemas.openxmlformats.org/presentationml/2006/main">
+  <p:cSld>
+    <p:spTree>
+      <p:nvGrpSpPr>
+        <p:cNvPr id="1" name=""/>
+        <p:cNvGrpSpPr/>
+        <p:nvPr/>
+      </p:nvGrpSpPr>
+      <p:grpSpPr>
+        <a:xfrm>
+          <a:off x="0" y="0"/>
+          <a:ext cx="0" cy="0"/>
+          <a:chOff x="0" y="0"/>
+          <a:chExt cx="0" cy="0"/>
+        </a:xfrm>
+      </p:grpSpPr>
+      <p:sp>
+        <p:nvSpPr>
+          <p:cNvPr id="2" name="Title 1"/>
+          <p:cNvSpPr>
+            <a:spLocks noGrp="1"/>
+          </p:cNvSpPr>
+          <p:nvPr>
+            <p:ph type="title"/>
+          </p:nvPr>
+        </p:nvSpPr>
+        <p:spPr>
+          <a:xfrm>
+            <a:off x="1141412" y="370869"/>
+            <a:ext cx="9905998" cy="829282"/>
+          </a:xfrm>
+        </p:spPr>
+        <p:txBody>
+          <a:bodyPr/>
+          <a:lstStyle/>
+          <a:p>
+            <a:r>
+              <a:rPr lang="en-US" dirty="0" smtClean="0"/>
+              <a:t>Data binding</a:t>
+            </a:r>
+            <a:endParaRPr lang="en-US" dirty="0"/>
+          </a:p>
+        </p:txBody>
+      </p:sp>
+      <p:sp>
+        <p:nvSpPr>
+          <p:cNvPr id="3" name="Content Placeholder 2"/>
+          <p:cNvSpPr>
+            <a:spLocks noGrp="1"/>
+          </p:cNvSpPr>
+          <p:nvPr>
+            <p:ph idx="1"/>
+          </p:nvPr>
+        </p:nvSpPr>
+        <p:spPr>
+          <a:xfrm>
+            <a:off x="1141412" y="4477109"/>
+            <a:ext cx="9905999" cy="1561739"/>
+          </a:xfrm>
+        </p:spPr>
+        <p:txBody>
+          <a:bodyPr>
+            <a:normAutofit/>
+          </a:bodyPr>
+          <a:lstStyle/>
+          <a:p>
+            <a:r>
+              <a:rPr lang="en-US" sz="2000" dirty="0" smtClean="0"/>
+              <a:t>Making implicit dependency explicit</a:t>
+            </a:r>
+          </a:p>
+          <a:p>
+            <a:r>
+              <a:rPr lang="en-US" sz="2000" dirty="0" smtClean="0"/>
+              <a:t>Leveraging F#/.NET type system</a:t>
+            </a:r>
+          </a:p>
+          <a:p>
+            <a:r>
+              <a:rPr lang="en-US" sz="2000" dirty="0" smtClean="0"/>
+              <a:t>Leveraging IDE/compiler</a:t>
+            </a:r>
+          </a:p>
+        </p:txBody>
+      </p:sp>
+      <p:sp>
+        <p:nvSpPr>
+          <p:cNvPr id="4" name="Rectangle 3"/>
+          <p:cNvSpPr/>
+          <p:nvPr/>
+        </p:nvSpPr>
+        <p:spPr>
+          <a:xfrm>
+            <a:off x="1141411" y="1200151"/>
+            <a:ext cx="9905999" cy="1200329"/>
+          </a:xfrm>
+          <a:prstGeom prst="rect">
+            <a:avLst/>
+          </a:prstGeom>
+          <a:solidFill>
+            <a:schemeClr val="tx1"/>
+          </a:solidFill>
+        </p:spPr>
+        <p:txBody>
+          <a:bodyPr wrap="square">
+            <a:spAutoFit/>
+          </a:bodyPr>
+          <a:lstStyle/>
+          <a:p>
+            <a:r>
+              <a:rPr lang="en-US" dirty="0">
+                <a:solidFill>
+                  <a:srgbClr val="0000FF"/>
+                </a:solidFill>
+                <a:latin typeface="Consolas" panose="020B0609020204030204" pitchFamily="49" charset="0"/>
+              </a:rPr>
+              <a:t>type</a:t>
+            </a:r>
+            <a:r>
+              <a:rPr lang="en-US" dirty="0">
+                <a:solidFill>
+                  <a:prstClr val="black"/>
+                </a:solidFill>
+                <a:latin typeface="Consolas" panose="020B0609020204030204" pitchFamily="49" charset="0"/>
+              </a:rPr>
+              <a:t> IView&lt;'Events, 'Model&gt; =</a:t>
+            </a:r>
+          </a:p>
+          <a:p>
+            <a:r>
+              <a:rPr lang="en-US" dirty="0">
+                <a:solidFill>
+                  <a:prstClr val="black"/>
+                </a:solidFill>
+                <a:latin typeface="Consolas" panose="020B0609020204030204" pitchFamily="49" charset="0"/>
+              </a:rPr>
+              <a:t>    </a:t>
+            </a:r>
+            <a:r>
+              <a:rPr lang="en-US" dirty="0">
+                <a:solidFill>
+                  <a:srgbClr val="0000FF"/>
+                </a:solidFill>
+                <a:latin typeface="Consolas" panose="020B0609020204030204" pitchFamily="49" charset="0"/>
+              </a:rPr>
+              <a:t>inherit</a:t>
+            </a:r>
+            <a:r>
+              <a:rPr lang="en-US" dirty="0">
+                <a:solidFill>
+                  <a:prstClr val="black"/>
+                </a:solidFill>
+                <a:latin typeface="Consolas" panose="020B0609020204030204" pitchFamily="49" charset="0"/>
+              </a:rPr>
+              <a:t> IObservable&lt;'Events&gt;</a:t>
+            </a:r>
+          </a:p>
+          <a:p>
+            <a:endParaRPr lang="en-US" dirty="0">
+              <a:solidFill>
+                <a:prstClr val="black"/>
+              </a:solidFill>
+              <a:latin typeface="Consolas" panose="020B0609020204030204" pitchFamily="49" charset="0"/>
+            </a:endParaRPr>
+          </a:p>
+          <a:p>
+            <a:r>
+              <a:rPr lang="en-US" dirty="0">
+                <a:solidFill>
+                  <a:prstClr val="black"/>
+                </a:solidFill>
+                <a:latin typeface="Consolas" panose="020B0609020204030204" pitchFamily="49" charset="0"/>
+              </a:rPr>
+              <a:t>    </a:t>
+            </a:r>
+            <a:r>
+              <a:rPr lang="en-US" dirty="0">
+                <a:solidFill>
+                  <a:srgbClr val="0000FF"/>
+                </a:solidFill>
+                <a:latin typeface="Consolas" panose="020B0609020204030204" pitchFamily="49" charset="0"/>
+              </a:rPr>
+              <a:t>abstract</a:t>
+            </a:r>
+            <a:r>
+              <a:rPr lang="en-US" dirty="0">
+                <a:solidFill>
+                  <a:prstClr val="black"/>
+                </a:solidFill>
+                <a:latin typeface="Consolas" panose="020B0609020204030204" pitchFamily="49" charset="0"/>
+              </a:rPr>
+              <a:t> SetBindings : 'Model </a:t>
+            </a:r>
+            <a:r>
+              <a:rPr lang="en-US" dirty="0">
+                <a:solidFill>
+                  <a:srgbClr val="0000FF"/>
+                </a:solidFill>
+                <a:latin typeface="Consolas" panose="020B0609020204030204" pitchFamily="49" charset="0"/>
+              </a:rPr>
+              <a:t>-&gt;</a:t>
+            </a:r>
+            <a:r>
+              <a:rPr lang="en-US" dirty="0">
+                <a:solidFill>
+                  <a:prstClr val="black"/>
+                </a:solidFill>
+                <a:latin typeface="Consolas" panose="020B0609020204030204" pitchFamily="49" charset="0"/>
+              </a:rPr>
+              <a:t> unit</a:t>
+            </a:r>
+          </a:p>
+        </p:txBody>
+      </p:sp>
+      <p:sp>
+        <p:nvSpPr>
+          <p:cNvPr id="7" name="Rectangle 6"/>
+          <p:cNvSpPr/>
+          <p:nvPr/>
+        </p:nvSpPr>
+        <p:spPr>
+          <a:xfrm>
+            <a:off x="1141411" y="2678473"/>
+            <a:ext cx="9905999" cy="369332"/>
+          </a:xfrm>
+          <a:prstGeom prst="rect">
+            <a:avLst/>
+          </a:prstGeom>
+          <a:solidFill>
+            <a:schemeClr val="tx1"/>
+          </a:solidFill>
+        </p:spPr>
+        <p:txBody>
+          <a:bodyPr wrap="square">
+            <a:spAutoFit/>
+          </a:bodyPr>
+          <a:lstStyle/>
+          <a:p>
+            <a:r>
+              <a:rPr lang="en-US" dirty="0">
+                <a:solidFill>
+                  <a:schemeClr val="bg1"/>
+                </a:solidFill>
+                <a:latin typeface="Consolas" panose="020B0609020204030204" pitchFamily="49" charset="0"/>
+              </a:rPr>
+              <a:t>&lt;@ </a:t>
+            </a:r>
+            <a:r>
+              <a:rPr lang="en-US" dirty="0" err="1" smtClean="0">
+                <a:solidFill>
+                  <a:schemeClr val="bg1"/>
+                </a:solidFill>
+                <a:latin typeface="Consolas" panose="020B0609020204030204" pitchFamily="49" charset="0"/>
+              </a:rPr>
+              <a:t>textBox.Text</a:t>
+            </a:r>
+            <a:r>
+              <a:rPr lang="en-US" dirty="0" smtClean="0">
+                <a:solidFill>
+                  <a:schemeClr val="bg1"/>
+                </a:solidFill>
+                <a:latin typeface="Consolas" panose="020B0609020204030204" pitchFamily="49" charset="0"/>
+              </a:rPr>
+              <a:t> </a:t>
+            </a:r>
+            <a:r>
+              <a:rPr lang="en-US" dirty="0">
+                <a:solidFill>
+                  <a:schemeClr val="bg1"/>
+                </a:solidFill>
+                <a:latin typeface="Consolas" panose="020B0609020204030204" pitchFamily="49" charset="0"/>
+              </a:rPr>
+              <a:t>&lt;- </a:t>
+            </a:r>
+            <a:r>
+              <a:rPr lang="en-US" dirty="0" err="1" smtClean="0">
+                <a:solidFill>
+                  <a:schemeClr val="bg1"/>
+                </a:solidFill>
+                <a:latin typeface="Consolas" panose="020B0609020204030204" pitchFamily="49" charset="0"/>
+              </a:rPr>
+              <a:t>model.Name</a:t>
+            </a:r>
+            <a:r>
+              <a:rPr lang="en-US" dirty="0" smtClean="0">
+                <a:solidFill>
+                  <a:schemeClr val="bg1"/>
+                </a:solidFill>
+                <a:latin typeface="Consolas" panose="020B0609020204030204" pitchFamily="49" charset="0"/>
+              </a:rPr>
+              <a:t> @&gt;</a:t>
+            </a:r>
+          </a:p>
+        </p:txBody>
+      </p:sp>
+      <p:sp>
+        <p:nvSpPr>
+          <p:cNvPr id="8" name="Rectangle 7"/>
+          <p:cNvSpPr/>
+          <p:nvPr/>
+        </p:nvSpPr>
+        <p:spPr>
+          <a:xfrm>
+            <a:off x="1141411" y="3684113"/>
+            <a:ext cx="9905999" cy="369332"/>
+          </a:xfrm>
+          <a:prstGeom prst="rect">
+            <a:avLst/>
+          </a:prstGeom>
+          <a:solidFill>
+            <a:schemeClr val="tx1"/>
+          </a:solidFill>
+        </p:spPr>
+        <p:txBody>
+          <a:bodyPr wrap="square">
+            <a:spAutoFit/>
+          </a:bodyPr>
+          <a:lstStyle/>
+          <a:p>
+            <a:r>
+              <a:rPr lang="en-US" dirty="0" err="1" smtClean="0">
+                <a:solidFill>
+                  <a:schemeClr val="bg1"/>
+                </a:solidFill>
+                <a:latin typeface="Consolas" panose="020B0609020204030204" pitchFamily="49" charset="0"/>
+              </a:rPr>
+              <a:t>textBox.SetBinding</a:t>
+            </a:r>
+            <a:r>
+              <a:rPr lang="en-US" dirty="0" smtClean="0">
+                <a:solidFill>
+                  <a:schemeClr val="bg1"/>
+                </a:solidFill>
+                <a:latin typeface="Consolas" panose="020B0609020204030204" pitchFamily="49" charset="0"/>
+              </a:rPr>
+              <a:t>(</a:t>
+            </a:r>
+            <a:r>
+              <a:rPr lang="en-US" dirty="0" err="1" smtClean="0">
+                <a:solidFill>
+                  <a:schemeClr val="bg1"/>
+                </a:solidFill>
+                <a:latin typeface="Consolas" panose="020B0609020204030204" pitchFamily="49" charset="0"/>
+              </a:rPr>
+              <a:t>TextBox.TextProperty</a:t>
+            </a:r>
+            <a:r>
+              <a:rPr lang="en-US" dirty="0" smtClean="0">
+                <a:solidFill>
+                  <a:schemeClr val="bg1"/>
+                </a:solidFill>
+                <a:latin typeface="Consolas" panose="020B0609020204030204" pitchFamily="49" charset="0"/>
+              </a:rPr>
+              <a:t>, "Name")</a:t>
+            </a:r>
+          </a:p>
+        </p:txBody>
+      </p:sp>
+      <p:sp>
+        <p:nvSpPr>
+          <p:cNvPr id="6" name="Down Arrow 5"/>
+          <p:cNvSpPr/>
+          <p:nvPr/>
+        </p:nvSpPr>
+        <p:spPr>
+          <a:xfrm>
+            <a:off x="5956297" y="3159729"/>
+            <a:ext cx="276225" cy="367089"/>
+          </a:xfrm>
+          <a:prstGeom prst="downArrow">
+            <a:avLst/>
+          </a:prstGeom>
+        </p:spPr>
+        <p:style>
+          <a:lnRef idx="2">
+            <a:schemeClr val="accent1">
+              <a:shade val="50000"/>
+            </a:schemeClr>
+          </a:lnRef>
+          <a:fillRef idx="1">
+            <a:schemeClr val="accent1"/>
+          </a:fillRef>
+          <a:effectRef idx="0">
+            <a:schemeClr val="accent1"/>
+          </a:effectRef>
+          <a:fontRef idx="minor">
+            <a:schemeClr val="lt1"/>
+          </a:fontRef>
+        </p:style>
+        <p:txBody>
+          <a:bodyPr rtlCol="0" anchor="ctr"/>
+          <a:lstStyle/>
+          <a:p>
+            <a:pPr algn="ctr"/>
+            <a:endParaRPr lang="en-US"/>
+          </a:p>
+        </p:txBody>
+      </p:sp>
+    </p:spTree>
+    <p:extLst>
+      <p:ext uri="{BB962C8B-B14F-4D97-AF65-F5344CB8AC3E}">
+        <p14:creationId xmlns:p14="http://schemas.microsoft.com/office/powerpoint/2010/main" val="15714665"/>
+      </p:ext>
+    </p:extLst>
+  </p:cSld>
+  <p:clrMapOvr>
+    <a:masterClrMapping/>
+  </p:clrMapOvr>
+  <p:timing>
+    <p:tnLst>
+      <p:par>
+        <p:cTn id="1" dur="indefinite" restart="never" nodeType="tmRoot"/>
+      </p:par>
+    </p:tnLst>
+  </p:timing>
+</p:sld>
+</file>
+
+<file path=ppt/slides/slide14.xml><?xml version="1.0" encoding="utf-8"?>
+<p:sld xmlns:a="http://schemas.openxmlformats.org/drawingml/2006/main" xmlns:r="http://schemas.openxmlformats.org/officeDocument/2006/relationships" xmlns:p="http://schemas.openxmlformats.org/presentationml/2006/main">
+  <p:cSld>
+    <p:spTree>
+      <p:nvGrpSpPr>
+        <p:cNvPr id="1" name=""/>
+        <p:cNvGrpSpPr/>
+        <p:nvPr/>
+      </p:nvGrpSpPr>
+      <p:grpSpPr>
+        <a:xfrm>
+          <a:off x="0" y="0"/>
+          <a:ext cx="0" cy="0"/>
+          <a:chOff x="0" y="0"/>
+          <a:chExt cx="0" cy="0"/>
+        </a:xfrm>
+      </p:grpSpPr>
+      <p:sp>
+        <p:nvSpPr>
+          <p:cNvPr id="2" name="Title 1"/>
+          <p:cNvSpPr>
+            <a:spLocks noGrp="1"/>
+          </p:cNvSpPr>
+          <p:nvPr>
+            <p:ph type="title"/>
+          </p:nvPr>
+        </p:nvSpPr>
+        <p:spPr/>
+        <p:txBody>
+          <a:bodyPr/>
+          <a:lstStyle/>
+          <a:p>
+            <a:r>
+              <a:rPr lang="en-US" dirty="0" smtClean="0"/>
+              <a:t>Validation</a:t>
+            </a:r>
+            <a:endParaRPr lang="en-US" dirty="0"/>
+          </a:p>
+        </p:txBody>
+      </p:sp>
+      <p:sp>
+        <p:nvSpPr>
+          <p:cNvPr id="3" name="Content Placeholder 2"/>
+          <p:cNvSpPr>
+            <a:spLocks noGrp="1"/>
+          </p:cNvSpPr>
+          <p:nvPr>
+            <p:ph idx="1"/>
+          </p:nvPr>
+        </p:nvSpPr>
+        <p:spPr/>
+        <p:txBody>
+          <a:bodyPr/>
+          <a:lstStyle/>
+          <a:p>
+            <a:r>
+              <a:rPr lang="en-US" dirty="0" smtClean="0"/>
+              <a:t>Statically-typed</a:t>
+            </a:r>
+          </a:p>
+          <a:p>
+            <a:r>
+              <a:rPr lang="en-US" dirty="0" smtClean="0"/>
+              <a:t>Would be verbose without F# language features:</a:t>
+            </a:r>
+          </a:p>
+          <a:p>
+            <a:pPr lvl="1"/>
+            <a:r>
+              <a:rPr lang="en-US" dirty="0" smtClean="0"/>
+              <a:t>Active patterns</a:t>
+            </a:r>
+          </a:p>
+          <a:p>
+            <a:pPr lvl="1"/>
+            <a:r>
+              <a:rPr lang="en-US" dirty="0" smtClean="0"/>
+              <a:t>Explicit member constraints</a:t>
+            </a:r>
+          </a:p>
+          <a:p>
+            <a:pPr lvl="1"/>
+            <a:r>
+              <a:rPr lang="en-US" dirty="0" smtClean="0"/>
+              <a:t>Partial application</a:t>
+            </a:r>
+          </a:p>
+          <a:p>
+            <a:pPr lvl="1"/>
+            <a:endParaRPr lang="en-US" dirty="0"/>
+          </a:p>
+        </p:txBody>
+      </p:sp>
+    </p:spTree>
+    <p:extLst>
+      <p:ext uri="{BB962C8B-B14F-4D97-AF65-F5344CB8AC3E}">
+        <p14:creationId xmlns:p14="http://schemas.microsoft.com/office/powerpoint/2010/main" val="3048352283"/>
+      </p:ext>
+    </p:extLst>
+  </p:cSld>
+  <p:clrMapOvr>
+    <a:masterClrMapping/>
+  </p:clrMapOvr>
+  <p:timing>
+    <p:tnLst>
+      <p:par>
+        <p:cTn id="1" dur="indefinite" restart="never" nodeType="tmRoot"/>
+      </p:par>
+    </p:tnLst>
+  </p:timing>
+</p:sld>
+</file>
+
+<file path=ppt/slides/slide15.xml><?xml version="1.0" encoding="utf-8"?>
+<p:sld xmlns:a="http://schemas.openxmlformats.org/drawingml/2006/main" xmlns:r="http://schemas.openxmlformats.org/officeDocument/2006/relationships" xmlns:p="http://schemas.openxmlformats.org/presentationml/2006/main">
+  <p:cSld>
+    <p:spTree>
+      <p:nvGrpSpPr>
+        <p:cNvPr id="1" name=""/>
+        <p:cNvGrpSpPr/>
+        <p:nvPr/>
+      </p:nvGrpSpPr>
+      <p:grpSpPr>
+        <a:xfrm>
+          <a:off x="0" y="0"/>
+          <a:ext cx="0" cy="0"/>
+          <a:chOff x="0" y="0"/>
+          <a:chExt cx="0" cy="0"/>
+        </a:xfrm>
+      </p:grpSpPr>
+      <p:sp>
+        <p:nvSpPr>
+          <p:cNvPr id="2" name="Title 1"/>
+          <p:cNvSpPr>
+            <a:spLocks noGrp="1"/>
+          </p:cNvSpPr>
+          <p:nvPr>
+            <p:ph type="title"/>
+          </p:nvPr>
+        </p:nvSpPr>
+        <p:spPr>
+          <a:xfrm>
+            <a:off x="1476375" y="247044"/>
+            <a:ext cx="9571036" cy="614366"/>
+          </a:xfrm>
+        </p:spPr>
+        <p:txBody>
+          <a:bodyPr/>
+          <a:lstStyle/>
+          <a:p>
+            <a:r>
+              <a:rPr lang="en-US" dirty="0" smtClean="0"/>
+              <a:t>Async</a:t>
+            </a:r>
+            <a:endParaRPr lang="en-US" dirty="0"/>
+          </a:p>
+        </p:txBody>
+      </p:sp>
+      <p:sp>
+        <p:nvSpPr>
+          <p:cNvPr id="9" name="Rectangle 8"/>
+          <p:cNvSpPr/>
+          <p:nvPr/>
+        </p:nvSpPr>
+        <p:spPr>
+          <a:xfrm>
+            <a:off x="1476375" y="892981"/>
+            <a:ext cx="9677399" cy="923330"/>
+          </a:xfrm>
+          <a:prstGeom prst="rect">
+            <a:avLst/>
+          </a:prstGeom>
+          <a:solidFill>
+            <a:schemeClr val="tx1"/>
+          </a:solidFill>
+        </p:spPr>
+        <p:txBody>
+          <a:bodyPr wrap="square">
+            <a:spAutoFit/>
+          </a:bodyPr>
+          <a:lstStyle/>
+          <a:p>
+            <a:r>
+              <a:rPr lang="en-US" dirty="0">
+                <a:solidFill>
+                  <a:srgbClr val="0000FF"/>
+                </a:solidFill>
+                <a:latin typeface="Consolas" panose="020B0609020204030204" pitchFamily="49" charset="0"/>
+              </a:rPr>
+              <a:t>type</a:t>
+            </a:r>
+            <a:r>
+              <a:rPr lang="en-US" dirty="0">
+                <a:solidFill>
+                  <a:prstClr val="black"/>
+                </a:solidFill>
+                <a:latin typeface="Consolas" panose="020B0609020204030204" pitchFamily="49" charset="0"/>
+              </a:rPr>
+              <a:t> IController&lt;</a:t>
+            </a:r>
+            <a:r>
+              <a:rPr lang="en-US" dirty="0" smtClean="0">
+                <a:solidFill>
+                  <a:prstClr val="black"/>
+                </a:solidFill>
+                <a:latin typeface="Consolas" panose="020B0609020204030204" pitchFamily="49" charset="0"/>
+              </a:rPr>
+              <a:t>'Events, </a:t>
+            </a:r>
+            <a:r>
+              <a:rPr lang="en-US" dirty="0">
+                <a:solidFill>
+                  <a:prstClr val="black"/>
+                </a:solidFill>
+                <a:latin typeface="Consolas" panose="020B0609020204030204" pitchFamily="49" charset="0"/>
+              </a:rPr>
+              <a:t>'Model&gt; =</a:t>
+            </a:r>
+          </a:p>
+          <a:p>
+            <a:r>
+              <a:rPr lang="en-US" dirty="0" smtClean="0">
+                <a:solidFill>
+                  <a:prstClr val="black"/>
+                </a:solidFill>
+                <a:latin typeface="Consolas" panose="020B0609020204030204" pitchFamily="49" charset="0"/>
+              </a:rPr>
+              <a:t>    </a:t>
+            </a:r>
+            <a:r>
+              <a:rPr lang="en-US" dirty="0">
+                <a:solidFill>
+                  <a:srgbClr val="0000FF"/>
+                </a:solidFill>
+                <a:latin typeface="Consolas" panose="020B0609020204030204" pitchFamily="49" charset="0"/>
+              </a:rPr>
+              <a:t>abstract</a:t>
+            </a:r>
+            <a:r>
+              <a:rPr lang="en-US" dirty="0">
+                <a:solidFill>
+                  <a:prstClr val="black"/>
+                </a:solidFill>
+                <a:latin typeface="Consolas" panose="020B0609020204030204" pitchFamily="49" charset="0"/>
+              </a:rPr>
+              <a:t> InitModel : 'Model </a:t>
+            </a:r>
+            <a:r>
+              <a:rPr lang="en-US" dirty="0">
+                <a:solidFill>
+                  <a:srgbClr val="0000FF"/>
+                </a:solidFill>
+                <a:latin typeface="Consolas" panose="020B0609020204030204" pitchFamily="49" charset="0"/>
+              </a:rPr>
+              <a:t>-&gt;</a:t>
+            </a:r>
+            <a:r>
+              <a:rPr lang="en-US" dirty="0">
+                <a:solidFill>
+                  <a:prstClr val="black"/>
+                </a:solidFill>
+                <a:latin typeface="Consolas" panose="020B0609020204030204" pitchFamily="49" charset="0"/>
+              </a:rPr>
+              <a:t> unit</a:t>
+            </a:r>
+          </a:p>
+          <a:p>
+            <a:r>
+              <a:rPr lang="en-US" dirty="0">
+                <a:solidFill>
+                  <a:prstClr val="black"/>
+                </a:solidFill>
+                <a:latin typeface="Consolas" panose="020B0609020204030204" pitchFamily="49" charset="0"/>
+              </a:rPr>
+              <a:t>    </a:t>
+            </a:r>
+            <a:r>
+              <a:rPr lang="en-US" dirty="0">
+                <a:solidFill>
+                  <a:srgbClr val="0000FF"/>
+                </a:solidFill>
+                <a:latin typeface="Consolas" panose="020B0609020204030204" pitchFamily="49" charset="0"/>
+              </a:rPr>
+              <a:t>abstract</a:t>
+            </a:r>
+            <a:r>
+              <a:rPr lang="en-US" dirty="0">
+                <a:solidFill>
+                  <a:prstClr val="black"/>
+                </a:solidFill>
+                <a:latin typeface="Consolas" panose="020B0609020204030204" pitchFamily="49" charset="0"/>
+              </a:rPr>
+              <a:t> </a:t>
+            </a:r>
+            <a:r>
+              <a:rPr lang="en-US" dirty="0" smtClean="0">
+                <a:solidFill>
+                  <a:prstClr val="black"/>
+                </a:solidFill>
+                <a:latin typeface="Consolas" panose="020B0609020204030204" pitchFamily="49" charset="0"/>
+              </a:rPr>
+              <a:t>EventHandler </a:t>
+            </a:r>
+            <a:r>
+              <a:rPr lang="en-US" dirty="0">
+                <a:solidFill>
+                  <a:prstClr val="black"/>
+                </a:solidFill>
+                <a:latin typeface="Consolas" panose="020B0609020204030204" pitchFamily="49" charset="0"/>
+              </a:rPr>
+              <a:t>: (</a:t>
+            </a:r>
+            <a:r>
+              <a:rPr lang="en-US" dirty="0" smtClean="0">
+                <a:solidFill>
+                  <a:prstClr val="black"/>
+                </a:solidFill>
+                <a:latin typeface="Consolas" panose="020B0609020204030204" pitchFamily="49" charset="0"/>
+              </a:rPr>
+              <a:t>'Events </a:t>
+            </a:r>
+            <a:r>
+              <a:rPr lang="en-US" dirty="0">
+                <a:solidFill>
+                  <a:srgbClr val="0000FF"/>
+                </a:solidFill>
+                <a:latin typeface="Consolas" panose="020B0609020204030204" pitchFamily="49" charset="0"/>
+              </a:rPr>
+              <a:t>-&gt;</a:t>
+            </a:r>
+            <a:r>
+              <a:rPr lang="en-US" dirty="0">
+                <a:solidFill>
+                  <a:prstClr val="black"/>
+                </a:solidFill>
+                <a:latin typeface="Consolas" panose="020B0609020204030204" pitchFamily="49" charset="0"/>
+              </a:rPr>
+              <a:t> 'Model </a:t>
+            </a:r>
+            <a:r>
+              <a:rPr lang="en-US" dirty="0">
+                <a:solidFill>
+                  <a:srgbClr val="0000FF"/>
+                </a:solidFill>
+                <a:latin typeface="Consolas" panose="020B0609020204030204" pitchFamily="49" charset="0"/>
+              </a:rPr>
+              <a:t>-&gt;</a:t>
+            </a:r>
+            <a:r>
+              <a:rPr lang="en-US" dirty="0">
+                <a:solidFill>
+                  <a:prstClr val="black"/>
+                </a:solidFill>
+                <a:latin typeface="Consolas" panose="020B0609020204030204" pitchFamily="49" charset="0"/>
+              </a:rPr>
+              <a:t> unit)</a:t>
+            </a:r>
+          </a:p>
+        </p:txBody>
+      </p:sp>
+      <p:sp>
+        <p:nvSpPr>
+          <p:cNvPr id="10" name="Rectangle 9"/>
+          <p:cNvSpPr/>
+          <p:nvPr/>
+        </p:nvSpPr>
+        <p:spPr>
+          <a:xfrm>
+            <a:off x="1476375" y="4432716"/>
+            <a:ext cx="9677399" cy="2031325"/>
+          </a:xfrm>
+          <a:prstGeom prst="rect">
+            <a:avLst/>
+          </a:prstGeom>
+          <a:solidFill>
+            <a:schemeClr val="tx1"/>
+          </a:solidFill>
+        </p:spPr>
+        <p:txBody>
+          <a:bodyPr wrap="square">
+            <a:spAutoFit/>
+          </a:bodyPr>
+          <a:lstStyle/>
+          <a:p>
+            <a:r>
+              <a:rPr lang="en-US" dirty="0">
+                <a:solidFill>
+                  <a:srgbClr val="0000FF"/>
+                </a:solidFill>
+                <a:latin typeface="Consolas" panose="020B0609020204030204" pitchFamily="49" charset="0"/>
+              </a:rPr>
+              <a:t>type</a:t>
+            </a:r>
+            <a:r>
+              <a:rPr lang="en-US" dirty="0">
+                <a:solidFill>
+                  <a:prstClr val="black"/>
+                </a:solidFill>
+                <a:latin typeface="Consolas" panose="020B0609020204030204" pitchFamily="49" charset="0"/>
+              </a:rPr>
+              <a:t> EventHandler&lt;'Model&gt; = </a:t>
+            </a:r>
+          </a:p>
+          <a:p>
+            <a:r>
+              <a:rPr lang="en-US" dirty="0">
+                <a:solidFill>
+                  <a:prstClr val="black"/>
+                </a:solidFill>
+                <a:latin typeface="Consolas" panose="020B0609020204030204" pitchFamily="49" charset="0"/>
+              </a:rPr>
+              <a:t>    | Sync </a:t>
+            </a:r>
+            <a:r>
+              <a:rPr lang="en-US" dirty="0">
+                <a:solidFill>
+                  <a:srgbClr val="0000FF"/>
+                </a:solidFill>
+                <a:latin typeface="Consolas" panose="020B0609020204030204" pitchFamily="49" charset="0"/>
+              </a:rPr>
+              <a:t>of</a:t>
+            </a:r>
+            <a:r>
+              <a:rPr lang="en-US" dirty="0">
+                <a:solidFill>
+                  <a:prstClr val="black"/>
+                </a:solidFill>
+                <a:latin typeface="Consolas" panose="020B0609020204030204" pitchFamily="49" charset="0"/>
+              </a:rPr>
+              <a:t> ('Model </a:t>
+            </a:r>
+            <a:r>
+              <a:rPr lang="en-US" dirty="0">
+                <a:solidFill>
+                  <a:srgbClr val="0000FF"/>
+                </a:solidFill>
+                <a:latin typeface="Consolas" panose="020B0609020204030204" pitchFamily="49" charset="0"/>
+              </a:rPr>
+              <a:t>-&gt;</a:t>
+            </a:r>
+            <a:r>
+              <a:rPr lang="en-US" dirty="0">
+                <a:solidFill>
+                  <a:prstClr val="black"/>
+                </a:solidFill>
+                <a:latin typeface="Consolas" panose="020B0609020204030204" pitchFamily="49" charset="0"/>
+              </a:rPr>
+              <a:t> unit)</a:t>
+            </a:r>
+          </a:p>
+          <a:p>
+            <a:r>
+              <a:rPr lang="en-US" dirty="0">
+                <a:solidFill>
+                  <a:prstClr val="black"/>
+                </a:solidFill>
+                <a:latin typeface="Consolas" panose="020B0609020204030204" pitchFamily="49" charset="0"/>
+              </a:rPr>
+              <a:t>    | Async </a:t>
+            </a:r>
+            <a:r>
+              <a:rPr lang="en-US" dirty="0">
+                <a:solidFill>
+                  <a:srgbClr val="0000FF"/>
+                </a:solidFill>
+                <a:latin typeface="Consolas" panose="020B0609020204030204" pitchFamily="49" charset="0"/>
+              </a:rPr>
+              <a:t>of</a:t>
+            </a:r>
+            <a:r>
+              <a:rPr lang="en-US" dirty="0">
+                <a:solidFill>
+                  <a:prstClr val="black"/>
+                </a:solidFill>
+                <a:latin typeface="Consolas" panose="020B0609020204030204" pitchFamily="49" charset="0"/>
+              </a:rPr>
+              <a:t> ('Model </a:t>
+            </a:r>
+            <a:r>
+              <a:rPr lang="en-US" dirty="0">
+                <a:solidFill>
+                  <a:srgbClr val="0000FF"/>
+                </a:solidFill>
+                <a:latin typeface="Consolas" panose="020B0609020204030204" pitchFamily="49" charset="0"/>
+              </a:rPr>
+              <a:t>-&gt;</a:t>
+            </a:r>
+            <a:r>
+              <a:rPr lang="en-US" dirty="0">
+                <a:solidFill>
+                  <a:prstClr val="black"/>
+                </a:solidFill>
+                <a:latin typeface="Consolas" panose="020B0609020204030204" pitchFamily="49" charset="0"/>
+              </a:rPr>
+              <a:t> Async&lt;unit&gt;)</a:t>
+            </a:r>
+          </a:p>
+          <a:p>
+            <a:endParaRPr lang="en-US" dirty="0">
+              <a:solidFill>
+                <a:prstClr val="black"/>
+              </a:solidFill>
+              <a:latin typeface="Consolas" panose="020B0609020204030204" pitchFamily="49" charset="0"/>
+            </a:endParaRPr>
+          </a:p>
+          <a:p>
+            <a:r>
+              <a:rPr lang="en-US" dirty="0">
+                <a:solidFill>
+                  <a:srgbClr val="0000FF"/>
+                </a:solidFill>
+                <a:latin typeface="Consolas" panose="020B0609020204030204" pitchFamily="49" charset="0"/>
+              </a:rPr>
+              <a:t>type</a:t>
+            </a:r>
+            <a:r>
+              <a:rPr lang="en-US" dirty="0">
+                <a:solidFill>
+                  <a:prstClr val="black"/>
+                </a:solidFill>
+                <a:latin typeface="Consolas" panose="020B0609020204030204" pitchFamily="49" charset="0"/>
+              </a:rPr>
+              <a:t> IController&lt;'Events, 'Model&gt; =</a:t>
+            </a:r>
+          </a:p>
+          <a:p>
+            <a:r>
+              <a:rPr lang="en-US" dirty="0" smtClean="0">
+                <a:solidFill>
+                  <a:prstClr val="black"/>
+                </a:solidFill>
+                <a:latin typeface="Consolas" panose="020B0609020204030204" pitchFamily="49" charset="0"/>
+              </a:rPr>
+              <a:t>    </a:t>
+            </a:r>
+            <a:r>
+              <a:rPr lang="en-US" dirty="0">
+                <a:solidFill>
+                  <a:srgbClr val="0000FF"/>
+                </a:solidFill>
+                <a:latin typeface="Consolas" panose="020B0609020204030204" pitchFamily="49" charset="0"/>
+              </a:rPr>
+              <a:t>abstract</a:t>
+            </a:r>
+            <a:r>
+              <a:rPr lang="en-US" dirty="0">
+                <a:solidFill>
+                  <a:prstClr val="black"/>
+                </a:solidFill>
+                <a:latin typeface="Consolas" panose="020B0609020204030204" pitchFamily="49" charset="0"/>
+              </a:rPr>
+              <a:t> InitModel : 'Model </a:t>
+            </a:r>
+            <a:r>
+              <a:rPr lang="en-US" dirty="0">
+                <a:solidFill>
+                  <a:srgbClr val="0000FF"/>
+                </a:solidFill>
+                <a:latin typeface="Consolas" panose="020B0609020204030204" pitchFamily="49" charset="0"/>
+              </a:rPr>
+              <a:t>-&gt;</a:t>
+            </a:r>
+            <a:r>
+              <a:rPr lang="en-US" dirty="0">
+                <a:solidFill>
+                  <a:prstClr val="black"/>
+                </a:solidFill>
+                <a:latin typeface="Consolas" panose="020B0609020204030204" pitchFamily="49" charset="0"/>
+              </a:rPr>
+              <a:t> unit</a:t>
+            </a:r>
+          </a:p>
+          <a:p>
+            <a:r>
+              <a:rPr lang="en-US" dirty="0">
+                <a:solidFill>
+                  <a:prstClr val="black"/>
+                </a:solidFill>
+                <a:latin typeface="Consolas" panose="020B0609020204030204" pitchFamily="49" charset="0"/>
+              </a:rPr>
+              <a:t>    </a:t>
+            </a:r>
+            <a:r>
+              <a:rPr lang="en-US" dirty="0">
+                <a:solidFill>
+                  <a:srgbClr val="0000FF"/>
+                </a:solidFill>
+                <a:latin typeface="Consolas" panose="020B0609020204030204" pitchFamily="49" charset="0"/>
+              </a:rPr>
+              <a:t>abstract</a:t>
+            </a:r>
+            <a:r>
+              <a:rPr lang="en-US" dirty="0">
+                <a:solidFill>
+                  <a:prstClr val="black"/>
+                </a:solidFill>
+                <a:latin typeface="Consolas" panose="020B0609020204030204" pitchFamily="49" charset="0"/>
+              </a:rPr>
+              <a:t> Dispatcher : ('Events </a:t>
+            </a:r>
+            <a:r>
+              <a:rPr lang="en-US" dirty="0">
+                <a:solidFill>
+                  <a:srgbClr val="0000FF"/>
+                </a:solidFill>
+                <a:latin typeface="Consolas" panose="020B0609020204030204" pitchFamily="49" charset="0"/>
+              </a:rPr>
+              <a:t>-&gt;</a:t>
+            </a:r>
+            <a:r>
+              <a:rPr lang="en-US" dirty="0">
+                <a:solidFill>
+                  <a:prstClr val="black"/>
+                </a:solidFill>
+                <a:latin typeface="Consolas" panose="020B0609020204030204" pitchFamily="49" charset="0"/>
+              </a:rPr>
+              <a:t> EventHandler&lt;'Model&gt;)</a:t>
+            </a:r>
+          </a:p>
+        </p:txBody>
+      </p:sp>
+      <p:sp>
+        <p:nvSpPr>
+          <p:cNvPr id="11" name="Down Arrow 10"/>
+          <p:cNvSpPr/>
+          <p:nvPr/>
+        </p:nvSpPr>
+        <p:spPr>
+          <a:xfrm>
+            <a:off x="5633128" y="1938635"/>
+            <a:ext cx="243797" cy="461954"/>
+          </a:xfrm>
+          <a:prstGeom prst="downArrow">
+            <a:avLst/>
+          </a:prstGeom>
+        </p:spPr>
+        <p:style>
+          <a:lnRef idx="2">
+            <a:schemeClr val="accent1">
+              <a:shade val="50000"/>
+            </a:schemeClr>
+          </a:lnRef>
+          <a:fillRef idx="1">
+            <a:schemeClr val="accent1"/>
+          </a:fillRef>
+          <a:effectRef idx="0">
+            <a:schemeClr val="accent1"/>
+          </a:effectRef>
+          <a:fontRef idx="minor">
+            <a:schemeClr val="lt1"/>
+          </a:fontRef>
+        </p:style>
+        <p:txBody>
+          <a:bodyPr rtlCol="0" anchor="ctr"/>
+          <a:lstStyle/>
+          <a:p>
+            <a:pPr algn="ctr"/>
+            <a:endParaRPr lang="en-US"/>
+          </a:p>
+        </p:txBody>
+      </p:sp>
+      <p:sp>
+        <p:nvSpPr>
+          <p:cNvPr id="3" name="Rectangle 2"/>
+          <p:cNvSpPr/>
+          <p:nvPr/>
+        </p:nvSpPr>
+        <p:spPr>
+          <a:xfrm>
+            <a:off x="3527602" y="215473"/>
+            <a:ext cx="8573728" cy="369332"/>
+          </a:xfrm>
+          <a:prstGeom prst="rect">
+            <a:avLst/>
+          </a:prstGeom>
+          <a:gradFill>
+            <a:gsLst>
+              <a:gs pos="0">
+                <a:schemeClr val="accent1">
+                  <a:lumMod val="5000"/>
+                  <a:lumOff val="95000"/>
+                </a:schemeClr>
+              </a:gs>
+              <a:gs pos="74000">
+                <a:schemeClr val="accent1">
+                  <a:lumMod val="45000"/>
+                  <a:lumOff val="55000"/>
+                </a:schemeClr>
+              </a:gs>
+              <a:gs pos="83000">
+                <a:schemeClr val="accent1">
+                  <a:lumMod val="45000"/>
+                  <a:lumOff val="55000"/>
+                </a:schemeClr>
+              </a:gs>
+              <a:gs pos="100000">
+                <a:schemeClr val="accent1">
+                  <a:lumMod val="30000"/>
+                  <a:lumOff val="70000"/>
+                </a:schemeClr>
+              </a:gs>
+            </a:gsLst>
+            <a:lin ang="5400000" scaled="1"/>
+          </a:gradFill>
+        </p:spPr>
+        <p:txBody>
+          <a:bodyPr wrap="square">
+            <a:spAutoFit/>
+          </a:bodyPr>
+          <a:lstStyle/>
+          <a:p>
+            <a:r>
+              <a:rPr lang="en-US" b="1" dirty="0" smtClean="0">
+                <a:solidFill>
+                  <a:srgbClr val="FF0000"/>
+                </a:solidFill>
+                <a:latin typeface="palatino linotype" panose="02040502050505030304" pitchFamily="18" charset="0"/>
+              </a:rPr>
+              <a:t>“Async </a:t>
+            </a:r>
+            <a:r>
+              <a:rPr lang="en-US" b="1" dirty="0">
+                <a:solidFill>
+                  <a:srgbClr val="FF0000"/>
+                </a:solidFill>
+                <a:latin typeface="palatino linotype" panose="02040502050505030304" pitchFamily="18" charset="0"/>
+              </a:rPr>
+              <a:t>in C# and F#: Asynchronous gotchas in C</a:t>
+            </a:r>
+            <a:r>
+              <a:rPr lang="en-US" b="1" dirty="0" smtClean="0">
+                <a:solidFill>
+                  <a:srgbClr val="FF0000"/>
+                </a:solidFill>
+                <a:latin typeface="palatino linotype" panose="02040502050505030304" pitchFamily="18" charset="0"/>
+              </a:rPr>
+              <a:t>#” blog post by Tomas </a:t>
+            </a:r>
+            <a:r>
+              <a:rPr lang="en-US" b="1" dirty="0" err="1" smtClean="0">
+                <a:solidFill>
+                  <a:srgbClr val="FF0000"/>
+                </a:solidFill>
+                <a:latin typeface="palatino linotype" panose="02040502050505030304" pitchFamily="18" charset="0"/>
+              </a:rPr>
+              <a:t>Petricek</a:t>
+            </a:r>
+            <a:endParaRPr lang="en-US" b="1" i="0" dirty="0">
+              <a:solidFill>
+                <a:srgbClr val="FF0000"/>
+              </a:solidFill>
+              <a:effectLst/>
+              <a:latin typeface="palatino linotype" panose="02040502050505030304" pitchFamily="18" charset="0"/>
+            </a:endParaRPr>
+          </a:p>
+        </p:txBody>
+      </p:sp>
+      <p:sp>
+        <p:nvSpPr>
+          <p:cNvPr id="7" name="Rectangle 6"/>
+          <p:cNvSpPr/>
+          <p:nvPr/>
+        </p:nvSpPr>
+        <p:spPr>
+          <a:xfrm>
+            <a:off x="1476374" y="2524349"/>
+            <a:ext cx="9677399" cy="1200329"/>
+          </a:xfrm>
+          <a:prstGeom prst="rect">
+            <a:avLst/>
+          </a:prstGeom>
+          <a:solidFill>
+            <a:schemeClr val="tx1"/>
+          </a:solidFill>
+        </p:spPr>
+        <p:txBody>
+          <a:bodyPr wrap="square">
+            <a:spAutoFit/>
+          </a:bodyPr>
+          <a:lstStyle/>
+          <a:p>
+            <a:r>
+              <a:rPr lang="en-US" dirty="0">
+                <a:solidFill>
+                  <a:srgbClr val="0000FF"/>
+                </a:solidFill>
+                <a:latin typeface="Consolas" panose="020B0609020204030204" pitchFamily="49" charset="0"/>
+              </a:rPr>
+              <a:t>type</a:t>
+            </a:r>
+            <a:r>
+              <a:rPr lang="en-US" dirty="0">
+                <a:solidFill>
+                  <a:prstClr val="black"/>
+                </a:solidFill>
+                <a:latin typeface="Consolas" panose="020B0609020204030204" pitchFamily="49" charset="0"/>
+              </a:rPr>
+              <a:t> </a:t>
+            </a:r>
+            <a:r>
+              <a:rPr lang="en-US" dirty="0" err="1" smtClean="0">
+                <a:solidFill>
+                  <a:prstClr val="black"/>
+                </a:solidFill>
+                <a:latin typeface="Consolas" panose="020B0609020204030204" pitchFamily="49" charset="0"/>
+              </a:rPr>
+              <a:t>EventHandler</a:t>
+            </a:r>
+            <a:r>
+              <a:rPr lang="en-US" dirty="0" smtClean="0">
+                <a:solidFill>
+                  <a:prstClr val="black"/>
+                </a:solidFill>
+                <a:latin typeface="Consolas" panose="020B0609020204030204" pitchFamily="49" charset="0"/>
+              </a:rPr>
+              <a:t>&lt;</a:t>
+            </a:r>
+            <a:r>
+              <a:rPr lang="en-US" dirty="0">
+                <a:solidFill>
+                  <a:prstClr val="black"/>
+                </a:solidFill>
+                <a:latin typeface="Consolas" panose="020B0609020204030204" pitchFamily="49" charset="0"/>
+              </a:rPr>
+              <a:t>'Model&gt; = 'Model </a:t>
+            </a:r>
+            <a:r>
+              <a:rPr lang="en-US" dirty="0">
+                <a:solidFill>
+                  <a:srgbClr val="0000FF"/>
+                </a:solidFill>
+                <a:latin typeface="Consolas" panose="020B0609020204030204" pitchFamily="49" charset="0"/>
+              </a:rPr>
+              <a:t>-&gt;</a:t>
+            </a:r>
+            <a:r>
+              <a:rPr lang="en-US" dirty="0">
+                <a:solidFill>
+                  <a:prstClr val="black"/>
+                </a:solidFill>
+                <a:latin typeface="Consolas" panose="020B0609020204030204" pitchFamily="49" charset="0"/>
+              </a:rPr>
+              <a:t> </a:t>
+            </a:r>
+            <a:r>
+              <a:rPr lang="en-US" dirty="0" smtClean="0">
+                <a:solidFill>
+                  <a:prstClr val="black"/>
+                </a:solidFill>
+                <a:latin typeface="Consolas" panose="020B0609020204030204" pitchFamily="49" charset="0"/>
+              </a:rPr>
+              <a:t>unit</a:t>
+            </a:r>
+            <a:endParaRPr lang="en-US" dirty="0" smtClean="0">
+              <a:solidFill>
+                <a:srgbClr val="0000FF"/>
+              </a:solidFill>
+              <a:latin typeface="Consolas" panose="020B0609020204030204" pitchFamily="49" charset="0"/>
+            </a:endParaRPr>
+          </a:p>
+          <a:p>
+            <a:r>
+              <a:rPr lang="en-US" dirty="0" smtClean="0">
+                <a:solidFill>
+                  <a:srgbClr val="0000FF"/>
+                </a:solidFill>
+                <a:latin typeface="Consolas" panose="020B0609020204030204" pitchFamily="49" charset="0"/>
+              </a:rPr>
+              <a:t>type</a:t>
+            </a:r>
+            <a:r>
+              <a:rPr lang="en-US" dirty="0" smtClean="0">
+                <a:solidFill>
+                  <a:prstClr val="black"/>
+                </a:solidFill>
+                <a:latin typeface="Consolas" panose="020B0609020204030204" pitchFamily="49" charset="0"/>
+              </a:rPr>
+              <a:t> </a:t>
+            </a:r>
+            <a:r>
+              <a:rPr lang="en-US" dirty="0" err="1" smtClean="0">
+                <a:solidFill>
+                  <a:prstClr val="black"/>
+                </a:solidFill>
+                <a:latin typeface="Consolas" panose="020B0609020204030204" pitchFamily="49" charset="0"/>
+              </a:rPr>
+              <a:t>IController</a:t>
+            </a:r>
+            <a:r>
+              <a:rPr lang="en-US" dirty="0" smtClean="0">
+                <a:solidFill>
+                  <a:prstClr val="black"/>
+                </a:solidFill>
+                <a:latin typeface="Consolas" panose="020B0609020204030204" pitchFamily="49" charset="0"/>
+              </a:rPr>
+              <a:t>&lt;'Events, 'Model&gt; =</a:t>
+            </a:r>
+          </a:p>
+          <a:p>
+            <a:r>
+              <a:rPr lang="en-US" dirty="0" smtClean="0">
+                <a:solidFill>
+                  <a:prstClr val="black"/>
+                </a:solidFill>
+                <a:latin typeface="Consolas" panose="020B0609020204030204" pitchFamily="49" charset="0"/>
+              </a:rPr>
+              <a:t>    </a:t>
+            </a:r>
+            <a:r>
+              <a:rPr lang="en-US" dirty="0">
+                <a:solidFill>
+                  <a:srgbClr val="0000FF"/>
+                </a:solidFill>
+                <a:latin typeface="Consolas" panose="020B0609020204030204" pitchFamily="49" charset="0"/>
+              </a:rPr>
+              <a:t>abstract</a:t>
+            </a:r>
+            <a:r>
+              <a:rPr lang="en-US" dirty="0">
+                <a:solidFill>
+                  <a:prstClr val="black"/>
+                </a:solidFill>
+                <a:latin typeface="Consolas" panose="020B0609020204030204" pitchFamily="49" charset="0"/>
+              </a:rPr>
+              <a:t> InitModel : 'Model </a:t>
+            </a:r>
+            <a:r>
+              <a:rPr lang="en-US" dirty="0">
+                <a:solidFill>
+                  <a:srgbClr val="0000FF"/>
+                </a:solidFill>
+                <a:latin typeface="Consolas" panose="020B0609020204030204" pitchFamily="49" charset="0"/>
+              </a:rPr>
+              <a:t>-&gt;</a:t>
+            </a:r>
+            <a:r>
+              <a:rPr lang="en-US" dirty="0">
+                <a:solidFill>
+                  <a:prstClr val="black"/>
+                </a:solidFill>
+                <a:latin typeface="Consolas" panose="020B0609020204030204" pitchFamily="49" charset="0"/>
+              </a:rPr>
+              <a:t> unit</a:t>
+            </a:r>
+          </a:p>
+          <a:p>
+            <a:r>
+              <a:rPr lang="en-US" dirty="0">
+                <a:solidFill>
+                  <a:prstClr val="black"/>
+                </a:solidFill>
+                <a:latin typeface="Consolas" panose="020B0609020204030204" pitchFamily="49" charset="0"/>
+              </a:rPr>
+              <a:t>    </a:t>
+            </a:r>
+            <a:r>
+              <a:rPr lang="en-US" dirty="0">
+                <a:solidFill>
+                  <a:srgbClr val="0000FF"/>
+                </a:solidFill>
+                <a:latin typeface="Consolas" panose="020B0609020204030204" pitchFamily="49" charset="0"/>
+              </a:rPr>
+              <a:t>abstract</a:t>
+            </a:r>
+            <a:r>
+              <a:rPr lang="en-US" dirty="0">
+                <a:solidFill>
+                  <a:prstClr val="black"/>
+                </a:solidFill>
+                <a:latin typeface="Consolas" panose="020B0609020204030204" pitchFamily="49" charset="0"/>
+              </a:rPr>
+              <a:t> </a:t>
+            </a:r>
+            <a:r>
+              <a:rPr lang="en-US" dirty="0" smtClean="0">
+                <a:solidFill>
+                  <a:prstClr val="black"/>
+                </a:solidFill>
+                <a:latin typeface="Consolas" panose="020B0609020204030204" pitchFamily="49" charset="0"/>
+              </a:rPr>
+              <a:t>EventHandler </a:t>
+            </a:r>
+            <a:r>
+              <a:rPr lang="en-US" dirty="0">
+                <a:solidFill>
+                  <a:prstClr val="black"/>
+                </a:solidFill>
+                <a:latin typeface="Consolas" panose="020B0609020204030204" pitchFamily="49" charset="0"/>
+              </a:rPr>
+              <a:t>: ('Events </a:t>
+            </a:r>
+            <a:r>
+              <a:rPr lang="en-US" dirty="0">
+                <a:solidFill>
+                  <a:srgbClr val="0000FF"/>
+                </a:solidFill>
+                <a:latin typeface="Consolas" panose="020B0609020204030204" pitchFamily="49" charset="0"/>
+              </a:rPr>
+              <a:t>-&gt;</a:t>
+            </a:r>
+            <a:r>
+              <a:rPr lang="en-US" dirty="0">
+                <a:solidFill>
+                  <a:prstClr val="black"/>
+                </a:solidFill>
+                <a:latin typeface="Consolas" panose="020B0609020204030204" pitchFamily="49" charset="0"/>
+              </a:rPr>
+              <a:t> </a:t>
+            </a:r>
+            <a:r>
+              <a:rPr lang="en-US" dirty="0" err="1">
+                <a:solidFill>
+                  <a:prstClr val="black"/>
+                </a:solidFill>
+                <a:latin typeface="Consolas" panose="020B0609020204030204" pitchFamily="49" charset="0"/>
+              </a:rPr>
+              <a:t>EventHandler</a:t>
+            </a:r>
+            <a:r>
+              <a:rPr lang="en-US" dirty="0">
+                <a:solidFill>
+                  <a:prstClr val="black"/>
+                </a:solidFill>
+                <a:latin typeface="Consolas" panose="020B0609020204030204" pitchFamily="49" charset="0"/>
+              </a:rPr>
+              <a:t>&lt;'Model&gt;)</a:t>
+            </a:r>
+          </a:p>
+        </p:txBody>
+      </p:sp>
+      <p:sp>
+        <p:nvSpPr>
+          <p:cNvPr id="8" name="Down Arrow 7"/>
+          <p:cNvSpPr/>
+          <p:nvPr/>
+        </p:nvSpPr>
+        <p:spPr>
+          <a:xfrm>
+            <a:off x="5633128" y="3883899"/>
+            <a:ext cx="243797" cy="461954"/>
+          </a:xfrm>
+          <a:prstGeom prst="downArrow">
+            <a:avLst/>
+          </a:prstGeom>
+        </p:spPr>
+        <p:style>
+          <a:lnRef idx="2">
+            <a:schemeClr val="accent1">
+              <a:shade val="50000"/>
+            </a:schemeClr>
+          </a:lnRef>
+          <a:fillRef idx="1">
+            <a:schemeClr val="accent1"/>
+          </a:fillRef>
+          <a:effectRef idx="0">
+            <a:schemeClr val="accent1"/>
+          </a:effectRef>
+          <a:fontRef idx="minor">
+            <a:schemeClr val="lt1"/>
+          </a:fontRef>
+        </p:style>
+        <p:txBody>
+          <a:bodyPr rtlCol="0" anchor="ctr"/>
+          <a:lstStyle/>
+          <a:p>
+            <a:pPr algn="ctr"/>
+            <a:endParaRPr lang="en-US"/>
+          </a:p>
+        </p:txBody>
+      </p:sp>
+    </p:spTree>
+    <p:extLst>
+      <p:ext uri="{BB962C8B-B14F-4D97-AF65-F5344CB8AC3E}">
+        <p14:creationId xmlns:p14="http://schemas.microsoft.com/office/powerpoint/2010/main" val="4043113270"/>
+      </p:ext>
+    </p:extLst>
+  </p:cSld>
+  <p:clrMapOvr>
+    <a:masterClrMapping/>
+  </p:clrMapOvr>
+  <p:timing>
+    <p:tnLst>
+      <p:par>
+        <p:cTn id="1" dur="indefinite" restart="never" nodeType="tmRoot"/>
+      </p:par>
+    </p:tnLst>
+  </p:timing>
+</p:sld>
+</file>
+
+<file path=ppt/slides/slide16.xml><?xml version="1.0" encoding="utf-8"?>
+<p:sld xmlns:a="http://schemas.openxmlformats.org/drawingml/2006/main" xmlns:r="http://schemas.openxmlformats.org/officeDocument/2006/relationships" xmlns:p="http://schemas.openxmlformats.org/presentationml/2006/main">
+  <p:cSld>
+    <p:spTree>
+      <p:nvGrpSpPr>
+        <p:cNvPr id="1" name=""/>
+        <p:cNvGrpSpPr/>
+        <p:nvPr/>
+      </p:nvGrpSpPr>
+      <p:grpSpPr>
+        <a:xfrm>
+          <a:off x="0" y="0"/>
+          <a:ext cx="0" cy="0"/>
+          <a:chOff x="0" y="0"/>
+          <a:chExt cx="0" cy="0"/>
+        </a:xfrm>
+      </p:grpSpPr>
+      <p:sp>
+        <p:nvSpPr>
+          <p:cNvPr id="2" name="Title 1"/>
+          <p:cNvSpPr>
+            <a:spLocks noGrp="1"/>
+          </p:cNvSpPr>
+          <p:nvPr>
+            <p:ph type="title"/>
+          </p:nvPr>
+        </p:nvSpPr>
+        <p:spPr/>
+        <p:txBody>
+          <a:bodyPr/>
+          <a:lstStyle/>
+          <a:p>
+            <a:r>
+              <a:rPr lang="en-US" dirty="0" smtClean="0"/>
+              <a:t>Child Windows</a:t>
+            </a:r>
+            <a:endParaRPr lang="en-US" dirty="0"/>
+          </a:p>
+        </p:txBody>
+      </p:sp>
+      <p:sp>
+        <p:nvSpPr>
+          <p:cNvPr id="3" name="Content Placeholder 2"/>
+          <p:cNvSpPr>
+            <a:spLocks noGrp="1"/>
+          </p:cNvSpPr>
+          <p:nvPr>
+            <p:ph idx="1"/>
+          </p:nvPr>
+        </p:nvSpPr>
+        <p:spPr/>
+        <p:txBody>
+          <a:bodyPr/>
+          <a:lstStyle/>
+          <a:p>
+            <a:r>
+              <a:rPr lang="en-US" dirty="0" smtClean="0"/>
+              <a:t>Dialog – synchronous computation </a:t>
+            </a:r>
+          </a:p>
+          <a:p>
+            <a:r>
+              <a:rPr lang="en-US" dirty="0" smtClean="0"/>
+              <a:t>Non-modal window - asynchronous </a:t>
+            </a:r>
+            <a:endParaRPr lang="en-US" dirty="0"/>
+          </a:p>
+        </p:txBody>
+      </p:sp>
+    </p:spTree>
+    <p:extLst>
+      <p:ext uri="{BB962C8B-B14F-4D97-AF65-F5344CB8AC3E}">
+        <p14:creationId xmlns:p14="http://schemas.microsoft.com/office/powerpoint/2010/main" val="1103476166"/>
+      </p:ext>
+    </p:extLst>
+  </p:cSld>
+  <p:clrMapOvr>
+    <a:masterClrMapping/>
+  </p:clrMapOvr>
+  <p:timing>
+    <p:tnLst>
+      <p:par>
+        <p:cTn id="1" dur="indefinite" restart="never" nodeType="tmRoot"/>
+      </p:par>
+    </p:tnLst>
+  </p:timing>
+</p:sld>
+</file>
+
+<file path=ppt/slides/slide17.xml><?xml version="1.0" encoding="utf-8"?>
+<p:sld xmlns:a="http://schemas.openxmlformats.org/drawingml/2006/main" xmlns:r="http://schemas.openxmlformats.org/officeDocument/2006/relationships" xmlns:p="http://schemas.openxmlformats.org/presentationml/2006/main">
+  <p:cSld>
+    <p:spTree>
+      <p:nvGrpSpPr>
+        <p:cNvPr id="1" name=""/>
+        <p:cNvGrpSpPr/>
+        <p:nvPr/>
+      </p:nvGrpSpPr>
+      <p:grpSpPr>
+        <a:xfrm>
+          <a:off x="0" y="0"/>
+          <a:ext cx="0" cy="0"/>
+          <a:chOff x="0" y="0"/>
+          <a:chExt cx="0" cy="0"/>
+        </a:xfrm>
+      </p:grpSpPr>
+      <p:sp>
+        <p:nvSpPr>
+          <p:cNvPr id="2" name="Title 1"/>
+          <p:cNvSpPr>
+            <a:spLocks noGrp="1"/>
+          </p:cNvSpPr>
+          <p:nvPr>
+            <p:ph type="title"/>
+          </p:nvPr>
+        </p:nvSpPr>
+        <p:spPr/>
+        <p:txBody>
+          <a:bodyPr/>
+          <a:lstStyle/>
+          <a:p>
+            <a:r>
+              <a:rPr lang="en-US" dirty="0" smtClean="0"/>
+              <a:t>Reentrancy</a:t>
+            </a:r>
+            <a:endParaRPr lang="en-US" dirty="0"/>
+          </a:p>
+        </p:txBody>
+      </p:sp>
+      <p:sp>
+        <p:nvSpPr>
+          <p:cNvPr id="3" name="Content Placeholder 2"/>
+          <p:cNvSpPr>
+            <a:spLocks noGrp="1"/>
+          </p:cNvSpPr>
+          <p:nvPr>
+            <p:ph idx="1"/>
+          </p:nvPr>
+        </p:nvSpPr>
+        <p:spPr/>
+        <p:txBody>
+          <a:bodyPr/>
+          <a:lstStyle/>
+          <a:p>
+            <a:r>
+              <a:rPr lang="en-US" dirty="0" smtClean="0"/>
+              <a:t>Very tricky problem</a:t>
+            </a:r>
+          </a:p>
+        </p:txBody>
+      </p:sp>
+    </p:spTree>
+    <p:extLst>
+      <p:ext uri="{BB962C8B-B14F-4D97-AF65-F5344CB8AC3E}">
+        <p14:creationId xmlns:p14="http://schemas.microsoft.com/office/powerpoint/2010/main" val="970238639"/>
+      </p:ext>
+    </p:extLst>
+  </p:cSld>
+  <p:clrMapOvr>
+    <a:masterClrMapping/>
+  </p:clrMapOvr>
+  <p:timing>
+    <p:tnLst>
+      <p:par>
+        <p:cTn id="1" dur="indefinite" restart="never" nodeType="tmRoot"/>
+      </p:par>
+    </p:tnLst>
+  </p:timing>
+</p:sld>
+</file>
+
+<file path=ppt/slides/slide18.xml><?xml version="1.0" encoding="utf-8"?>
+<p:sld xmlns:a="http://schemas.openxmlformats.org/drawingml/2006/main" xmlns:r="http://schemas.openxmlformats.org/officeDocument/2006/relationships" xmlns:p="http://schemas.openxmlformats.org/presentationml/2006/main">
+  <p:cSld>
+    <p:spTree>
+      <p:nvGrpSpPr>
+        <p:cNvPr id="1" name=""/>
+        <p:cNvGrpSpPr/>
+        <p:nvPr/>
+      </p:nvGrpSpPr>
+      <p:grpSpPr>
+        <a:xfrm>
+          <a:off x="0" y="0"/>
+          <a:ext cx="0" cy="0"/>
+          <a:chOff x="0" y="0"/>
+          <a:chExt cx="0" cy="0"/>
+        </a:xfrm>
+      </p:grpSpPr>
+      <p:sp>
+        <p:nvSpPr>
+          <p:cNvPr id="2" name="Title 1"/>
+          <p:cNvSpPr>
+            <a:spLocks noGrp="1"/>
+          </p:cNvSpPr>
+          <p:nvPr>
+            <p:ph type="title"/>
+          </p:nvPr>
+        </p:nvSpPr>
+        <p:spPr/>
+        <p:txBody>
+          <a:bodyPr/>
+          <a:lstStyle/>
+          <a:p>
+            <a:r>
+              <a:rPr lang="en-US" dirty="0" smtClean="0"/>
+              <a:t>composition</a:t>
+            </a:r>
+            <a:endParaRPr lang="en-US" dirty="0"/>
+          </a:p>
+        </p:txBody>
+      </p:sp>
+      <p:pic>
+        <p:nvPicPr>
+          <p:cNvPr id="4" name="Content Placeholder 3"/>
+          <p:cNvPicPr>
+            <a:picLocks noGrp="1" noChangeAspect="1"/>
+          </p:cNvPicPr>
+          <p:nvPr>
+            <p:ph idx="1"/>
+          </p:nvPr>
+        </p:nvPicPr>
+        <p:blipFill>
+          <a:blip r:embed="rId2">
+            <a:extLst>
+              <a:ext uri="{28A0092B-C50C-407E-A947-70E740481C1C}">
+                <a14:useLocalDpi xmlns:a14="http://schemas.microsoft.com/office/drawing/2010/main" val="0"/>
+              </a:ext>
+            </a:extLst>
+          </a:blip>
+          <a:stretch>
+            <a:fillRect/>
+          </a:stretch>
+        </p:blipFill>
+        <p:spPr>
+          <a:xfrm>
+            <a:off x="2232024" y="1788085"/>
+            <a:ext cx="7724775" cy="4479886"/>
+          </a:xfrm>
+        </p:spPr>
+      </p:pic>
+    </p:spTree>
+    <p:extLst>
+      <p:ext uri="{BB962C8B-B14F-4D97-AF65-F5344CB8AC3E}">
+        <p14:creationId xmlns:p14="http://schemas.microsoft.com/office/powerpoint/2010/main" val="1030256568"/>
+      </p:ext>
+    </p:extLst>
+  </p:cSld>
+  <p:clrMapOvr>
+    <a:masterClrMapping/>
+  </p:clrMapOvr>
+  <p:timing>
+    <p:tnLst>
+      <p:par>
+        <p:cTn id="1" dur="indefinite" restart="never" nodeType="tmRoot"/>
+      </p:par>
+    </p:tnLst>
+  </p:timing>
+</p:sld>
+</file>
+
+<file path=ppt/slides/slide19.xml><?xml version="1.0" encoding="utf-8"?>
+<p:sld xmlns:a="http://schemas.openxmlformats.org/drawingml/2006/main" xmlns:r="http://schemas.openxmlformats.org/officeDocument/2006/relationships" xmlns:p="http://schemas.openxmlformats.org/presentationml/2006/main">
+  <p:cSld>
+    <p:spTree>
+      <p:nvGrpSpPr>
+        <p:cNvPr id="1" name=""/>
+        <p:cNvGrpSpPr/>
+        <p:nvPr/>
+      </p:nvGrpSpPr>
+      <p:grpSpPr>
+        <a:xfrm>
+          <a:off x="0" y="0"/>
+          <a:ext cx="0" cy="0"/>
+          <a:chOff x="0" y="0"/>
+          <a:chExt cx="0" cy="0"/>
+        </a:xfrm>
+      </p:grpSpPr>
+      <p:sp>
+        <p:nvSpPr>
+          <p:cNvPr id="2" name="Title 1"/>
+          <p:cNvSpPr>
+            <a:spLocks noGrp="1"/>
+          </p:cNvSpPr>
+          <p:nvPr>
+            <p:ph type="title"/>
+          </p:nvPr>
+        </p:nvSpPr>
+        <p:spPr/>
+        <p:txBody>
+          <a:bodyPr/>
+          <a:lstStyle/>
+          <a:p>
+            <a:r>
+              <a:rPr lang="en-US" dirty="0" smtClean="0"/>
+              <a:t>External event sources</a:t>
+            </a:r>
+            <a:endParaRPr lang="en-US" dirty="0"/>
+          </a:p>
+        </p:txBody>
+      </p:sp>
+      <p:sp>
+        <p:nvSpPr>
+          <p:cNvPr id="3" name="Content Placeholder 2"/>
+          <p:cNvSpPr>
+            <a:spLocks noGrp="1"/>
+          </p:cNvSpPr>
+          <p:nvPr>
+            <p:ph idx="1"/>
+          </p:nvPr>
+        </p:nvSpPr>
+        <p:spPr/>
+        <p:txBody>
+          <a:bodyPr/>
+          <a:lstStyle/>
+          <a:p>
+            <a:r>
+              <a:rPr lang="en-US" dirty="0" smtClean="0"/>
+              <a:t>As easy as composing views</a:t>
+            </a:r>
+          </a:p>
+          <a:p>
+            <a:r>
+              <a:rPr lang="en-US" dirty="0" smtClean="0"/>
+              <a:t>Rx.NET helps to ensure invocation on GUI thread</a:t>
+            </a:r>
+          </a:p>
+          <a:p>
+            <a:r>
+              <a:rPr lang="en-US" dirty="0" smtClean="0"/>
+              <a:t>Another composition option</a:t>
+            </a:r>
+            <a:endParaRPr lang="en-US" dirty="0"/>
+          </a:p>
+        </p:txBody>
+      </p:sp>
+    </p:spTree>
+    <p:extLst>
+      <p:ext uri="{BB962C8B-B14F-4D97-AF65-F5344CB8AC3E}">
+        <p14:creationId xmlns:p14="http://schemas.microsoft.com/office/powerpoint/2010/main" val="1482672398"/>
+      </p:ext>
+    </p:extLst>
+  </p:cSld>
+  <p:clrMapOvr>
+    <a:masterClrMapping/>
+  </p:clrMapOvr>
+  <p:timing>
+    <p:tnLst>
+      <p:par>
+        <p:cTn id="1" dur="indefinite" restart="never" nodeType="tmRoot"/>
+      </p:par>
+    </p:tnLst>
+  </p:timing>
+</p:sld>
+</file>
+
+<file path=ppt/slides/slide2.xml><?xml version="1.0" encoding="utf-8"?>
+<p:sld xmlns:a="http://schemas.openxmlformats.org/drawingml/2006/main" xmlns:r="http://schemas.openxmlformats.org/officeDocument/2006/relationships" xmlns:p="http://schemas.openxmlformats.org/presentationml/2006/main">
+  <p:cSld>
+    <p:spTree>
+      <p:nvGrpSpPr>
+        <p:cNvPr id="1" name=""/>
+        <p:cNvGrpSpPr/>
+        <p:nvPr/>
+      </p:nvGrpSpPr>
+      <p:grpSpPr>
+        <a:xfrm>
+          <a:off x="0" y="0"/>
+          <a:ext cx="0" cy="0"/>
+          <a:chOff x="0" y="0"/>
+          <a:chExt cx="0" cy="0"/>
+        </a:xfrm>
+      </p:grpSpPr>
+      <p:sp>
+        <p:nvSpPr>
+          <p:cNvPr id="2" name="Title 1"/>
+          <p:cNvSpPr>
+            <a:spLocks noGrp="1"/>
+          </p:cNvSpPr>
+          <p:nvPr>
+            <p:ph type="title"/>
+          </p:nvPr>
+        </p:nvSpPr>
+        <p:spPr/>
+        <p:txBody>
+          <a:bodyPr/>
+          <a:lstStyle/>
+          <a:p>
+            <a:r>
+              <a:rPr lang="en-US" dirty="0" smtClean="0"/>
+              <a:t>SQL Command type provider</a:t>
+            </a:r>
+            <a:endParaRPr lang="en-US" dirty="0"/>
+          </a:p>
+        </p:txBody>
+      </p:sp>
+      <p:sp>
+        <p:nvSpPr>
+          <p:cNvPr id="3" name="Content Placeholder 2"/>
+          <p:cNvSpPr>
+            <a:spLocks noGrp="1"/>
+          </p:cNvSpPr>
+          <p:nvPr>
+            <p:ph idx="1"/>
+          </p:nvPr>
+        </p:nvSpPr>
+        <p:spPr>
+          <a:xfrm>
+            <a:off x="1141412" y="1828800"/>
+            <a:ext cx="9905999" cy="3962401"/>
+          </a:xfrm>
+        </p:spPr>
+        <p:txBody>
+          <a:bodyPr/>
+          <a:lstStyle/>
+          <a:p>
+            <a:r>
+              <a:rPr lang="en-US" dirty="0" smtClean="0"/>
+              <a:t>Statically typed access to T-SQL script input/output</a:t>
+            </a:r>
+          </a:p>
+          <a:p>
+            <a:r>
+              <a:rPr lang="en-US" dirty="0" smtClean="0"/>
+              <a:t>Compare to</a:t>
+            </a:r>
+          </a:p>
+          <a:p>
+            <a:pPr lvl="1"/>
+            <a:r>
+              <a:rPr lang="en-US" dirty="0" smtClean="0"/>
+              <a:t>Dapper</a:t>
+            </a:r>
+          </a:p>
+          <a:p>
+            <a:pPr lvl="1"/>
+            <a:r>
+              <a:rPr lang="en-US" dirty="0" smtClean="0"/>
+              <a:t>EF</a:t>
+            </a:r>
+            <a:r>
+              <a:rPr lang="en-US" dirty="0"/>
+              <a:t>, LINQ to </a:t>
+            </a:r>
+            <a:r>
+              <a:rPr lang="en-US" dirty="0" smtClean="0"/>
+              <a:t>SQL</a:t>
+            </a:r>
+          </a:p>
+          <a:p>
+            <a:pPr lvl="1"/>
+            <a:r>
+              <a:rPr lang="en-US" dirty="0"/>
+              <a:t>Generating Strongly Typed </a:t>
+            </a:r>
+            <a:r>
+              <a:rPr lang="en-US" dirty="0" err="1"/>
+              <a:t>DataSets</a:t>
+            </a:r>
+            <a:r>
+              <a:rPr lang="en-US" dirty="0"/>
+              <a:t> </a:t>
+            </a:r>
+            <a:endParaRPr lang="en-US" dirty="0" smtClean="0"/>
+          </a:p>
+          <a:p>
+            <a:r>
+              <a:rPr lang="en-US" dirty="0"/>
+              <a:t>Part of </a:t>
+            </a:r>
+            <a:r>
+              <a:rPr lang="en-US" b="1" dirty="0"/>
+              <a:t>F# Community Project Incubation Space</a:t>
+            </a:r>
+            <a:r>
+              <a:rPr lang="en-US" dirty="0"/>
+              <a:t> </a:t>
+            </a:r>
+            <a:endParaRPr lang="en-US" dirty="0" smtClean="0"/>
+          </a:p>
+          <a:p>
+            <a:pPr lvl="1"/>
+            <a:r>
+              <a:rPr lang="en-US" dirty="0" smtClean="0">
+                <a:solidFill>
+                  <a:srgbClr val="FFFF00"/>
+                </a:solidFill>
+              </a:rPr>
+              <a:t>http://</a:t>
+            </a:r>
+            <a:r>
+              <a:rPr lang="en-US" dirty="0">
+                <a:solidFill>
+                  <a:srgbClr val="FFFF00"/>
+                </a:solidFill>
+              </a:rPr>
+              <a:t>github.com/fsprojects</a:t>
+            </a:r>
+            <a:endParaRPr lang="en-US" dirty="0">
+              <a:solidFill>
+                <a:srgbClr val="FFFF00"/>
+              </a:solidFill>
+            </a:endParaRPr>
+          </a:p>
+          <a:p>
+            <a:pPr lvl="1"/>
+            <a:endParaRPr lang="en-US" dirty="0"/>
+          </a:p>
+          <a:p>
+            <a:pPr lvl="1"/>
+            <a:endParaRPr lang="en-US" dirty="0" smtClean="0"/>
+          </a:p>
+          <a:p>
+            <a:pPr marL="0" indent="0">
+              <a:buNone/>
+            </a:pPr>
+            <a:endParaRPr lang="en-US" dirty="0"/>
+          </a:p>
+        </p:txBody>
+      </p:sp>
+    </p:spTree>
+    <p:extLst>
+      <p:ext uri="{BB962C8B-B14F-4D97-AF65-F5344CB8AC3E}">
+        <p14:creationId xmlns:p14="http://schemas.microsoft.com/office/powerpoint/2010/main" val="2924188894"/>
+      </p:ext>
+    </p:extLst>
+  </p:cSld>
+  <p:clrMapOvr>
+    <a:masterClrMapping/>
+  </p:clrMapOvr>
+  <p:timing>
+    <p:tnLst>
+      <p:par>
+        <p:cTn id="1" dur="indefinite" restart="never" nodeType="tmRoot"/>
+      </p:par>
+    </p:tnLst>
+  </p:timing>
+</p:sld>
+</file>
+
+<file path=ppt/slides/slide20.xml><?xml version="1.0" encoding="utf-8"?>
+<p:sld xmlns:a="http://schemas.openxmlformats.org/drawingml/2006/main" xmlns:r="http://schemas.openxmlformats.org/officeDocument/2006/relationships" xmlns:p="http://schemas.openxmlformats.org/presentationml/2006/main">
+  <p:cSld>
+    <p:spTree>
+      <p:nvGrpSpPr>
+        <p:cNvPr id="1" name=""/>
+        <p:cNvGrpSpPr/>
+        <p:nvPr/>
+      </p:nvGrpSpPr>
+      <p:grpSpPr>
+        <a:xfrm>
+          <a:off x="0" y="0"/>
+          <a:ext cx="0" cy="0"/>
+          <a:chOff x="0" y="0"/>
+          <a:chExt cx="0" cy="0"/>
+        </a:xfrm>
+      </p:grpSpPr>
+      <p:sp>
+        <p:nvSpPr>
+          <p:cNvPr id="2" name="Title 1"/>
+          <p:cNvSpPr>
+            <a:spLocks noGrp="1"/>
+          </p:cNvSpPr>
+          <p:nvPr>
+            <p:ph type="title"/>
+          </p:nvPr>
+        </p:nvSpPr>
+        <p:spPr/>
+        <p:txBody>
+          <a:bodyPr/>
+          <a:lstStyle/>
+          <a:p>
+            <a:r>
+              <a:rPr lang="en-US" dirty="0" smtClean="0"/>
+              <a:t>Data binding micro dsl</a:t>
+            </a:r>
+            <a:endParaRPr lang="en-US" dirty="0"/>
+          </a:p>
+        </p:txBody>
+      </p:sp>
+      <p:sp>
+        <p:nvSpPr>
+          <p:cNvPr id="3" name="Content Placeholder 2"/>
+          <p:cNvSpPr>
+            <a:spLocks noGrp="1"/>
+          </p:cNvSpPr>
+          <p:nvPr>
+            <p:ph idx="1"/>
+          </p:nvPr>
+        </p:nvSpPr>
+        <p:spPr/>
+        <p:txBody>
+          <a:bodyPr/>
+          <a:lstStyle/>
+          <a:p>
+            <a:r>
+              <a:rPr lang="en-US" dirty="0" smtClean="0"/>
+              <a:t>Scrap </a:t>
+            </a:r>
+            <a:r>
+              <a:rPr lang="en-US" dirty="0"/>
+              <a:t>your </a:t>
+            </a:r>
+            <a:r>
+              <a:rPr lang="en-US" dirty="0" smtClean="0"/>
+              <a:t>boilerplate</a:t>
+            </a:r>
+          </a:p>
+          <a:p>
+            <a:r>
+              <a:rPr lang="en-US" dirty="0" smtClean="0"/>
+              <a:t>F# gives great tools to build internal DSLs</a:t>
+            </a:r>
+            <a:endParaRPr lang="en-US" dirty="0"/>
+          </a:p>
+          <a:p>
+            <a:endParaRPr lang="en-US" dirty="0"/>
+          </a:p>
+        </p:txBody>
+      </p:sp>
+    </p:spTree>
+    <p:extLst>
+      <p:ext uri="{BB962C8B-B14F-4D97-AF65-F5344CB8AC3E}">
+        <p14:creationId xmlns:p14="http://schemas.microsoft.com/office/powerpoint/2010/main" val="1517226537"/>
+      </p:ext>
+    </p:extLst>
+  </p:cSld>
+  <p:clrMapOvr>
+    <a:masterClrMapping/>
+  </p:clrMapOvr>
+  <p:timing>
+    <p:tnLst>
+      <p:par>
+        <p:cTn id="1" dur="indefinite" restart="never" nodeType="tmRoot"/>
+      </p:par>
+    </p:tnLst>
+  </p:timing>
+</p:sld>
+</file>
+
+<file path=ppt/slides/slide21.xml><?xml version="1.0" encoding="utf-8"?>
+<p:sld xmlns:a="http://schemas.openxmlformats.org/drawingml/2006/main" xmlns:r="http://schemas.openxmlformats.org/officeDocument/2006/relationships" xmlns:p="http://schemas.openxmlformats.org/presentationml/2006/main">
+  <p:cSld>
+    <p:spTree>
+      <p:nvGrpSpPr>
+        <p:cNvPr id="1" name=""/>
+        <p:cNvGrpSpPr/>
+        <p:nvPr/>
+      </p:nvGrpSpPr>
+      <p:grpSpPr>
+        <a:xfrm>
+          <a:off x="0" y="0"/>
+          <a:ext cx="0" cy="0"/>
+          <a:chOff x="0" y="0"/>
+          <a:chExt cx="0" cy="0"/>
+        </a:xfrm>
+      </p:grpSpPr>
+      <p:sp>
+        <p:nvSpPr>
+          <p:cNvPr id="2" name="Title 1"/>
+          <p:cNvSpPr>
+            <a:spLocks noGrp="1"/>
+          </p:cNvSpPr>
+          <p:nvPr>
+            <p:ph type="title"/>
+          </p:nvPr>
+        </p:nvSpPr>
+        <p:spPr/>
+        <p:txBody>
+          <a:bodyPr/>
+          <a:lstStyle/>
+          <a:p>
+            <a:r>
+              <a:rPr lang="en-US" dirty="0" smtClean="0"/>
+              <a:t>Derived properties</a:t>
+            </a:r>
+            <a:endParaRPr lang="en-US" dirty="0"/>
+          </a:p>
+        </p:txBody>
+      </p:sp>
+      <p:sp>
+        <p:nvSpPr>
+          <p:cNvPr id="3" name="Content Placeholder 2"/>
+          <p:cNvSpPr>
+            <a:spLocks noGrp="1"/>
+          </p:cNvSpPr>
+          <p:nvPr>
+            <p:ph idx="1"/>
+          </p:nvPr>
+        </p:nvSpPr>
+        <p:spPr/>
+        <p:txBody>
+          <a:bodyPr>
+            <a:normAutofit/>
+          </a:bodyPr>
+          <a:lstStyle/>
+          <a:p>
+            <a:r>
+              <a:rPr lang="en-US" dirty="0"/>
+              <a:t>Scrap your </a:t>
+            </a:r>
+            <a:r>
+              <a:rPr lang="en-US" dirty="0" smtClean="0"/>
+              <a:t>boilerplate</a:t>
+            </a:r>
+            <a:endParaRPr lang="en-US" dirty="0"/>
+          </a:p>
+          <a:p>
+            <a:r>
+              <a:rPr lang="en-US" dirty="0" smtClean="0"/>
+              <a:t>F# pure magic</a:t>
+            </a:r>
+          </a:p>
+          <a:p>
+            <a:pPr lvl="1"/>
+            <a:r>
+              <a:rPr lang="en-US" dirty="0"/>
+              <a:t>ReflectedDefinitionAttribute</a:t>
+            </a:r>
+            <a:endParaRPr lang="en-US" dirty="0" smtClean="0"/>
+          </a:p>
+          <a:p>
+            <a:pPr lvl="1"/>
+            <a:r>
+              <a:rPr lang="en-US" dirty="0" smtClean="0"/>
+              <a:t>Quotation</a:t>
+            </a:r>
+            <a:r>
+              <a:rPr lang="en-US" dirty="0"/>
+              <a:t> </a:t>
+            </a:r>
+            <a:endParaRPr lang="en-US" dirty="0" smtClean="0"/>
+          </a:p>
+          <a:p>
+            <a:pPr lvl="1"/>
+            <a:r>
+              <a:rPr lang="en-US" dirty="0" smtClean="0"/>
+              <a:t>Active patterns (a lot)</a:t>
+            </a:r>
+          </a:p>
+          <a:p>
+            <a:r>
+              <a:rPr lang="en-US" dirty="0" smtClean="0"/>
+              <a:t>WPF black magic</a:t>
+            </a:r>
+          </a:p>
+          <a:p>
+            <a:pPr lvl="1"/>
+            <a:r>
+              <a:rPr lang="en-US" dirty="0" err="1" smtClean="0"/>
+              <a:t>MultiBinding</a:t>
+            </a:r>
+            <a:endParaRPr lang="en-US" dirty="0" smtClean="0"/>
+          </a:p>
+          <a:p>
+            <a:pPr lvl="1"/>
+            <a:endParaRPr lang="en-US" dirty="0"/>
+          </a:p>
+        </p:txBody>
+      </p:sp>
+    </p:spTree>
+    <p:extLst>
+      <p:ext uri="{BB962C8B-B14F-4D97-AF65-F5344CB8AC3E}">
+        <p14:creationId xmlns:p14="http://schemas.microsoft.com/office/powerpoint/2010/main" val="2632499272"/>
+      </p:ext>
+    </p:extLst>
+  </p:cSld>
+  <p:clrMapOvr>
+    <a:masterClrMapping/>
+  </p:clrMapOvr>
+  <p:timing>
+    <p:tnLst>
+      <p:par>
+        <p:cTn id="1" dur="indefinite" restart="never" nodeType="tmRoot"/>
+      </p:par>
+    </p:tnLst>
+  </p:timing>
+</p:sld>
+</file>
+
+<file path=ppt/slides/slide22.xml><?xml version="1.0" encoding="utf-8"?>
+<p:sld xmlns:a="http://schemas.openxmlformats.org/drawingml/2006/main" xmlns:r="http://schemas.openxmlformats.org/officeDocument/2006/relationships" xmlns:p="http://schemas.openxmlformats.org/presentationml/2006/main">
+  <p:cSld>
+    <p:spTree>
+      <p:nvGrpSpPr>
+        <p:cNvPr id="1" name=""/>
+        <p:cNvGrpSpPr/>
+        <p:nvPr/>
+      </p:nvGrpSpPr>
+      <p:grpSpPr>
+        <a:xfrm>
+          <a:off x="0" y="0"/>
+          <a:ext cx="0" cy="0"/>
+          <a:chOff x="0" y="0"/>
+          <a:chExt cx="0" cy="0"/>
+        </a:xfrm>
+      </p:grpSpPr>
+      <p:sp>
+        <p:nvSpPr>
+          <p:cNvPr id="2" name="Title 1"/>
+          <p:cNvSpPr>
+            <a:spLocks noGrp="1"/>
+          </p:cNvSpPr>
+          <p:nvPr>
+            <p:ph type="title"/>
+          </p:nvPr>
+        </p:nvSpPr>
+        <p:spPr/>
+        <p:txBody>
+          <a:bodyPr/>
+          <a:lstStyle/>
+          <a:p>
+            <a:r>
+              <a:rPr lang="en-US" dirty="0" smtClean="0"/>
+              <a:t>F# 3.0/.net4.5</a:t>
+            </a:r>
+            <a:endParaRPr lang="en-US" dirty="0"/>
+          </a:p>
+        </p:txBody>
+      </p:sp>
+      <p:sp>
+        <p:nvSpPr>
+          <p:cNvPr id="3" name="Content Placeholder 2"/>
+          <p:cNvSpPr>
+            <a:spLocks noGrp="1"/>
+          </p:cNvSpPr>
+          <p:nvPr>
+            <p:ph idx="1"/>
+          </p:nvPr>
+        </p:nvSpPr>
+        <p:spPr>
+          <a:xfrm>
+            <a:off x="1141412" y="2015836"/>
+            <a:ext cx="9905999" cy="3775365"/>
+          </a:xfrm>
+        </p:spPr>
+        <p:txBody>
+          <a:bodyPr>
+            <a:normAutofit/>
+          </a:bodyPr>
+          <a:lstStyle/>
+          <a:p>
+            <a:r>
+              <a:rPr lang="en-US" dirty="0" smtClean="0"/>
+              <a:t>Queries</a:t>
+            </a:r>
+          </a:p>
+          <a:p>
+            <a:r>
+              <a:rPr lang="en-US" dirty="0" smtClean="0"/>
+              <a:t>Type providers</a:t>
+            </a:r>
+          </a:p>
+          <a:p>
+            <a:pPr lvl="1"/>
+            <a:r>
+              <a:rPr lang="en-US" dirty="0" smtClean="0"/>
+              <a:t>WSDL</a:t>
+            </a:r>
+          </a:p>
+          <a:p>
+            <a:pPr lvl="1"/>
+            <a:r>
+              <a:rPr lang="en-US" dirty="0" smtClean="0"/>
+              <a:t>XAML</a:t>
+            </a:r>
+          </a:p>
+          <a:p>
+            <a:r>
+              <a:rPr lang="en-US" dirty="0" smtClean="0"/>
+              <a:t>INotifyDataErrorInfo</a:t>
+            </a:r>
+          </a:p>
+          <a:p>
+            <a:r>
+              <a:rPr lang="en-US" dirty="0" err="1" smtClean="0"/>
+              <a:t>ExceptionDispatchInfo</a:t>
+            </a:r>
+            <a:endParaRPr lang="en-US" dirty="0" smtClean="0"/>
+          </a:p>
+          <a:p>
+            <a:r>
+              <a:rPr lang="en-US" dirty="0" smtClean="0"/>
+              <a:t>Arbitrary binding expressions</a:t>
+            </a:r>
+          </a:p>
+          <a:p>
+            <a:endParaRPr lang="en-US" dirty="0"/>
+          </a:p>
+        </p:txBody>
+      </p:sp>
+    </p:spTree>
+    <p:extLst>
+      <p:ext uri="{BB962C8B-B14F-4D97-AF65-F5344CB8AC3E}">
+        <p14:creationId xmlns:p14="http://schemas.microsoft.com/office/powerpoint/2010/main" val="231815751"/>
+      </p:ext>
+    </p:extLst>
+  </p:cSld>
+  <p:clrMapOvr>
+    <a:masterClrMapping/>
+  </p:clrMapOvr>
+  <p:timing>
+    <p:tnLst>
+      <p:par>
+        <p:cTn id="1" dur="indefinite" restart="never" nodeType="tmRoot"/>
+      </p:par>
+    </p:tnLst>
+  </p:timing>
+</p:sld>
+</file>
+
+<file path=ppt/slides/slide23.xml><?xml version="1.0" encoding="utf-8"?>
+<p:sld xmlns:a="http://schemas.openxmlformats.org/drawingml/2006/main" xmlns:r="http://schemas.openxmlformats.org/officeDocument/2006/relationships" xmlns:p="http://schemas.openxmlformats.org/presentationml/2006/main">
+  <p:cSld>
+    <p:spTree>
+      <p:nvGrpSpPr>
+        <p:cNvPr id="1" name=""/>
+        <p:cNvGrpSpPr/>
+        <p:nvPr/>
+      </p:nvGrpSpPr>
+      <p:grpSpPr>
+        <a:xfrm>
+          <a:off x="0" y="0"/>
+          <a:ext cx="0" cy="0"/>
+          <a:chOff x="0" y="0"/>
+          <a:chExt cx="0" cy="0"/>
+        </a:xfrm>
+      </p:grpSpPr>
+      <p:sp>
+        <p:nvSpPr>
+          <p:cNvPr id="2" name="Title 1"/>
+          <p:cNvSpPr>
+            <a:spLocks noGrp="1"/>
+          </p:cNvSpPr>
+          <p:nvPr>
+            <p:ph type="title"/>
+          </p:nvPr>
+        </p:nvSpPr>
+        <p:spPr/>
+        <p:txBody>
+          <a:bodyPr/>
+          <a:lstStyle/>
+          <a:p>
+            <a:r>
+              <a:rPr lang="en-US" dirty="0" smtClean="0"/>
+              <a:t>INPC type Provider</a:t>
+            </a:r>
+            <a:endParaRPr lang="en-US" dirty="0"/>
+          </a:p>
+        </p:txBody>
+      </p:sp>
+      <p:sp>
+        <p:nvSpPr>
+          <p:cNvPr id="3" name="Content Placeholder 2"/>
+          <p:cNvSpPr>
+            <a:spLocks noGrp="1"/>
+          </p:cNvSpPr>
+          <p:nvPr>
+            <p:ph idx="1"/>
+          </p:nvPr>
+        </p:nvSpPr>
+        <p:spPr/>
+        <p:txBody>
+          <a:bodyPr/>
+          <a:lstStyle/>
+          <a:p>
+            <a:endParaRPr lang="en-US" dirty="0"/>
+          </a:p>
+        </p:txBody>
+      </p:sp>
+    </p:spTree>
+    <p:extLst>
+      <p:ext uri="{BB962C8B-B14F-4D97-AF65-F5344CB8AC3E}">
+        <p14:creationId xmlns:p14="http://schemas.microsoft.com/office/powerpoint/2010/main" val="836677918"/>
+      </p:ext>
+    </p:extLst>
+  </p:cSld>
+  <p:clrMapOvr>
+    <a:masterClrMapping/>
+  </p:clrMapOvr>
+  <p:timing>
+    <p:tnLst>
+      <p:par>
+        <p:cTn id="1" dur="indefinite" restart="never" nodeType="tmRoot"/>
+      </p:par>
+    </p:tnLst>
+  </p:timing>
+</p:sld>
+</file>
+
+<file path=ppt/slides/slide24.xml><?xml version="1.0" encoding="utf-8"?>
+<p:sld xmlns:a="http://schemas.openxmlformats.org/drawingml/2006/main" xmlns:r="http://schemas.openxmlformats.org/officeDocument/2006/relationships" xmlns:p="http://schemas.openxmlformats.org/presentationml/2006/main">
+  <p:cSld>
+    <p:spTree>
+      <p:nvGrpSpPr>
+        <p:cNvPr id="1" name=""/>
+        <p:cNvGrpSpPr/>
+        <p:nvPr/>
+      </p:nvGrpSpPr>
+      <p:grpSpPr>
+        <a:xfrm>
+          <a:off x="0" y="0"/>
+          <a:ext cx="0" cy="0"/>
+          <a:chOff x="0" y="0"/>
+          <a:chExt cx="0" cy="0"/>
+        </a:xfrm>
+      </p:grpSpPr>
+      <p:sp>
+        <p:nvSpPr>
+          <p:cNvPr id="2" name="Title 1"/>
+          <p:cNvSpPr>
+            <a:spLocks noGrp="1"/>
+          </p:cNvSpPr>
+          <p:nvPr>
+            <p:ph type="title"/>
+          </p:nvPr>
+        </p:nvSpPr>
+        <p:spPr/>
+        <p:txBody>
+          <a:bodyPr/>
+          <a:lstStyle/>
+          <a:p>
+            <a:r>
+              <a:rPr lang="en-US" dirty="0" smtClean="0"/>
+              <a:t>F# MVC </a:t>
+            </a:r>
+            <a:r>
+              <a:rPr lang="en-US" cap="none" dirty="0" smtClean="0"/>
+              <a:t>for</a:t>
+            </a:r>
+            <a:r>
+              <a:rPr lang="en-US" dirty="0" smtClean="0"/>
+              <a:t> WPF </a:t>
+            </a:r>
+            <a:endParaRPr lang="en-US" dirty="0"/>
+          </a:p>
+        </p:txBody>
+      </p:sp>
+      <p:sp>
+        <p:nvSpPr>
+          <p:cNvPr id="11" name="Content Placeholder 10"/>
+          <p:cNvSpPr>
+            <a:spLocks noGrp="1"/>
+          </p:cNvSpPr>
+          <p:nvPr>
+            <p:ph sz="half" idx="1"/>
+          </p:nvPr>
+        </p:nvSpPr>
+        <p:spPr>
+          <a:xfrm>
+            <a:off x="781051" y="1773236"/>
+            <a:ext cx="4810125" cy="3455989"/>
+          </a:xfrm>
+        </p:spPr>
+        <p:txBody>
+          <a:bodyPr>
+            <a:normAutofit/>
+          </a:bodyPr>
+          <a:lstStyle/>
+          <a:p>
+            <a:r>
+              <a:rPr lang="en-US" sz="2000" dirty="0" smtClean="0"/>
+              <a:t>No INPC boilerplate model</a:t>
+            </a:r>
+          </a:p>
+          <a:p>
+            <a:r>
+              <a:rPr lang="en-US" sz="2000" dirty="0" smtClean="0"/>
+              <a:t>Abstract polymorphic view</a:t>
+            </a:r>
+          </a:p>
+          <a:p>
+            <a:r>
+              <a:rPr lang="en-US" sz="2000" dirty="0" smtClean="0"/>
+              <a:t>Loosely couple controller</a:t>
+            </a:r>
+          </a:p>
+          <a:p>
+            <a:r>
+              <a:rPr lang="en-US" sz="2000" dirty="0" smtClean="0"/>
+              <a:t>Type checked event to handler mapping</a:t>
+            </a:r>
+          </a:p>
+          <a:p>
+            <a:r>
+              <a:rPr lang="en-US" sz="2000" dirty="0" smtClean="0"/>
+              <a:t>Statically typed data-binding DSL</a:t>
+            </a:r>
+          </a:p>
+          <a:p>
+            <a:r>
+              <a:rPr lang="en-US" sz="2000" dirty="0" smtClean="0"/>
+              <a:t>Lightweight validation</a:t>
+            </a:r>
+          </a:p>
+        </p:txBody>
+      </p:sp>
+      <p:sp>
+        <p:nvSpPr>
+          <p:cNvPr id="12" name="Content Placeholder 11"/>
+          <p:cNvSpPr>
+            <a:spLocks noGrp="1"/>
+          </p:cNvSpPr>
+          <p:nvPr>
+            <p:ph sz="half" idx="2"/>
+          </p:nvPr>
+        </p:nvSpPr>
+        <p:spPr>
+          <a:xfrm>
+            <a:off x="5540373" y="1773236"/>
+            <a:ext cx="5867400" cy="3455989"/>
+          </a:xfrm>
+        </p:spPr>
+        <p:txBody>
+          <a:bodyPr>
+            <a:normAutofit/>
+          </a:bodyPr>
+          <a:lstStyle/>
+          <a:p>
+            <a:r>
+              <a:rPr lang="en-US" sz="2000" dirty="0" smtClean="0"/>
+              <a:t>Type system supported Async</a:t>
+            </a:r>
+            <a:endParaRPr lang="en-US" sz="2000" dirty="0"/>
+          </a:p>
+          <a:p>
+            <a:r>
+              <a:rPr lang="en-US" sz="2000" dirty="0" smtClean="0"/>
+              <a:t>Dialogs/Windows as sync/</a:t>
+            </a:r>
+            <a:r>
+              <a:rPr lang="en-US" sz="2000" dirty="0" err="1" smtClean="0"/>
+              <a:t>async</a:t>
+            </a:r>
+            <a:r>
+              <a:rPr lang="en-US" sz="2000" dirty="0" smtClean="0"/>
+              <a:t> workflows </a:t>
+            </a:r>
+          </a:p>
+          <a:p>
+            <a:r>
+              <a:rPr lang="en-US" sz="2000" dirty="0" smtClean="0"/>
+              <a:t>Reentrancy problem solved at one place</a:t>
+            </a:r>
+          </a:p>
+          <a:p>
+            <a:r>
+              <a:rPr lang="en-US" sz="2000" dirty="0" smtClean="0"/>
+              <a:t>COMPOSITION</a:t>
+            </a:r>
+          </a:p>
+          <a:p>
+            <a:r>
+              <a:rPr lang="en-US" sz="2000" dirty="0" smtClean="0"/>
+              <a:t>External event source</a:t>
+            </a:r>
+          </a:p>
+          <a:p>
+            <a:r>
+              <a:rPr lang="en-US" sz="2000" dirty="0" smtClean="0"/>
+              <a:t>Declarative derived properties</a:t>
+            </a:r>
+          </a:p>
+          <a:p>
+            <a:r>
+              <a:rPr lang="en-US" sz="2000" dirty="0" smtClean="0"/>
+              <a:t>Queries, type providers …</a:t>
+            </a:r>
+            <a:endParaRPr lang="en-US" sz="2000" dirty="0"/>
+          </a:p>
+        </p:txBody>
+      </p:sp>
+      <p:sp>
+        <p:nvSpPr>
+          <p:cNvPr id="3" name="Rectangle 2"/>
+          <p:cNvSpPr/>
+          <p:nvPr/>
+        </p:nvSpPr>
+        <p:spPr>
+          <a:xfrm>
+            <a:off x="1821656" y="5444609"/>
+            <a:ext cx="8545512" cy="369332"/>
+          </a:xfrm>
+          <a:prstGeom prst="rect">
+            <a:avLst/>
+          </a:prstGeom>
+        </p:spPr>
+        <p:txBody>
+          <a:bodyPr wrap="square">
+            <a:spAutoFit/>
+          </a:bodyPr>
+          <a:lstStyle/>
+          <a:p>
+            <a:r>
+              <a:rPr lang="en-US" b="1" dirty="0" smtClean="0"/>
+              <a:t>All components replaceable/optional except IView, </a:t>
+            </a:r>
+            <a:r>
+              <a:rPr lang="en-US" b="1" dirty="0" err="1" smtClean="0"/>
+              <a:t>IController</a:t>
+            </a:r>
+            <a:r>
+              <a:rPr lang="en-US" b="1" dirty="0" smtClean="0"/>
+              <a:t> and MVC</a:t>
+            </a:r>
+            <a:endParaRPr lang="en-US" b="1" dirty="0"/>
+          </a:p>
+        </p:txBody>
+      </p:sp>
+    </p:spTree>
+    <p:extLst>
+      <p:ext uri="{BB962C8B-B14F-4D97-AF65-F5344CB8AC3E}">
+        <p14:creationId xmlns:p14="http://schemas.microsoft.com/office/powerpoint/2010/main" val="1134198775"/>
+      </p:ext>
+    </p:extLst>
+  </p:cSld>
+  <p:clrMapOvr>
+    <a:masterClrMapping/>
+  </p:clrMapOvr>
+  <p:timing>
+    <p:tnLst>
+      <p:par>
+        <p:cTn id="1" dur="indefinite" restart="never" nodeType="tmRoot"/>
+      </p:par>
+    </p:tnLst>
+  </p:timing>
+</p:sld>
+</file>
+
+<file path=ppt/slides/slide25.xml><?xml version="1.0" encoding="utf-8"?>
+<p:sld xmlns:a="http://schemas.openxmlformats.org/drawingml/2006/main" xmlns:r="http://schemas.openxmlformats.org/officeDocument/2006/relationships" xmlns:p="http://schemas.openxmlformats.org/presentationml/2006/main">
+  <p:cSld>
+    <p:spTree>
+      <p:nvGrpSpPr>
+        <p:cNvPr id="1" name=""/>
+        <p:cNvGrpSpPr/>
+        <p:nvPr/>
+      </p:nvGrpSpPr>
+      <p:grpSpPr>
+        <a:xfrm>
+          <a:off x="0" y="0"/>
+          <a:ext cx="0" cy="0"/>
+          <a:chOff x="0" y="0"/>
+          <a:chExt cx="0" cy="0"/>
+        </a:xfrm>
+      </p:grpSpPr>
+      <p:sp>
+        <p:nvSpPr>
+          <p:cNvPr id="2" name="Title 1"/>
+          <p:cNvSpPr>
+            <a:spLocks noGrp="1"/>
+          </p:cNvSpPr>
+          <p:nvPr>
+            <p:ph type="title"/>
+          </p:nvPr>
+        </p:nvSpPr>
+        <p:spPr/>
+        <p:txBody>
+          <a:bodyPr/>
+          <a:lstStyle/>
+          <a:p>
+            <a:r>
+              <a:rPr lang="en-US" dirty="0" smtClean="0"/>
+              <a:t>TO DO</a:t>
+            </a:r>
+            <a:endParaRPr lang="en-US" dirty="0"/>
+          </a:p>
+        </p:txBody>
+      </p:sp>
+      <p:sp>
+        <p:nvSpPr>
+          <p:cNvPr id="3" name="Content Placeholder 2"/>
+          <p:cNvSpPr>
+            <a:spLocks noGrp="1"/>
+          </p:cNvSpPr>
+          <p:nvPr>
+            <p:ph idx="1"/>
+          </p:nvPr>
+        </p:nvSpPr>
+        <p:spPr/>
+        <p:txBody>
+          <a:bodyPr/>
+          <a:lstStyle/>
+          <a:p>
+            <a:r>
+              <a:rPr lang="en-US" dirty="0" smtClean="0"/>
+              <a:t>F# open source project</a:t>
+            </a:r>
+          </a:p>
+          <a:p>
+            <a:pPr lvl="1"/>
+            <a:r>
+              <a:rPr lang="en-US" dirty="0" smtClean="0"/>
+              <a:t>Docs</a:t>
+            </a:r>
+          </a:p>
+          <a:p>
+            <a:pPr lvl="1"/>
+            <a:r>
+              <a:rPr lang="en-US" dirty="0" err="1" smtClean="0"/>
+              <a:t>Nuget</a:t>
+            </a:r>
+            <a:r>
+              <a:rPr lang="en-US" dirty="0" smtClean="0"/>
+              <a:t> package</a:t>
+            </a:r>
+          </a:p>
+          <a:p>
+            <a:pPr lvl="1"/>
+            <a:r>
+              <a:rPr lang="en-US" dirty="0" smtClean="0"/>
+              <a:t>Visual Studio Project Template</a:t>
+            </a:r>
+          </a:p>
+          <a:p>
+            <a:r>
+              <a:rPr lang="en-US" dirty="0" smtClean="0"/>
+              <a:t>Windows Phone</a:t>
+            </a:r>
+          </a:p>
+          <a:p>
+            <a:r>
+              <a:rPr lang="en-US" dirty="0" err="1" smtClean="0"/>
+              <a:t>WinRT</a:t>
+            </a:r>
+            <a:endParaRPr lang="en-US" dirty="0"/>
+          </a:p>
+        </p:txBody>
+      </p:sp>
+    </p:spTree>
+    <p:extLst>
+      <p:ext uri="{BB962C8B-B14F-4D97-AF65-F5344CB8AC3E}">
+        <p14:creationId xmlns:p14="http://schemas.microsoft.com/office/powerpoint/2010/main" val="793002988"/>
+      </p:ext>
+    </p:extLst>
+  </p:cSld>
+  <p:clrMapOvr>
+    <a:masterClrMapping/>
+  </p:clrMapOvr>
+  <p:timing>
+    <p:tnLst>
+      <p:par>
+        <p:cTn id="1" dur="indefinite" restart="never" nodeType="tmRoot"/>
+      </p:par>
+    </p:tnLst>
+  </p:timing>
+</p:sld>
+</file>
+
+<file path=ppt/slides/slide26.xml><?xml version="1.0" encoding="utf-8"?>
+<p:sld xmlns:a="http://schemas.openxmlformats.org/drawingml/2006/main" xmlns:r="http://schemas.openxmlformats.org/officeDocument/2006/relationships" xmlns:p="http://schemas.openxmlformats.org/presentationml/2006/main">
+  <p:cSld>
+    <p:spTree>
+      <p:nvGrpSpPr>
+        <p:cNvPr id="1" name=""/>
+        <p:cNvGrpSpPr/>
+        <p:nvPr/>
+      </p:nvGrpSpPr>
+      <p:grpSpPr>
+        <a:xfrm>
+          <a:off x="0" y="0"/>
+          <a:ext cx="0" cy="0"/>
+          <a:chOff x="0" y="0"/>
+          <a:chExt cx="0" cy="0"/>
+        </a:xfrm>
+      </p:grpSpPr>
+      <p:sp>
+        <p:nvSpPr>
+          <p:cNvPr id="2" name="Title 1"/>
+          <p:cNvSpPr>
+            <a:spLocks noGrp="1"/>
+          </p:cNvSpPr>
+          <p:nvPr>
+            <p:ph type="title"/>
+          </p:nvPr>
+        </p:nvSpPr>
+        <p:spPr/>
+        <p:txBody>
+          <a:bodyPr/>
+          <a:lstStyle/>
+          <a:p>
+            <a:r>
+              <a:rPr lang="en-US" dirty="0" smtClean="0"/>
+              <a:t>In summary</a:t>
+            </a:r>
+            <a:endParaRPr lang="en-US" dirty="0"/>
+          </a:p>
+        </p:txBody>
+      </p:sp>
+      <p:sp>
+        <p:nvSpPr>
+          <p:cNvPr id="3" name="Content Placeholder 2"/>
+          <p:cNvSpPr>
+            <a:spLocks noGrp="1"/>
+          </p:cNvSpPr>
+          <p:nvPr>
+            <p:ph idx="1"/>
+          </p:nvPr>
+        </p:nvSpPr>
+        <p:spPr>
+          <a:xfrm>
+            <a:off x="1141413" y="1854679"/>
+            <a:ext cx="10512874" cy="3936522"/>
+          </a:xfrm>
+        </p:spPr>
+        <p:txBody>
+          <a:bodyPr>
+            <a:normAutofit lnSpcReduction="10000"/>
+          </a:bodyPr>
+          <a:lstStyle/>
+          <a:p>
+            <a:r>
+              <a:rPr lang="en-US" dirty="0" smtClean="0"/>
+              <a:t>F# great general purpose language</a:t>
+            </a:r>
+          </a:p>
+          <a:p>
+            <a:r>
+              <a:rPr lang="en-US" dirty="0" smtClean="0"/>
+              <a:t>Hard </a:t>
+            </a:r>
+            <a:r>
+              <a:rPr lang="en-US" dirty="0"/>
+              <a:t>things easy </a:t>
+            </a:r>
+            <a:r>
+              <a:rPr lang="en-US" dirty="0" smtClean="0"/>
+              <a:t>impossible </a:t>
+            </a:r>
+            <a:r>
+              <a:rPr lang="en-US" dirty="0"/>
+              <a:t>things </a:t>
+            </a:r>
+            <a:r>
+              <a:rPr lang="en-US" dirty="0" smtClean="0"/>
+              <a:t>possible</a:t>
+            </a:r>
+          </a:p>
+          <a:p>
+            <a:r>
+              <a:rPr lang="en-US" dirty="0" smtClean="0"/>
+              <a:t>Go thru the framework code base – it’s great language tutorial</a:t>
+            </a:r>
+          </a:p>
+          <a:p>
+            <a:r>
+              <a:rPr lang="en-US" dirty="0" err="1" smtClean="0"/>
+              <a:t>GitHub</a:t>
+            </a:r>
+            <a:r>
+              <a:rPr lang="en-US" dirty="0" smtClean="0"/>
+              <a:t> project:</a:t>
+            </a:r>
+            <a:br>
+              <a:rPr lang="en-US" dirty="0" smtClean="0"/>
+            </a:br>
+            <a:r>
+              <a:rPr lang="en-US" dirty="0" smtClean="0">
+                <a:solidFill>
+                  <a:srgbClr val="FFFF00"/>
+                </a:solidFill>
+                <a:hlinkClick r:id="rId2"/>
+              </a:rPr>
+              <a:t>http://github.com/dmitry-a-morozov/fsharp-wpf-mvc-series</a:t>
+            </a:r>
+            <a:endParaRPr lang="en-US" dirty="0" smtClean="0">
+              <a:solidFill>
+                <a:srgbClr val="FFFF00"/>
+              </a:solidFill>
+            </a:endParaRPr>
+          </a:p>
+          <a:p>
+            <a:r>
+              <a:rPr lang="en-US" dirty="0" smtClean="0"/>
+              <a:t>Wiki:</a:t>
+            </a:r>
+            <a:br>
+              <a:rPr lang="en-US" dirty="0" smtClean="0"/>
+            </a:br>
+            <a:r>
+              <a:rPr lang="en-US" dirty="0" smtClean="0">
+                <a:hlinkClick r:id="rId3"/>
+              </a:rPr>
+              <a:t>http://</a:t>
+            </a:r>
+            <a:r>
+              <a:rPr lang="en-US" dirty="0">
+                <a:hlinkClick r:id="rId3"/>
+              </a:rPr>
+              <a:t>github.com/dmitry-a-morozov/fsharp-wpf-mvc-series/wiki</a:t>
+            </a:r>
+            <a:r>
+              <a:rPr lang="en-US" dirty="0" smtClean="0"/>
+              <a:t/>
+            </a:r>
+            <a:br>
+              <a:rPr lang="en-US" dirty="0" smtClean="0"/>
+            </a:br>
+            <a:endParaRPr lang="en-US" dirty="0"/>
+          </a:p>
+        </p:txBody>
+      </p:sp>
+    </p:spTree>
+    <p:extLst>
+      <p:ext uri="{BB962C8B-B14F-4D97-AF65-F5344CB8AC3E}">
+        <p14:creationId xmlns:p14="http://schemas.microsoft.com/office/powerpoint/2010/main" val="1249366738"/>
+      </p:ext>
+    </p:extLst>
+  </p:cSld>
+  <p:clrMapOvr>
+    <a:masterClrMapping/>
+  </p:clrMapOvr>
+  <p:timing>
+    <p:tnLst>
+      <p:par>
+        <p:cTn id="1" dur="indefinite" restart="never" nodeType="tmRoot"/>
+      </p:par>
+    </p:tnLst>
+  </p:timing>
+</p:sld>
+</file>
+
+<file path=ppt/slides/slide3.xml><?xml version="1.0" encoding="utf-8"?>
+<p:sld xmlns:a="http://schemas.openxmlformats.org/drawingml/2006/main" xmlns:r="http://schemas.openxmlformats.org/officeDocument/2006/relationships" xmlns:p="http://schemas.openxmlformats.org/presentationml/2006/main">
+  <p:cSld>
+    <p:spTree>
+      <p:nvGrpSpPr>
+        <p:cNvPr id="1" name=""/>
+        <p:cNvGrpSpPr/>
+        <p:nvPr/>
+      </p:nvGrpSpPr>
+      <p:grpSpPr>
+        <a:xfrm>
+          <a:off x="0" y="0"/>
+          <a:ext cx="0" cy="0"/>
+          <a:chOff x="0" y="0"/>
+          <a:chExt cx="0" cy="0"/>
+        </a:xfrm>
+      </p:grpSpPr>
+      <p:sp>
+        <p:nvSpPr>
+          <p:cNvPr id="4" name="Title 3"/>
+          <p:cNvSpPr>
+            <a:spLocks noGrp="1"/>
+          </p:cNvSpPr>
+          <p:nvPr>
+            <p:ph type="title"/>
+          </p:nvPr>
+        </p:nvSpPr>
+        <p:spPr>
+          <a:xfrm>
+            <a:off x="1519183" y="618518"/>
+            <a:ext cx="9528228" cy="1478570"/>
+          </a:xfrm>
+        </p:spPr>
+        <p:txBody>
+          <a:bodyPr/>
+          <a:lstStyle/>
+          <a:p>
+            <a:r>
+              <a:rPr lang="en-US" dirty="0" smtClean="0"/>
+              <a:t>MVvm (</a:t>
+            </a:r>
+            <a:r>
+              <a:rPr lang="en-US" cap="none" dirty="0" smtClean="0"/>
+              <a:t>Model-View-ViewModel</a:t>
+            </a:r>
+            <a:r>
+              <a:rPr lang="en-US" dirty="0" smtClean="0"/>
+              <a:t>)</a:t>
+            </a:r>
+            <a:endParaRPr lang="en-US" dirty="0"/>
+          </a:p>
+        </p:txBody>
+      </p:sp>
+      <p:pic>
+        <p:nvPicPr>
+          <p:cNvPr id="6" name="Content Placeholder 5"/>
+          <p:cNvPicPr>
+            <a:picLocks noGrp="1" noChangeAspect="1"/>
+          </p:cNvPicPr>
+          <p:nvPr>
+            <p:ph idx="1"/>
+          </p:nvPr>
+        </p:nvPicPr>
+        <p:blipFill>
+          <a:blip r:embed="rId2">
+            <a:extLst>
+              <a:ext uri="{28A0092B-C50C-407E-A947-70E740481C1C}">
+                <a14:useLocalDpi xmlns:a14="http://schemas.microsoft.com/office/drawing/2010/main" val="0"/>
+              </a:ext>
+            </a:extLst>
+          </a:blip>
+          <a:stretch>
+            <a:fillRect/>
+          </a:stretch>
+        </p:blipFill>
+        <p:spPr>
+          <a:xfrm>
+            <a:off x="1519183" y="1700221"/>
+            <a:ext cx="9150458" cy="3161068"/>
+          </a:xfrm>
+        </p:spPr>
+      </p:pic>
+    </p:spTree>
+    <p:extLst>
+      <p:ext uri="{BB962C8B-B14F-4D97-AF65-F5344CB8AC3E}">
+        <p14:creationId xmlns:p14="http://schemas.microsoft.com/office/powerpoint/2010/main" val="3569035093"/>
+      </p:ext>
+    </p:extLst>
+  </p:cSld>
+  <p:clrMapOvr>
+    <a:masterClrMapping/>
+  </p:clrMapOvr>
+  <p:timing>
+    <p:tnLst>
+      <p:par>
+        <p:cTn id="1" dur="indefinite" restart="never" nodeType="tmRoot"/>
+      </p:par>
+    </p:tnLst>
+  </p:timing>
+</p:sld>
+</file>
+
+<file path=ppt/slides/slide4.xml><?xml version="1.0" encoding="utf-8"?>
+<p:sld xmlns:a="http://schemas.openxmlformats.org/drawingml/2006/main" xmlns:r="http://schemas.openxmlformats.org/officeDocument/2006/relationships" xmlns:p="http://schemas.openxmlformats.org/presentationml/2006/main">
+  <p:cSld>
+    <p:spTree>
+      <p:nvGrpSpPr>
+        <p:cNvPr id="1" name=""/>
+        <p:cNvGrpSpPr/>
+        <p:nvPr/>
+      </p:nvGrpSpPr>
+      <p:grpSpPr>
+        <a:xfrm>
+          <a:off x="0" y="0"/>
+          <a:ext cx="0" cy="0"/>
+          <a:chOff x="0" y="0"/>
+          <a:chExt cx="0" cy="0"/>
+        </a:xfrm>
+      </p:grpSpPr>
+      <p:sp>
+        <p:nvSpPr>
+          <p:cNvPr id="4" name="Title 3"/>
+          <p:cNvSpPr>
+            <a:spLocks noGrp="1"/>
+          </p:cNvSpPr>
+          <p:nvPr>
+            <p:ph type="title"/>
+          </p:nvPr>
+        </p:nvSpPr>
+        <p:spPr/>
+        <p:txBody>
+          <a:bodyPr/>
+          <a:lstStyle/>
+          <a:p>
+            <a:r>
+              <a:rPr lang="en-US" dirty="0" smtClean="0"/>
+              <a:t>Can we do better </a:t>
+            </a:r>
+            <a:r>
+              <a:rPr lang="en-US" cap="none" dirty="0" smtClean="0"/>
+              <a:t>in</a:t>
+            </a:r>
+            <a:r>
+              <a:rPr lang="en-US" dirty="0" smtClean="0"/>
+              <a:t> F#?</a:t>
+            </a:r>
+            <a:endParaRPr lang="en-US" dirty="0"/>
+          </a:p>
+        </p:txBody>
+      </p:sp>
+      <p:sp>
+        <p:nvSpPr>
+          <p:cNvPr id="3" name="Content Placeholder 2"/>
+          <p:cNvSpPr>
+            <a:spLocks noGrp="1"/>
+          </p:cNvSpPr>
+          <p:nvPr>
+            <p:ph idx="1"/>
+          </p:nvPr>
+        </p:nvSpPr>
+        <p:spPr/>
+        <p:txBody>
+          <a:bodyPr/>
+          <a:lstStyle/>
+          <a:p>
+            <a:r>
+              <a:rPr lang="en-US" dirty="0" smtClean="0"/>
+              <a:t>MVVM has many shortcomings</a:t>
+            </a:r>
+          </a:p>
+          <a:p>
+            <a:r>
+              <a:rPr lang="en-US" dirty="0" smtClean="0"/>
+              <a:t>It’s still hard to develop WPF apps using MVVM</a:t>
+            </a:r>
+          </a:p>
+          <a:p>
+            <a:r>
+              <a:rPr lang="en-US" dirty="0" smtClean="0"/>
+              <a:t>MVVM was designed with C# limitations in mind</a:t>
+            </a:r>
+          </a:p>
+          <a:p>
+            <a:endParaRPr lang="en-US" dirty="0"/>
+          </a:p>
+        </p:txBody>
+      </p:sp>
+    </p:spTree>
+    <p:extLst>
+      <p:ext uri="{BB962C8B-B14F-4D97-AF65-F5344CB8AC3E}">
+        <p14:creationId xmlns:p14="http://schemas.microsoft.com/office/powerpoint/2010/main" val="3716489453"/>
+      </p:ext>
+    </p:extLst>
+  </p:cSld>
+  <p:clrMapOvr>
+    <a:masterClrMapping/>
+  </p:clrMapOvr>
+  <p:timing>
+    <p:tnLst>
+      <p:par>
+        <p:cTn id="1" dur="indefinite" restart="never" nodeType="tmRoot"/>
+      </p:par>
+    </p:tnLst>
+  </p:timing>
+</p:sld>
+</file>
+
+<file path=ppt/slides/slide5.xml><?xml version="1.0" encoding="utf-8"?>
+<p:sld xmlns:a="http://schemas.openxmlformats.org/drawingml/2006/main" xmlns:r="http://schemas.openxmlformats.org/officeDocument/2006/relationships" xmlns:p="http://schemas.openxmlformats.org/presentationml/2006/main">
+  <p:cSld>
+    <p:spTree>
+      <p:nvGrpSpPr>
+        <p:cNvPr id="1" name=""/>
+        <p:cNvGrpSpPr/>
+        <p:nvPr/>
+      </p:nvGrpSpPr>
+      <p:grpSpPr>
+        <a:xfrm>
+          <a:off x="0" y="0"/>
+          <a:ext cx="0" cy="0"/>
+          <a:chOff x="0" y="0"/>
+          <a:chExt cx="0" cy="0"/>
+        </a:xfrm>
+      </p:grpSpPr>
+      <p:sp>
+        <p:nvSpPr>
+          <p:cNvPr id="2" name="Title 1"/>
+          <p:cNvSpPr>
+            <a:spLocks noGrp="1"/>
+          </p:cNvSpPr>
+          <p:nvPr>
+            <p:ph type="title"/>
+          </p:nvPr>
+        </p:nvSpPr>
+        <p:spPr>
+          <a:xfrm>
+            <a:off x="974785" y="618518"/>
+            <a:ext cx="10153290" cy="705457"/>
+          </a:xfrm>
+        </p:spPr>
+        <p:txBody>
+          <a:bodyPr/>
+          <a:lstStyle/>
+          <a:p>
+            <a:r>
+              <a:rPr lang="en-US" dirty="0" smtClean="0"/>
+              <a:t>FIRST class </a:t>
+            </a:r>
+            <a:r>
+              <a:rPr lang="en-US" dirty="0" smtClean="0"/>
+              <a:t>Event-Driven </a:t>
+            </a:r>
+            <a:r>
+              <a:rPr lang="en-US" dirty="0" smtClean="0"/>
+              <a:t>architecture</a:t>
+            </a:r>
+            <a:endParaRPr lang="en-US" dirty="0"/>
+          </a:p>
+        </p:txBody>
+      </p:sp>
+      <p:sp>
+        <p:nvSpPr>
+          <p:cNvPr id="3" name="Content Placeholder 2"/>
+          <p:cNvSpPr>
+            <a:spLocks noGrp="1"/>
+          </p:cNvSpPr>
+          <p:nvPr>
+            <p:ph idx="1"/>
+          </p:nvPr>
+        </p:nvSpPr>
+        <p:spPr>
+          <a:xfrm>
+            <a:off x="974786" y="1466850"/>
+            <a:ext cx="10153290" cy="4324352"/>
+          </a:xfrm>
+          <a:solidFill>
+            <a:schemeClr val="tx1"/>
+          </a:solidFill>
+        </p:spPr>
+        <p:txBody>
+          <a:bodyPr>
+            <a:normAutofit fontScale="92500" lnSpcReduction="20000"/>
+          </a:bodyPr>
+          <a:lstStyle/>
+          <a:p>
+            <a:pPr marL="0" indent="0">
+              <a:buNone/>
+            </a:pPr>
+            <a:r>
+              <a:rPr lang="en-US" dirty="0">
+                <a:solidFill>
+                  <a:srgbClr val="008000"/>
+                </a:solidFill>
+                <a:latin typeface="Consolas" panose="020B0609020204030204" pitchFamily="49" charset="0"/>
+              </a:rPr>
+              <a:t>//Numeric up-down control</a:t>
+            </a:r>
+          </a:p>
+          <a:p>
+            <a:pPr marL="0" indent="0">
+              <a:buNone/>
+            </a:pPr>
+            <a:r>
+              <a:rPr lang="en-US" dirty="0" smtClean="0">
+                <a:solidFill>
+                  <a:srgbClr val="0000FF"/>
+                </a:solidFill>
+                <a:latin typeface="Consolas" panose="020B0609020204030204" pitchFamily="49" charset="0"/>
+              </a:rPr>
+              <a:t>type</a:t>
+            </a:r>
+            <a:r>
+              <a:rPr lang="en-US" dirty="0" smtClean="0">
+                <a:solidFill>
+                  <a:prstClr val="black"/>
+                </a:solidFill>
+                <a:latin typeface="Consolas" panose="020B0609020204030204" pitchFamily="49" charset="0"/>
+              </a:rPr>
+              <a:t> </a:t>
+            </a:r>
+            <a:r>
+              <a:rPr lang="en-US" dirty="0">
+                <a:solidFill>
+                  <a:prstClr val="black"/>
+                </a:solidFill>
+                <a:latin typeface="Consolas" panose="020B0609020204030204" pitchFamily="49" charset="0"/>
+              </a:rPr>
+              <a:t>View = </a:t>
+            </a:r>
+            <a:r>
+              <a:rPr lang="en-US" dirty="0" smtClean="0">
+                <a:solidFill>
+                  <a:prstClr val="black"/>
+                </a:solidFill>
+                <a:latin typeface="Consolas" panose="020B0609020204030204" pitchFamily="49" charset="0"/>
+              </a:rPr>
+              <a:t>IEvent&lt;Events</a:t>
+            </a:r>
+            <a:r>
+              <a:rPr lang="en-US" dirty="0">
+                <a:solidFill>
+                  <a:prstClr val="black"/>
+                </a:solidFill>
+                <a:latin typeface="Consolas" panose="020B0609020204030204" pitchFamily="49" charset="0"/>
+              </a:rPr>
+              <a:t>&gt;  </a:t>
+            </a:r>
+          </a:p>
+          <a:p>
+            <a:pPr marL="0" indent="0">
+              <a:buNone/>
+            </a:pPr>
+            <a:r>
+              <a:rPr lang="en-US" dirty="0">
+                <a:solidFill>
+                  <a:srgbClr val="0000FF"/>
+                </a:solidFill>
+                <a:latin typeface="Consolas" panose="020B0609020204030204" pitchFamily="49" charset="0"/>
+              </a:rPr>
+              <a:t>and</a:t>
+            </a:r>
+            <a:r>
+              <a:rPr lang="en-US" dirty="0">
+                <a:solidFill>
+                  <a:prstClr val="black"/>
+                </a:solidFill>
+                <a:latin typeface="Consolas" panose="020B0609020204030204" pitchFamily="49" charset="0"/>
+              </a:rPr>
+              <a:t> Events = </a:t>
+            </a:r>
+            <a:r>
+              <a:rPr lang="en-US" dirty="0" err="1">
+                <a:solidFill>
+                  <a:prstClr val="black"/>
+                </a:solidFill>
+                <a:latin typeface="Consolas" panose="020B0609020204030204" pitchFamily="49" charset="0"/>
+              </a:rPr>
+              <a:t>Incr</a:t>
+            </a:r>
+            <a:r>
+              <a:rPr lang="en-US" dirty="0">
+                <a:solidFill>
+                  <a:prstClr val="black"/>
+                </a:solidFill>
+                <a:latin typeface="Consolas" panose="020B0609020204030204" pitchFamily="49" charset="0"/>
+              </a:rPr>
+              <a:t> | </a:t>
+            </a:r>
+            <a:r>
+              <a:rPr lang="en-US" dirty="0" err="1" smtClean="0">
+                <a:solidFill>
+                  <a:prstClr val="black"/>
+                </a:solidFill>
+                <a:latin typeface="Consolas" panose="020B0609020204030204" pitchFamily="49" charset="0"/>
+              </a:rPr>
+              <a:t>Decr</a:t>
+            </a:r>
+            <a:endParaRPr lang="en-US" dirty="0">
+              <a:solidFill>
+                <a:prstClr val="black"/>
+              </a:solidFill>
+              <a:latin typeface="Consolas" panose="020B0609020204030204" pitchFamily="49" charset="0"/>
+            </a:endParaRPr>
+          </a:p>
+          <a:p>
+            <a:pPr marL="0" indent="0">
+              <a:buNone/>
+            </a:pPr>
+            <a:endParaRPr lang="en-US" dirty="0" smtClean="0">
+              <a:solidFill>
+                <a:srgbClr val="0000FF"/>
+              </a:solidFill>
+              <a:latin typeface="Consolas" panose="020B0609020204030204" pitchFamily="49" charset="0"/>
+            </a:endParaRPr>
+          </a:p>
+          <a:p>
+            <a:pPr marL="0" indent="0">
+              <a:buNone/>
+            </a:pPr>
+            <a:r>
+              <a:rPr lang="en-US" dirty="0" smtClean="0">
+                <a:solidFill>
+                  <a:srgbClr val="0000FF"/>
+                </a:solidFill>
+                <a:latin typeface="Consolas" panose="020B0609020204030204" pitchFamily="49" charset="0"/>
+              </a:rPr>
+              <a:t>type</a:t>
+            </a:r>
+            <a:r>
+              <a:rPr lang="en-US" dirty="0" smtClean="0">
+                <a:solidFill>
+                  <a:prstClr val="black"/>
+                </a:solidFill>
+                <a:latin typeface="Consolas" panose="020B0609020204030204" pitchFamily="49" charset="0"/>
+              </a:rPr>
+              <a:t> </a:t>
+            </a:r>
+            <a:r>
+              <a:rPr lang="en-US" dirty="0">
+                <a:solidFill>
+                  <a:prstClr val="black"/>
+                </a:solidFill>
+                <a:latin typeface="Consolas" panose="020B0609020204030204" pitchFamily="49" charset="0"/>
+              </a:rPr>
+              <a:t>Model = { State : int }</a:t>
+            </a:r>
+          </a:p>
+          <a:p>
+            <a:pPr marL="0" indent="0">
+              <a:buNone/>
+            </a:pPr>
+            <a:endParaRPr lang="en-US" dirty="0">
+              <a:solidFill>
+                <a:prstClr val="black"/>
+              </a:solidFill>
+              <a:latin typeface="Consolas" panose="020B0609020204030204" pitchFamily="49" charset="0"/>
+            </a:endParaRPr>
+          </a:p>
+          <a:p>
+            <a:pPr marL="0" indent="0">
+              <a:buNone/>
+            </a:pPr>
+            <a:r>
+              <a:rPr lang="en-US" dirty="0">
+                <a:solidFill>
+                  <a:srgbClr val="0000FF"/>
+                </a:solidFill>
+                <a:latin typeface="Consolas" panose="020B0609020204030204" pitchFamily="49" charset="0"/>
+              </a:rPr>
+              <a:t>type</a:t>
+            </a:r>
+            <a:r>
+              <a:rPr lang="en-US" dirty="0">
+                <a:solidFill>
+                  <a:prstClr val="black"/>
+                </a:solidFill>
+                <a:latin typeface="Consolas" panose="020B0609020204030204" pitchFamily="49" charset="0"/>
+              </a:rPr>
+              <a:t> Controller = Model </a:t>
+            </a:r>
+            <a:r>
+              <a:rPr lang="en-US" dirty="0">
+                <a:solidFill>
+                  <a:srgbClr val="0000FF"/>
+                </a:solidFill>
+                <a:latin typeface="Consolas" panose="020B0609020204030204" pitchFamily="49" charset="0"/>
+              </a:rPr>
+              <a:t>-&gt;</a:t>
+            </a:r>
+            <a:r>
+              <a:rPr lang="en-US" dirty="0">
+                <a:solidFill>
+                  <a:prstClr val="black"/>
+                </a:solidFill>
+                <a:latin typeface="Consolas" panose="020B0609020204030204" pitchFamily="49" charset="0"/>
+              </a:rPr>
+              <a:t> Events </a:t>
+            </a:r>
+            <a:r>
+              <a:rPr lang="en-US" dirty="0">
+                <a:solidFill>
+                  <a:srgbClr val="0000FF"/>
+                </a:solidFill>
+                <a:latin typeface="Consolas" panose="020B0609020204030204" pitchFamily="49" charset="0"/>
+              </a:rPr>
+              <a:t>-&gt;</a:t>
+            </a:r>
+            <a:r>
+              <a:rPr lang="en-US" dirty="0">
+                <a:solidFill>
+                  <a:prstClr val="black"/>
+                </a:solidFill>
+                <a:latin typeface="Consolas" panose="020B0609020204030204" pitchFamily="49" charset="0"/>
+              </a:rPr>
+              <a:t> Model</a:t>
+            </a:r>
+          </a:p>
+          <a:p>
+            <a:pPr marL="0" indent="0">
+              <a:buNone/>
+            </a:pPr>
+            <a:endParaRPr lang="en-US" dirty="0">
+              <a:solidFill>
+                <a:prstClr val="black"/>
+              </a:solidFill>
+              <a:latin typeface="Consolas" panose="020B0609020204030204" pitchFamily="49" charset="0"/>
+            </a:endParaRPr>
+          </a:p>
+          <a:p>
+            <a:pPr marL="0" indent="0">
+              <a:buNone/>
+            </a:pPr>
+            <a:r>
+              <a:rPr lang="nb-NO" dirty="0">
+                <a:solidFill>
+                  <a:srgbClr val="0000FF"/>
+                </a:solidFill>
+                <a:latin typeface="Consolas" panose="020B0609020204030204" pitchFamily="49" charset="0"/>
+              </a:rPr>
+              <a:t>type</a:t>
+            </a:r>
+            <a:r>
+              <a:rPr lang="nb-NO" dirty="0">
+                <a:solidFill>
+                  <a:prstClr val="black"/>
+                </a:solidFill>
+                <a:latin typeface="Consolas" panose="020B0609020204030204" pitchFamily="49" charset="0"/>
+              </a:rPr>
+              <a:t> Mvc = Controller </a:t>
+            </a:r>
+            <a:r>
+              <a:rPr lang="nb-NO" dirty="0">
+                <a:solidFill>
+                  <a:srgbClr val="0000FF"/>
+                </a:solidFill>
+                <a:latin typeface="Consolas" panose="020B0609020204030204" pitchFamily="49" charset="0"/>
+              </a:rPr>
+              <a:t>-&gt;</a:t>
+            </a:r>
+            <a:r>
+              <a:rPr lang="nb-NO" dirty="0">
+                <a:solidFill>
+                  <a:prstClr val="black"/>
+                </a:solidFill>
+                <a:latin typeface="Consolas" panose="020B0609020204030204" pitchFamily="49" charset="0"/>
+              </a:rPr>
+              <a:t> Model </a:t>
+            </a:r>
+            <a:r>
+              <a:rPr lang="nb-NO" dirty="0">
+                <a:solidFill>
+                  <a:srgbClr val="0000FF"/>
+                </a:solidFill>
+                <a:latin typeface="Consolas" panose="020B0609020204030204" pitchFamily="49" charset="0"/>
+              </a:rPr>
+              <a:t>-&gt;</a:t>
+            </a:r>
+            <a:r>
+              <a:rPr lang="nb-NO" dirty="0">
+                <a:solidFill>
+                  <a:prstClr val="black"/>
+                </a:solidFill>
+                <a:latin typeface="Consolas" panose="020B0609020204030204" pitchFamily="49" charset="0"/>
+              </a:rPr>
+              <a:t> </a:t>
+            </a:r>
+            <a:r>
+              <a:rPr lang="nb-NO" dirty="0" smtClean="0">
+                <a:solidFill>
+                  <a:prstClr val="black"/>
+                </a:solidFill>
+                <a:latin typeface="Consolas" panose="020B0609020204030204" pitchFamily="49" charset="0"/>
+              </a:rPr>
+              <a:t>View </a:t>
+            </a:r>
+            <a:r>
+              <a:rPr lang="nb-NO" dirty="0">
+                <a:solidFill>
+                  <a:srgbClr val="0000FF"/>
+                </a:solidFill>
+                <a:latin typeface="Consolas" panose="020B0609020204030204" pitchFamily="49" charset="0"/>
+              </a:rPr>
+              <a:t>-&gt;</a:t>
+            </a:r>
+            <a:r>
+              <a:rPr lang="nb-NO" dirty="0">
+                <a:solidFill>
+                  <a:prstClr val="black"/>
+                </a:solidFill>
+                <a:latin typeface="Consolas" panose="020B0609020204030204" pitchFamily="49" charset="0"/>
+              </a:rPr>
+              <a:t> Model</a:t>
+            </a:r>
+          </a:p>
+          <a:p>
+            <a:pPr marL="0" indent="0">
+              <a:buNone/>
+            </a:pPr>
+            <a:endParaRPr lang="en-US" dirty="0">
+              <a:solidFill>
+                <a:schemeClr val="bg1"/>
+              </a:solidFill>
+            </a:endParaRPr>
+          </a:p>
+        </p:txBody>
+      </p:sp>
+    </p:spTree>
+    <p:extLst>
+      <p:ext uri="{BB962C8B-B14F-4D97-AF65-F5344CB8AC3E}">
+        <p14:creationId xmlns:p14="http://schemas.microsoft.com/office/powerpoint/2010/main" val="41017193"/>
+      </p:ext>
+    </p:extLst>
+  </p:cSld>
+  <p:clrMapOvr>
+    <a:masterClrMapping/>
+  </p:clrMapOvr>
+  <p:timing>
+    <p:tnLst>
+      <p:par>
+        <p:cTn id="1" dur="indefinite" restart="never" nodeType="tmRoot"/>
+      </p:par>
+    </p:tnLst>
+  </p:timing>
+</p:sld>
+</file>
+
+<file path=ppt/slides/slide6.xml><?xml version="1.0" encoding="utf-8"?>
+<p:sld xmlns:a="http://schemas.openxmlformats.org/drawingml/2006/main" xmlns:r="http://schemas.openxmlformats.org/officeDocument/2006/relationships" xmlns:p="http://schemas.openxmlformats.org/presentationml/2006/main">
+  <p:cSld>
+    <p:spTree>
+      <p:nvGrpSpPr>
+        <p:cNvPr id="1" name=""/>
+        <p:cNvGrpSpPr/>
+        <p:nvPr/>
+      </p:nvGrpSpPr>
+      <p:grpSpPr>
+        <a:xfrm>
+          <a:off x="0" y="0"/>
+          <a:ext cx="0" cy="0"/>
+          <a:chOff x="0" y="0"/>
+          <a:chExt cx="0" cy="0"/>
+        </a:xfrm>
+      </p:grpSpPr>
+      <p:sp>
+        <p:nvSpPr>
+          <p:cNvPr id="2" name="Title 1"/>
+          <p:cNvSpPr>
+            <a:spLocks noGrp="1"/>
+          </p:cNvSpPr>
+          <p:nvPr>
+            <p:ph type="title"/>
+          </p:nvPr>
+        </p:nvSpPr>
+        <p:spPr>
+          <a:xfrm>
+            <a:off x="974785" y="618518"/>
+            <a:ext cx="10153290" cy="705457"/>
+          </a:xfrm>
+        </p:spPr>
+        <p:txBody>
+          <a:bodyPr/>
+          <a:lstStyle/>
+          <a:p>
+            <a:r>
+              <a:rPr lang="en-US" dirty="0" smtClean="0"/>
+              <a:t>FIRST class </a:t>
+            </a:r>
+            <a:r>
+              <a:rPr lang="en-US" dirty="0" smtClean="0"/>
+              <a:t>Event-Driven </a:t>
+            </a:r>
+            <a:r>
+              <a:rPr lang="en-US" dirty="0" smtClean="0"/>
+              <a:t>architecture – C#</a:t>
+            </a:r>
+            <a:endParaRPr lang="en-US" dirty="0"/>
+          </a:p>
+        </p:txBody>
+      </p:sp>
+      <p:sp>
+        <p:nvSpPr>
+          <p:cNvPr id="3" name="Content Placeholder 2"/>
+          <p:cNvSpPr>
+            <a:spLocks noGrp="1"/>
+          </p:cNvSpPr>
+          <p:nvPr>
+            <p:ph idx="1"/>
+          </p:nvPr>
+        </p:nvSpPr>
+        <p:spPr>
+          <a:xfrm>
+            <a:off x="974786" y="1466850"/>
+            <a:ext cx="10153290" cy="4324352"/>
+          </a:xfrm>
+          <a:solidFill>
+            <a:schemeClr val="tx1"/>
+          </a:solidFill>
+        </p:spPr>
+        <p:txBody>
+          <a:bodyPr>
+            <a:normAutofit fontScale="85000" lnSpcReduction="20000"/>
+          </a:bodyPr>
+          <a:lstStyle/>
+          <a:p>
+            <a:pPr marL="0" indent="0">
+              <a:buNone/>
+            </a:pPr>
+            <a:r>
+              <a:rPr lang="en-US" dirty="0" smtClean="0">
+                <a:solidFill>
+                  <a:srgbClr val="008000"/>
+                </a:solidFill>
+                <a:latin typeface="Consolas" panose="020B0609020204030204" pitchFamily="49" charset="0"/>
+              </a:rPr>
+              <a:t>//</a:t>
+            </a:r>
+            <a:r>
+              <a:rPr lang="en-US" dirty="0">
+                <a:solidFill>
+                  <a:srgbClr val="008000"/>
+                </a:solidFill>
+                <a:latin typeface="Consolas" panose="020B0609020204030204" pitchFamily="49" charset="0"/>
+              </a:rPr>
+              <a:t>Numeric up-down control</a:t>
+            </a:r>
+            <a:endParaRPr lang="en-US" dirty="0">
+              <a:solidFill>
+                <a:prstClr val="black"/>
+              </a:solidFill>
+              <a:latin typeface="Consolas" panose="020B0609020204030204" pitchFamily="49" charset="0"/>
+            </a:endParaRPr>
+          </a:p>
+          <a:p>
+            <a:pPr marL="0" indent="0">
+              <a:buNone/>
+            </a:pPr>
+            <a:r>
+              <a:rPr lang="en-US" dirty="0" smtClean="0">
+                <a:solidFill>
+                  <a:srgbClr val="0000FF"/>
+                </a:solidFill>
+                <a:latin typeface="Consolas" panose="020B0609020204030204" pitchFamily="49" charset="0"/>
+              </a:rPr>
+              <a:t>using</a:t>
+            </a:r>
+            <a:r>
+              <a:rPr lang="en-US" dirty="0" smtClean="0">
+                <a:solidFill>
+                  <a:prstClr val="black"/>
+                </a:solidFill>
+                <a:latin typeface="Consolas" panose="020B0609020204030204" pitchFamily="49" charset="0"/>
+              </a:rPr>
+              <a:t> </a:t>
+            </a:r>
+            <a:r>
+              <a:rPr lang="en-US" dirty="0" smtClean="0">
+                <a:solidFill>
+                  <a:srgbClr val="2B91AF"/>
+                </a:solidFill>
+                <a:latin typeface="Consolas" panose="020B0609020204030204" pitchFamily="49" charset="0"/>
+              </a:rPr>
+              <a:t>View</a:t>
+            </a:r>
+            <a:r>
+              <a:rPr lang="en-US" dirty="0" smtClean="0">
+                <a:solidFill>
+                  <a:prstClr val="black"/>
+                </a:solidFill>
+                <a:latin typeface="Consolas" panose="020B0609020204030204" pitchFamily="49" charset="0"/>
+              </a:rPr>
+              <a:t> </a:t>
+            </a:r>
+            <a:r>
+              <a:rPr lang="en-US" dirty="0">
+                <a:solidFill>
+                  <a:prstClr val="black"/>
+                </a:solidFill>
+                <a:latin typeface="Consolas" panose="020B0609020204030204" pitchFamily="49" charset="0"/>
+              </a:rPr>
+              <a:t>= </a:t>
+            </a:r>
+            <a:r>
+              <a:rPr lang="en-US" dirty="0" err="1">
+                <a:solidFill>
+                  <a:srgbClr val="2B91AF"/>
+                </a:solidFill>
+                <a:latin typeface="Consolas" panose="020B0609020204030204" pitchFamily="49" charset="0"/>
+              </a:rPr>
+              <a:t>IObservable</a:t>
+            </a:r>
+            <a:r>
+              <a:rPr lang="en-US" dirty="0">
+                <a:solidFill>
+                  <a:prstClr val="black"/>
+                </a:solidFill>
+                <a:latin typeface="Consolas" panose="020B0609020204030204" pitchFamily="49" charset="0"/>
+              </a:rPr>
+              <a:t>&lt;</a:t>
+            </a:r>
+            <a:r>
+              <a:rPr lang="en-US" dirty="0">
+                <a:solidFill>
+                  <a:srgbClr val="2B91AF"/>
+                </a:solidFill>
+                <a:latin typeface="Consolas" panose="020B0609020204030204" pitchFamily="49" charset="0"/>
+              </a:rPr>
+              <a:t>Events</a:t>
+            </a:r>
+            <a:r>
+              <a:rPr lang="en-US" dirty="0">
+                <a:solidFill>
+                  <a:prstClr val="black"/>
+                </a:solidFill>
+                <a:latin typeface="Consolas" panose="020B0609020204030204" pitchFamily="49" charset="0"/>
+              </a:rPr>
+              <a:t>&gt;;</a:t>
+            </a:r>
+          </a:p>
+          <a:p>
+            <a:pPr marL="0" indent="0">
+              <a:buNone/>
+            </a:pPr>
+            <a:r>
+              <a:rPr lang="en-US" dirty="0" err="1" smtClean="0">
+                <a:solidFill>
+                  <a:srgbClr val="0000FF"/>
+                </a:solidFill>
+                <a:latin typeface="Consolas" panose="020B0609020204030204" pitchFamily="49" charset="0"/>
+              </a:rPr>
+              <a:t>enum</a:t>
+            </a:r>
+            <a:r>
+              <a:rPr lang="en-US" dirty="0" smtClean="0">
+                <a:solidFill>
+                  <a:prstClr val="black"/>
+                </a:solidFill>
+                <a:latin typeface="Consolas" panose="020B0609020204030204" pitchFamily="49" charset="0"/>
+              </a:rPr>
+              <a:t> </a:t>
+            </a:r>
+            <a:r>
+              <a:rPr lang="en-US" dirty="0">
+                <a:solidFill>
+                  <a:srgbClr val="2B91AF"/>
+                </a:solidFill>
+                <a:latin typeface="Consolas" panose="020B0609020204030204" pitchFamily="49" charset="0"/>
+              </a:rPr>
+              <a:t>Events</a:t>
+            </a:r>
+            <a:r>
+              <a:rPr lang="en-US" dirty="0">
+                <a:solidFill>
+                  <a:prstClr val="black"/>
+                </a:solidFill>
+                <a:latin typeface="Consolas" panose="020B0609020204030204" pitchFamily="49" charset="0"/>
+              </a:rPr>
+              <a:t> { </a:t>
+            </a:r>
+            <a:r>
+              <a:rPr lang="en-US" dirty="0" err="1">
+                <a:solidFill>
+                  <a:prstClr val="black"/>
+                </a:solidFill>
+                <a:latin typeface="Consolas" panose="020B0609020204030204" pitchFamily="49" charset="0"/>
+              </a:rPr>
+              <a:t>Incr</a:t>
+            </a:r>
+            <a:r>
+              <a:rPr lang="en-US" dirty="0">
+                <a:solidFill>
+                  <a:prstClr val="black"/>
+                </a:solidFill>
+                <a:latin typeface="Consolas" panose="020B0609020204030204" pitchFamily="49" charset="0"/>
+              </a:rPr>
+              <a:t>, </a:t>
+            </a:r>
+            <a:r>
+              <a:rPr lang="en-US" dirty="0" err="1">
+                <a:solidFill>
+                  <a:prstClr val="black"/>
+                </a:solidFill>
+                <a:latin typeface="Consolas" panose="020B0609020204030204" pitchFamily="49" charset="0"/>
+              </a:rPr>
+              <a:t>Decr</a:t>
+            </a:r>
+            <a:r>
+              <a:rPr lang="en-US" dirty="0">
+                <a:solidFill>
+                  <a:prstClr val="black"/>
+                </a:solidFill>
+                <a:latin typeface="Consolas" panose="020B0609020204030204" pitchFamily="49" charset="0"/>
+              </a:rPr>
+              <a:t> };</a:t>
+            </a:r>
+          </a:p>
+          <a:p>
+            <a:pPr marL="0" indent="0">
+              <a:buNone/>
+            </a:pPr>
+            <a:r>
+              <a:rPr lang="en-US" dirty="0" smtClean="0">
+                <a:solidFill>
+                  <a:srgbClr val="0000FF"/>
+                </a:solidFill>
+                <a:latin typeface="Consolas" panose="020B0609020204030204" pitchFamily="49" charset="0"/>
+              </a:rPr>
+              <a:t>class</a:t>
+            </a:r>
+            <a:r>
+              <a:rPr lang="en-US" dirty="0" smtClean="0">
+                <a:solidFill>
+                  <a:prstClr val="black"/>
+                </a:solidFill>
+                <a:latin typeface="Consolas" panose="020B0609020204030204" pitchFamily="49" charset="0"/>
+              </a:rPr>
+              <a:t> </a:t>
+            </a:r>
+            <a:r>
+              <a:rPr lang="en-US" dirty="0">
+                <a:solidFill>
+                  <a:srgbClr val="2B91AF"/>
+                </a:solidFill>
+                <a:latin typeface="Consolas" panose="020B0609020204030204" pitchFamily="49" charset="0"/>
+              </a:rPr>
+              <a:t>Model</a:t>
+            </a:r>
+            <a:endParaRPr lang="en-US" dirty="0">
+              <a:solidFill>
+                <a:prstClr val="black"/>
+              </a:solidFill>
+              <a:latin typeface="Consolas" panose="020B0609020204030204" pitchFamily="49" charset="0"/>
+            </a:endParaRPr>
+          </a:p>
+          <a:p>
+            <a:pPr marL="0" indent="0">
+              <a:buNone/>
+            </a:pPr>
+            <a:r>
+              <a:rPr lang="en-US" dirty="0">
+                <a:solidFill>
+                  <a:prstClr val="black"/>
+                </a:solidFill>
+                <a:latin typeface="Consolas" panose="020B0609020204030204" pitchFamily="49" charset="0"/>
+              </a:rPr>
+              <a:t>{</a:t>
+            </a:r>
+          </a:p>
+          <a:p>
+            <a:pPr marL="0" indent="0">
+              <a:buNone/>
+            </a:pPr>
+            <a:r>
+              <a:rPr lang="en-US" dirty="0">
+                <a:solidFill>
+                  <a:prstClr val="black"/>
+                </a:solidFill>
+                <a:latin typeface="Consolas" panose="020B0609020204030204" pitchFamily="49" charset="0"/>
+              </a:rPr>
+              <a:t>    </a:t>
+            </a:r>
+            <a:r>
+              <a:rPr lang="en-US" dirty="0">
+                <a:solidFill>
+                  <a:srgbClr val="0000FF"/>
+                </a:solidFill>
+                <a:latin typeface="Consolas" panose="020B0609020204030204" pitchFamily="49" charset="0"/>
+              </a:rPr>
+              <a:t>public</a:t>
+            </a:r>
+            <a:r>
+              <a:rPr lang="en-US" dirty="0">
+                <a:solidFill>
+                  <a:prstClr val="black"/>
+                </a:solidFill>
+                <a:latin typeface="Consolas" panose="020B0609020204030204" pitchFamily="49" charset="0"/>
+              </a:rPr>
+              <a:t> Model(</a:t>
+            </a:r>
+            <a:r>
+              <a:rPr lang="en-US" dirty="0">
+                <a:solidFill>
+                  <a:srgbClr val="0000FF"/>
+                </a:solidFill>
+                <a:latin typeface="Consolas" panose="020B0609020204030204" pitchFamily="49" charset="0"/>
+              </a:rPr>
+              <a:t>int</a:t>
+            </a:r>
+            <a:r>
+              <a:rPr lang="en-US" dirty="0">
+                <a:solidFill>
+                  <a:prstClr val="black"/>
+                </a:solidFill>
+                <a:latin typeface="Consolas" panose="020B0609020204030204" pitchFamily="49" charset="0"/>
+              </a:rPr>
+              <a:t> state) { </a:t>
+            </a:r>
+            <a:r>
+              <a:rPr lang="en-US" dirty="0" err="1">
+                <a:solidFill>
+                  <a:srgbClr val="0000FF"/>
+                </a:solidFill>
+                <a:latin typeface="Consolas" panose="020B0609020204030204" pitchFamily="49" charset="0"/>
+              </a:rPr>
+              <a:t>this</a:t>
+            </a:r>
+            <a:r>
+              <a:rPr lang="en-US" dirty="0" err="1">
+                <a:solidFill>
+                  <a:prstClr val="black"/>
+                </a:solidFill>
+                <a:latin typeface="Consolas" panose="020B0609020204030204" pitchFamily="49" charset="0"/>
+              </a:rPr>
+              <a:t>.State</a:t>
+            </a:r>
+            <a:r>
+              <a:rPr lang="en-US" dirty="0">
+                <a:solidFill>
+                  <a:prstClr val="black"/>
+                </a:solidFill>
+                <a:latin typeface="Consolas" panose="020B0609020204030204" pitchFamily="49" charset="0"/>
+              </a:rPr>
+              <a:t> = state; }</a:t>
+            </a:r>
+          </a:p>
+          <a:p>
+            <a:pPr marL="0" indent="0">
+              <a:buNone/>
+            </a:pPr>
+            <a:r>
+              <a:rPr lang="en-US" dirty="0">
+                <a:solidFill>
+                  <a:prstClr val="black"/>
+                </a:solidFill>
+                <a:latin typeface="Consolas" panose="020B0609020204030204" pitchFamily="49" charset="0"/>
+              </a:rPr>
+              <a:t>    </a:t>
+            </a:r>
+            <a:r>
+              <a:rPr lang="en-US" dirty="0">
+                <a:solidFill>
+                  <a:srgbClr val="0000FF"/>
+                </a:solidFill>
+                <a:latin typeface="Consolas" panose="020B0609020204030204" pitchFamily="49" charset="0"/>
+              </a:rPr>
+              <a:t>public</a:t>
+            </a:r>
+            <a:r>
+              <a:rPr lang="en-US" dirty="0">
+                <a:solidFill>
+                  <a:prstClr val="black"/>
+                </a:solidFill>
+                <a:latin typeface="Consolas" panose="020B0609020204030204" pitchFamily="49" charset="0"/>
+              </a:rPr>
+              <a:t> </a:t>
+            </a:r>
+            <a:r>
+              <a:rPr lang="en-US" dirty="0">
+                <a:solidFill>
+                  <a:srgbClr val="0000FF"/>
+                </a:solidFill>
+                <a:latin typeface="Consolas" panose="020B0609020204030204" pitchFamily="49" charset="0"/>
+              </a:rPr>
+              <a:t>int</a:t>
+            </a:r>
+            <a:r>
+              <a:rPr lang="en-US" dirty="0">
+                <a:solidFill>
+                  <a:prstClr val="black"/>
+                </a:solidFill>
+                <a:latin typeface="Consolas" panose="020B0609020204030204" pitchFamily="49" charset="0"/>
+              </a:rPr>
+              <a:t> State { </a:t>
+            </a:r>
+            <a:r>
+              <a:rPr lang="en-US" dirty="0">
+                <a:solidFill>
+                  <a:srgbClr val="0000FF"/>
+                </a:solidFill>
+                <a:latin typeface="Consolas" panose="020B0609020204030204" pitchFamily="49" charset="0"/>
+              </a:rPr>
+              <a:t>get</a:t>
+            </a:r>
+            <a:r>
+              <a:rPr lang="en-US" dirty="0">
+                <a:solidFill>
+                  <a:prstClr val="black"/>
+                </a:solidFill>
+                <a:latin typeface="Consolas" panose="020B0609020204030204" pitchFamily="49" charset="0"/>
+              </a:rPr>
+              <a:t>; </a:t>
+            </a:r>
+            <a:r>
+              <a:rPr lang="en-US" dirty="0">
+                <a:solidFill>
+                  <a:srgbClr val="0000FF"/>
+                </a:solidFill>
+                <a:latin typeface="Consolas" panose="020B0609020204030204" pitchFamily="49" charset="0"/>
+              </a:rPr>
+              <a:t>private</a:t>
+            </a:r>
+            <a:r>
+              <a:rPr lang="en-US" dirty="0">
+                <a:solidFill>
+                  <a:prstClr val="black"/>
+                </a:solidFill>
+                <a:latin typeface="Consolas" panose="020B0609020204030204" pitchFamily="49" charset="0"/>
+              </a:rPr>
+              <a:t> </a:t>
+            </a:r>
+            <a:r>
+              <a:rPr lang="en-US" dirty="0">
+                <a:solidFill>
+                  <a:srgbClr val="0000FF"/>
+                </a:solidFill>
+                <a:latin typeface="Consolas" panose="020B0609020204030204" pitchFamily="49" charset="0"/>
+              </a:rPr>
+              <a:t>set</a:t>
+            </a:r>
+            <a:r>
+              <a:rPr lang="en-US" dirty="0">
+                <a:solidFill>
+                  <a:prstClr val="black"/>
+                </a:solidFill>
+                <a:latin typeface="Consolas" panose="020B0609020204030204" pitchFamily="49" charset="0"/>
+              </a:rPr>
+              <a:t>; }</a:t>
+            </a:r>
+          </a:p>
+          <a:p>
+            <a:pPr marL="0" indent="0">
+              <a:buNone/>
+            </a:pPr>
+            <a:r>
+              <a:rPr lang="en-US" dirty="0">
+                <a:solidFill>
+                  <a:prstClr val="black"/>
+                </a:solidFill>
+                <a:latin typeface="Consolas" panose="020B0609020204030204" pitchFamily="49" charset="0"/>
+              </a:rPr>
+              <a:t>}</a:t>
+            </a:r>
+          </a:p>
+          <a:p>
+            <a:pPr marL="0" indent="0">
+              <a:buNone/>
+            </a:pPr>
+            <a:r>
+              <a:rPr lang="it-IT" dirty="0" smtClean="0">
+                <a:solidFill>
+                  <a:srgbClr val="0000FF"/>
+                </a:solidFill>
+                <a:latin typeface="Consolas" panose="020B0609020204030204" pitchFamily="49" charset="0"/>
+              </a:rPr>
+              <a:t>delegate</a:t>
+            </a:r>
+            <a:r>
+              <a:rPr lang="it-IT" dirty="0" smtClean="0">
+                <a:solidFill>
+                  <a:prstClr val="black"/>
+                </a:solidFill>
+                <a:latin typeface="Consolas" panose="020B0609020204030204" pitchFamily="49" charset="0"/>
+              </a:rPr>
+              <a:t> </a:t>
+            </a:r>
+            <a:r>
+              <a:rPr lang="it-IT" dirty="0">
+                <a:solidFill>
+                  <a:srgbClr val="2B91AF"/>
+                </a:solidFill>
+                <a:latin typeface="Consolas" panose="020B0609020204030204" pitchFamily="49" charset="0"/>
+              </a:rPr>
+              <a:t>Model</a:t>
+            </a:r>
+            <a:r>
+              <a:rPr lang="it-IT" dirty="0">
+                <a:solidFill>
+                  <a:prstClr val="black"/>
+                </a:solidFill>
+                <a:latin typeface="Consolas" panose="020B0609020204030204" pitchFamily="49" charset="0"/>
+              </a:rPr>
+              <a:t> </a:t>
+            </a:r>
+            <a:r>
+              <a:rPr lang="it-IT" dirty="0">
+                <a:solidFill>
+                  <a:srgbClr val="2B91AF"/>
+                </a:solidFill>
+                <a:latin typeface="Consolas" panose="020B0609020204030204" pitchFamily="49" charset="0"/>
+              </a:rPr>
+              <a:t>Controller</a:t>
+            </a:r>
+            <a:r>
+              <a:rPr lang="it-IT" dirty="0">
+                <a:solidFill>
+                  <a:prstClr val="black"/>
+                </a:solidFill>
+                <a:latin typeface="Consolas" panose="020B0609020204030204" pitchFamily="49" charset="0"/>
+              </a:rPr>
+              <a:t>(</a:t>
+            </a:r>
+            <a:r>
+              <a:rPr lang="it-IT" dirty="0">
+                <a:solidFill>
+                  <a:srgbClr val="2B91AF"/>
+                </a:solidFill>
+                <a:latin typeface="Consolas" panose="020B0609020204030204" pitchFamily="49" charset="0"/>
+              </a:rPr>
+              <a:t>Model</a:t>
+            </a:r>
+            <a:r>
+              <a:rPr lang="it-IT" dirty="0">
+                <a:solidFill>
+                  <a:prstClr val="black"/>
+                </a:solidFill>
+                <a:latin typeface="Consolas" panose="020B0609020204030204" pitchFamily="49" charset="0"/>
+              </a:rPr>
+              <a:t> model, </a:t>
+            </a:r>
+            <a:r>
+              <a:rPr lang="it-IT" dirty="0">
+                <a:solidFill>
+                  <a:srgbClr val="2B91AF"/>
+                </a:solidFill>
+                <a:latin typeface="Consolas" panose="020B0609020204030204" pitchFamily="49" charset="0"/>
+              </a:rPr>
+              <a:t>Events</a:t>
+            </a:r>
+            <a:r>
+              <a:rPr lang="it-IT" dirty="0">
+                <a:solidFill>
+                  <a:prstClr val="black"/>
+                </a:solidFill>
+                <a:latin typeface="Consolas" panose="020B0609020204030204" pitchFamily="49" charset="0"/>
+              </a:rPr>
+              <a:t> @event);</a:t>
+            </a:r>
+          </a:p>
+          <a:p>
+            <a:pPr marL="0" indent="0">
+              <a:buNone/>
+            </a:pPr>
+            <a:r>
+              <a:rPr lang="it-IT" dirty="0" smtClean="0">
+                <a:solidFill>
+                  <a:srgbClr val="0000FF"/>
+                </a:solidFill>
+                <a:latin typeface="Consolas" panose="020B0609020204030204" pitchFamily="49" charset="0"/>
+              </a:rPr>
+              <a:t>delegate</a:t>
+            </a:r>
+            <a:r>
+              <a:rPr lang="it-IT" dirty="0" smtClean="0">
+                <a:solidFill>
+                  <a:prstClr val="black"/>
+                </a:solidFill>
+                <a:latin typeface="Consolas" panose="020B0609020204030204" pitchFamily="49" charset="0"/>
+              </a:rPr>
+              <a:t> </a:t>
+            </a:r>
+            <a:r>
+              <a:rPr lang="it-IT" dirty="0">
+                <a:solidFill>
+                  <a:srgbClr val="2B91AF"/>
+                </a:solidFill>
+                <a:latin typeface="Consolas" panose="020B0609020204030204" pitchFamily="49" charset="0"/>
+              </a:rPr>
+              <a:t>Model</a:t>
+            </a:r>
+            <a:r>
+              <a:rPr lang="it-IT" dirty="0">
+                <a:solidFill>
+                  <a:prstClr val="black"/>
+                </a:solidFill>
+                <a:latin typeface="Consolas" panose="020B0609020204030204" pitchFamily="49" charset="0"/>
+              </a:rPr>
+              <a:t> </a:t>
+            </a:r>
+            <a:r>
+              <a:rPr lang="it-IT" dirty="0">
+                <a:solidFill>
+                  <a:srgbClr val="2B91AF"/>
+                </a:solidFill>
+                <a:latin typeface="Consolas" panose="020B0609020204030204" pitchFamily="49" charset="0"/>
+              </a:rPr>
+              <a:t>Mvc</a:t>
+            </a:r>
+            <a:r>
+              <a:rPr lang="it-IT" dirty="0">
+                <a:solidFill>
+                  <a:prstClr val="black"/>
+                </a:solidFill>
+                <a:latin typeface="Consolas" panose="020B0609020204030204" pitchFamily="49" charset="0"/>
+              </a:rPr>
+              <a:t>(</a:t>
+            </a:r>
+            <a:r>
+              <a:rPr lang="it-IT" dirty="0">
+                <a:solidFill>
+                  <a:srgbClr val="2B91AF"/>
+                </a:solidFill>
+                <a:latin typeface="Consolas" panose="020B0609020204030204" pitchFamily="49" charset="0"/>
+              </a:rPr>
+              <a:t>Controller</a:t>
+            </a:r>
+            <a:r>
+              <a:rPr lang="it-IT" dirty="0">
+                <a:solidFill>
+                  <a:prstClr val="black"/>
+                </a:solidFill>
+                <a:latin typeface="Consolas" panose="020B0609020204030204" pitchFamily="49" charset="0"/>
+              </a:rPr>
+              <a:t> controller, </a:t>
+            </a:r>
+            <a:r>
+              <a:rPr lang="it-IT" dirty="0">
+                <a:solidFill>
+                  <a:srgbClr val="2B91AF"/>
+                </a:solidFill>
+                <a:latin typeface="Consolas" panose="020B0609020204030204" pitchFamily="49" charset="0"/>
+              </a:rPr>
+              <a:t>Model</a:t>
+            </a:r>
+            <a:r>
+              <a:rPr lang="it-IT" dirty="0">
+                <a:solidFill>
+                  <a:prstClr val="black"/>
+                </a:solidFill>
+                <a:latin typeface="Consolas" panose="020B0609020204030204" pitchFamily="49" charset="0"/>
+              </a:rPr>
+              <a:t> model, </a:t>
+            </a:r>
+            <a:r>
+              <a:rPr lang="it-IT" dirty="0" smtClean="0">
+                <a:solidFill>
+                  <a:srgbClr val="2B91AF"/>
+                </a:solidFill>
+                <a:latin typeface="Consolas" panose="020B0609020204030204" pitchFamily="49" charset="0"/>
+              </a:rPr>
+              <a:t>View</a:t>
+            </a:r>
+            <a:r>
+              <a:rPr lang="it-IT" dirty="0" smtClean="0">
+                <a:solidFill>
+                  <a:prstClr val="black"/>
+                </a:solidFill>
+                <a:latin typeface="Consolas" panose="020B0609020204030204" pitchFamily="49" charset="0"/>
+              </a:rPr>
+              <a:t> </a:t>
+            </a:r>
+            <a:r>
+              <a:rPr lang="it-IT" dirty="0">
+                <a:solidFill>
+                  <a:prstClr val="black"/>
+                </a:solidFill>
+                <a:latin typeface="Consolas" panose="020B0609020204030204" pitchFamily="49" charset="0"/>
+              </a:rPr>
+              <a:t>view);</a:t>
+            </a:r>
+          </a:p>
+          <a:p>
+            <a:endParaRPr lang="en-US" dirty="0">
+              <a:solidFill>
+                <a:prstClr val="black"/>
+              </a:solidFill>
+              <a:latin typeface="Consolas" panose="020B0609020204030204" pitchFamily="49" charset="0"/>
+            </a:endParaRPr>
+          </a:p>
+          <a:p>
+            <a:pPr marL="0" indent="0">
+              <a:buNone/>
+            </a:pPr>
+            <a:endParaRPr lang="en-US" dirty="0">
+              <a:solidFill>
+                <a:schemeClr val="bg1"/>
+              </a:solidFill>
+            </a:endParaRPr>
+          </a:p>
+        </p:txBody>
+      </p:sp>
+    </p:spTree>
+    <p:extLst>
+      <p:ext uri="{BB962C8B-B14F-4D97-AF65-F5344CB8AC3E}">
+        <p14:creationId xmlns:p14="http://schemas.microsoft.com/office/powerpoint/2010/main" val="1272363041"/>
+      </p:ext>
+    </p:extLst>
+  </p:cSld>
+  <p:clrMapOvr>
+    <a:masterClrMapping/>
+  </p:clrMapOvr>
+  <p:timing>
+    <p:tnLst>
+      <p:par>
+        <p:cTn id="1" dur="indefinite" restart="never" nodeType="tmRoot"/>
+      </p:par>
+    </p:tnLst>
+  </p:timing>
+</p:sld>
+</file>
+
+<file path=ppt/slides/slide7.xml><?xml version="1.0" encoding="utf-8"?>
+<p:sld xmlns:a="http://schemas.openxmlformats.org/drawingml/2006/main" xmlns:r="http://schemas.openxmlformats.org/officeDocument/2006/relationships" xmlns:p="http://schemas.openxmlformats.org/presentationml/2006/main">
+  <p:cSld>
+    <p:spTree>
+      <p:nvGrpSpPr>
+        <p:cNvPr id="1" name=""/>
+        <p:cNvGrpSpPr/>
+        <p:nvPr/>
+      </p:nvGrpSpPr>
+      <p:grpSpPr>
+        <a:xfrm>
+          <a:off x="0" y="0"/>
+          <a:ext cx="0" cy="0"/>
+          <a:chOff x="0" y="0"/>
+          <a:chExt cx="0" cy="0"/>
+        </a:xfrm>
+      </p:grpSpPr>
+      <p:sp>
+        <p:nvSpPr>
+          <p:cNvPr id="2" name="Title 1"/>
+          <p:cNvSpPr>
+            <a:spLocks noGrp="1"/>
+          </p:cNvSpPr>
+          <p:nvPr>
+            <p:ph type="title"/>
+          </p:nvPr>
+        </p:nvSpPr>
+        <p:spPr>
+          <a:xfrm>
+            <a:off x="1141413" y="618518"/>
+            <a:ext cx="9905998" cy="503700"/>
+          </a:xfrm>
+        </p:spPr>
+        <p:txBody>
+          <a:bodyPr>
+            <a:normAutofit fontScale="90000"/>
+          </a:bodyPr>
+          <a:lstStyle/>
+          <a:p>
+            <a:r>
+              <a:rPr lang="en-US" dirty="0" smtClean="0"/>
+              <a:t>MVC not Mvvm</a:t>
+            </a:r>
+            <a:endParaRPr lang="en-US" dirty="0"/>
+          </a:p>
+        </p:txBody>
+      </p:sp>
+      <p:pic>
+        <p:nvPicPr>
+          <p:cNvPr id="4" name="Content Placeholder 3"/>
+          <p:cNvPicPr>
+            <a:picLocks noGrp="1" noChangeAspect="1"/>
+          </p:cNvPicPr>
+          <p:nvPr>
+            <p:ph idx="1"/>
+          </p:nvPr>
+        </p:nvPicPr>
+        <p:blipFill>
+          <a:blip r:embed="rId2"/>
+          <a:stretch>
+            <a:fillRect/>
+          </a:stretch>
+        </p:blipFill>
+        <p:spPr>
+          <a:xfrm>
+            <a:off x="1141413" y="1146309"/>
+            <a:ext cx="9779432" cy="5089396"/>
+          </a:xfrm>
+          <a:prstGeom prst="rect">
+            <a:avLst/>
+          </a:prstGeom>
+        </p:spPr>
+      </p:pic>
+    </p:spTree>
+    <p:extLst>
+      <p:ext uri="{BB962C8B-B14F-4D97-AF65-F5344CB8AC3E}">
+        <p14:creationId xmlns:p14="http://schemas.microsoft.com/office/powerpoint/2010/main" val="813085211"/>
+      </p:ext>
+    </p:extLst>
+  </p:cSld>
+  <p:clrMapOvr>
+    <a:masterClrMapping/>
+  </p:clrMapOvr>
+  <p:timing>
+    <p:tnLst>
+      <p:par>
+        <p:cTn id="1" dur="indefinite" restart="never" nodeType="tmRoot"/>
+      </p:par>
+    </p:tnLst>
+  </p:timing>
+</p:sld>
+</file>
+
+<file path=ppt/slides/slide8.xml><?xml version="1.0" encoding="utf-8"?>
+<p:sld xmlns:a="http://schemas.openxmlformats.org/drawingml/2006/main" xmlns:r="http://schemas.openxmlformats.org/officeDocument/2006/relationships" xmlns:p="http://schemas.openxmlformats.org/presentationml/2006/main">
+  <p:cSld>
+    <p:spTree>
+      <p:nvGrpSpPr>
+        <p:cNvPr id="1" name=""/>
+        <p:cNvGrpSpPr/>
+        <p:nvPr/>
+      </p:nvGrpSpPr>
+      <p:grpSpPr>
+        <a:xfrm>
+          <a:off x="0" y="0"/>
+          <a:ext cx="0" cy="0"/>
+          <a:chOff x="0" y="0"/>
+          <a:chExt cx="0" cy="0"/>
+        </a:xfrm>
+      </p:grpSpPr>
+      <p:sp>
+        <p:nvSpPr>
+          <p:cNvPr id="2" name="Title 1"/>
+          <p:cNvSpPr>
+            <a:spLocks noGrp="1"/>
+          </p:cNvSpPr>
+          <p:nvPr>
+            <p:ph type="title"/>
+          </p:nvPr>
+        </p:nvSpPr>
+        <p:spPr/>
+        <p:txBody>
+          <a:bodyPr/>
+          <a:lstStyle/>
+          <a:p>
+            <a:r>
+              <a:rPr lang="en-US" dirty="0" smtClean="0"/>
+              <a:t>model</a:t>
+            </a:r>
+            <a:endParaRPr lang="en-US" dirty="0"/>
+          </a:p>
+        </p:txBody>
+      </p:sp>
+      <p:sp>
+        <p:nvSpPr>
+          <p:cNvPr id="3" name="Content Placeholder 2"/>
+          <p:cNvSpPr>
+            <a:spLocks noGrp="1"/>
+          </p:cNvSpPr>
+          <p:nvPr>
+            <p:ph idx="1"/>
+          </p:nvPr>
+        </p:nvSpPr>
+        <p:spPr>
+          <a:xfrm>
+            <a:off x="1141412" y="1984074"/>
+            <a:ext cx="9905999" cy="4037163"/>
+          </a:xfrm>
+        </p:spPr>
+        <p:txBody>
+          <a:bodyPr>
+            <a:normAutofit fontScale="92500"/>
+          </a:bodyPr>
+          <a:lstStyle/>
+          <a:p>
+            <a:r>
+              <a:rPr lang="en-US" dirty="0" smtClean="0"/>
+              <a:t>Not domain model</a:t>
+            </a:r>
+          </a:p>
+          <a:p>
+            <a:r>
+              <a:rPr lang="en-US" dirty="0" smtClean="0"/>
+              <a:t>Based on Castle Dynamic Proxy</a:t>
+            </a:r>
+          </a:p>
+          <a:p>
+            <a:r>
+              <a:rPr lang="en-US" dirty="0" smtClean="0"/>
+              <a:t>Raises INPC.PropertyChanged from setter interceptor</a:t>
+            </a:r>
+          </a:p>
+          <a:p>
+            <a:r>
+              <a:rPr lang="en-US" dirty="0" smtClean="0"/>
+              <a:t>Restrictions: virtual properties + base class + factory </a:t>
+            </a:r>
+            <a:r>
+              <a:rPr lang="en-US" dirty="0"/>
+              <a:t>method +</a:t>
+            </a:r>
+            <a:r>
+              <a:rPr lang="en-US" dirty="0" err="1"/>
+              <a:t>parameterless</a:t>
+            </a:r>
+            <a:r>
+              <a:rPr lang="en-US" dirty="0"/>
+              <a:t> </a:t>
+            </a:r>
+            <a:r>
+              <a:rPr lang="en-US" dirty="0" err="1" smtClean="0"/>
+              <a:t>ctor</a:t>
+            </a:r>
+            <a:endParaRPr lang="en-US" dirty="0" smtClean="0"/>
+          </a:p>
+          <a:p>
+            <a:r>
+              <a:rPr lang="en-US" dirty="0" smtClean="0"/>
+              <a:t>DECLARATIVE, FUNCTIONAL STYLE</a:t>
+            </a:r>
+          </a:p>
+          <a:p>
+            <a:pPr lvl="1"/>
+            <a:r>
+              <a:rPr lang="en-US" dirty="0"/>
+              <a:t>T</a:t>
+            </a:r>
+            <a:r>
+              <a:rPr lang="en-US" dirty="0" smtClean="0"/>
+              <a:t>ype definition only, no imperative logic</a:t>
+            </a:r>
+          </a:p>
+          <a:p>
+            <a:pPr lvl="1"/>
+            <a:r>
+              <a:rPr lang="en-US" dirty="0"/>
+              <a:t>It is better to have 100 functions operate on one data structure than 10 functions on 10 data structures</a:t>
+            </a:r>
+            <a:r>
+              <a:rPr lang="en-US" dirty="0" smtClean="0"/>
+              <a:t>.</a:t>
+            </a:r>
+          </a:p>
+          <a:p>
+            <a:pPr lvl="1"/>
+            <a:endParaRPr lang="en-US" dirty="0" smtClean="0"/>
+          </a:p>
+          <a:p>
+            <a:pPr lvl="1"/>
+            <a:endParaRPr lang="en-US" dirty="0"/>
+          </a:p>
+        </p:txBody>
+      </p:sp>
+    </p:spTree>
+    <p:extLst>
+      <p:ext uri="{BB962C8B-B14F-4D97-AF65-F5344CB8AC3E}">
+        <p14:creationId xmlns:p14="http://schemas.microsoft.com/office/powerpoint/2010/main" val="2026110272"/>
+      </p:ext>
+    </p:extLst>
+  </p:cSld>
+  <p:clrMapOvr>
+    <a:masterClrMapping/>
+  </p:clrMapOvr>
+  <p:timing>
+    <p:tnLst>
+      <p:par>
+        <p:cTn id="1" dur="indefinite" restart="never" nodeType="tmRoot"/>
+      </p:par>
+    </p:tnLst>
+  </p:timing>
+</p:sld>
+</file>
+
+<file path=ppt/slides/slide9.xml><?xml version="1.0" encoding="utf-8"?>
+<p:sld xmlns:a="http://schemas.openxmlformats.org/drawingml/2006/main" xmlns:r="http://schemas.openxmlformats.org/officeDocument/2006/relationships" xmlns:p="http://schemas.openxmlformats.org/presentationml/2006/main">
+  <p:cSld>
+    <p:spTree>
+      <p:nvGrpSpPr>
+        <p:cNvPr id="1" name=""/>
+        <p:cNvGrpSpPr/>
+        <p:nvPr/>
+      </p:nvGrpSpPr>
+      <p:grpSpPr>
+        <a:xfrm>
+          <a:off x="0" y="0"/>
+          <a:ext cx="0" cy="0"/>
+          <a:chOff x="0" y="0"/>
+          <a:chExt cx="0" cy="0"/>
+        </a:xfrm>
+      </p:grpSpPr>
+      <p:sp>
+        <p:nvSpPr>
+          <p:cNvPr id="2" name="Title 1"/>
+          <p:cNvSpPr>
+            <a:spLocks noGrp="1"/>
+          </p:cNvSpPr>
+          <p:nvPr>
+            <p:ph type="title"/>
+          </p:nvPr>
+        </p:nvSpPr>
+        <p:spPr/>
+        <p:txBody>
+          <a:bodyPr/>
+          <a:lstStyle/>
+          <a:p>
+            <a:r>
+              <a:rPr lang="en-US" dirty="0" smtClean="0"/>
+              <a:t>VIEW </a:t>
+            </a:r>
+            <a:endParaRPr lang="en-US" dirty="0"/>
+          </a:p>
+        </p:txBody>
+      </p:sp>
+      <p:sp>
+        <p:nvSpPr>
+          <p:cNvPr id="3" name="Content Placeholder 2"/>
+          <p:cNvSpPr>
+            <a:spLocks noGrp="1"/>
+          </p:cNvSpPr>
+          <p:nvPr>
+            <p:ph idx="1"/>
+          </p:nvPr>
+        </p:nvSpPr>
+        <p:spPr>
+          <a:xfrm>
+            <a:off x="1141413" y="3382131"/>
+            <a:ext cx="9905999" cy="2475744"/>
+          </a:xfrm>
+        </p:spPr>
+        <p:txBody>
+          <a:bodyPr>
+            <a:normAutofit/>
+          </a:bodyPr>
+          <a:lstStyle/>
+          <a:p>
+            <a:r>
+              <a:rPr lang="en-US" dirty="0" smtClean="0"/>
+              <a:t>Event source</a:t>
+            </a:r>
+          </a:p>
+          <a:p>
+            <a:r>
+              <a:rPr lang="en-US" dirty="0" smtClean="0"/>
+              <a:t>Data binding target (model is the </a:t>
+            </a:r>
+            <a:r>
+              <a:rPr lang="en-US" dirty="0" err="1" smtClean="0"/>
+              <a:t>DataContext</a:t>
+            </a:r>
+            <a:r>
+              <a:rPr lang="en-US" dirty="0" smtClean="0"/>
+              <a:t>)</a:t>
+            </a:r>
+          </a:p>
+          <a:p>
+            <a:r>
+              <a:rPr lang="en-US" dirty="0" smtClean="0"/>
+              <a:t>F# support for .NET events makes experience really smooth</a:t>
+            </a:r>
+          </a:p>
+          <a:p>
+            <a:r>
+              <a:rPr lang="en-US" dirty="0" smtClean="0"/>
+              <a:t>DU is better than </a:t>
+            </a:r>
+            <a:r>
+              <a:rPr lang="en-US" dirty="0" err="1" smtClean="0"/>
+              <a:t>Enum</a:t>
+            </a:r>
+            <a:r>
+              <a:rPr lang="en-US" dirty="0" smtClean="0"/>
+              <a:t> (pattern matching, extra state)</a:t>
+            </a:r>
+            <a:endParaRPr lang="en-US" dirty="0"/>
+          </a:p>
+        </p:txBody>
+      </p:sp>
+      <p:sp>
+        <p:nvSpPr>
+          <p:cNvPr id="7" name="Rectangle 6"/>
+          <p:cNvSpPr/>
+          <p:nvPr/>
+        </p:nvSpPr>
+        <p:spPr>
+          <a:xfrm>
+            <a:off x="1141413" y="1903561"/>
+            <a:ext cx="9905999" cy="1200329"/>
+          </a:xfrm>
+          <a:prstGeom prst="rect">
+            <a:avLst/>
+          </a:prstGeom>
+          <a:solidFill>
+            <a:schemeClr val="tx1"/>
+          </a:solidFill>
+        </p:spPr>
+        <p:txBody>
+          <a:bodyPr wrap="square">
+            <a:spAutoFit/>
+          </a:bodyPr>
+          <a:lstStyle/>
+          <a:p>
+            <a:r>
+              <a:rPr lang="en-US" dirty="0">
+                <a:solidFill>
+                  <a:srgbClr val="0000FF"/>
+                </a:solidFill>
+                <a:latin typeface="Consolas" panose="020B0609020204030204" pitchFamily="49" charset="0"/>
+              </a:rPr>
+              <a:t>type</a:t>
+            </a:r>
+            <a:r>
+              <a:rPr lang="en-US" dirty="0">
+                <a:solidFill>
+                  <a:prstClr val="black"/>
+                </a:solidFill>
+                <a:latin typeface="Consolas" panose="020B0609020204030204" pitchFamily="49" charset="0"/>
+              </a:rPr>
+              <a:t> IView&lt;'Events&gt; =</a:t>
+            </a:r>
+          </a:p>
+          <a:p>
+            <a:r>
+              <a:rPr lang="en-US" dirty="0">
+                <a:solidFill>
+                  <a:prstClr val="black"/>
+                </a:solidFill>
+                <a:latin typeface="Consolas" panose="020B0609020204030204" pitchFamily="49" charset="0"/>
+              </a:rPr>
+              <a:t>    </a:t>
+            </a:r>
+            <a:r>
+              <a:rPr lang="en-US" dirty="0">
+                <a:solidFill>
+                  <a:srgbClr val="0000FF"/>
+                </a:solidFill>
+                <a:latin typeface="Consolas" panose="020B0609020204030204" pitchFamily="49" charset="0"/>
+              </a:rPr>
+              <a:t>inherit</a:t>
+            </a:r>
+            <a:r>
+              <a:rPr lang="en-US" dirty="0">
+                <a:solidFill>
+                  <a:prstClr val="black"/>
+                </a:solidFill>
+                <a:latin typeface="Consolas" panose="020B0609020204030204" pitchFamily="49" charset="0"/>
+              </a:rPr>
+              <a:t> IObservable&lt;'Events&gt;</a:t>
+            </a:r>
+          </a:p>
+          <a:p>
+            <a:endParaRPr lang="en-US" dirty="0">
+              <a:solidFill>
+                <a:prstClr val="black"/>
+              </a:solidFill>
+              <a:latin typeface="Consolas" panose="020B0609020204030204" pitchFamily="49" charset="0"/>
+            </a:endParaRPr>
+          </a:p>
+          <a:p>
+            <a:r>
+              <a:rPr lang="en-US" dirty="0">
+                <a:solidFill>
+                  <a:prstClr val="black"/>
+                </a:solidFill>
+                <a:latin typeface="Consolas" panose="020B0609020204030204" pitchFamily="49" charset="0"/>
+              </a:rPr>
+              <a:t>    </a:t>
+            </a:r>
+            <a:r>
+              <a:rPr lang="en-US" dirty="0">
+                <a:solidFill>
+                  <a:srgbClr val="0000FF"/>
+                </a:solidFill>
+                <a:latin typeface="Consolas" panose="020B0609020204030204" pitchFamily="49" charset="0"/>
+              </a:rPr>
+              <a:t>abstract</a:t>
+            </a:r>
+            <a:r>
+              <a:rPr lang="en-US" dirty="0">
+                <a:solidFill>
+                  <a:prstClr val="black"/>
+                </a:solidFill>
+                <a:latin typeface="Consolas" panose="020B0609020204030204" pitchFamily="49" charset="0"/>
+              </a:rPr>
+              <a:t> SetBindings : obj </a:t>
+            </a:r>
+            <a:r>
+              <a:rPr lang="en-US" dirty="0">
+                <a:solidFill>
+                  <a:srgbClr val="0000FF"/>
+                </a:solidFill>
+                <a:latin typeface="Consolas" panose="020B0609020204030204" pitchFamily="49" charset="0"/>
+              </a:rPr>
+              <a:t>-&gt;</a:t>
+            </a:r>
+            <a:r>
+              <a:rPr lang="en-US" dirty="0">
+                <a:solidFill>
+                  <a:prstClr val="black"/>
+                </a:solidFill>
+                <a:latin typeface="Consolas" panose="020B0609020204030204" pitchFamily="49" charset="0"/>
+              </a:rPr>
+              <a:t> unit</a:t>
+            </a:r>
+          </a:p>
+        </p:txBody>
+      </p:sp>
+    </p:spTree>
+    <p:extLst>
+      <p:ext uri="{BB962C8B-B14F-4D97-AF65-F5344CB8AC3E}">
+        <p14:creationId xmlns:p14="http://schemas.microsoft.com/office/powerpoint/2010/main" val="3687811577"/>
       </p:ext>
     </p:extLst>
   </p:cSld>
